--- a/3/java-2021-1-Lenskii.pptx
+++ b/3/java-2021-1-Lenskii.pptx
@@ -4087,42 +4087,6 @@
           </a:prstGeom>
         </p:spPr>
       </p:pic>
-      <p:sp>
-        <p:nvSpPr>
-          <p:cNvPr id="11" name="TextBox 10"/>
-          <p:cNvSpPr txBox="1"/>
-          <p:nvPr/>
-        </p:nvSpPr>
-        <p:spPr>
-          <a:xfrm>
-            <a:off x="92528" y="6160544"/>
-            <a:ext cx="4454534" cy="307777"/>
-          </a:xfrm>
-          <a:prstGeom prst="rect">
-            <a:avLst/>
-          </a:prstGeom>
-          <a:noFill/>
-        </p:spPr>
-        <p:txBody>
-          <a:bodyPr wrap="square" rtlCol="0">
-            <a:spAutoFit/>
-          </a:bodyPr>
-          <a:lstStyle/>
-          <a:p>
-            <a:r>
-              <a:rPr lang="en-US" sz="1400" dirty="0">
-                <a:latin typeface="Times New Roman" panose="02020603050405020304" pitchFamily="18" charset="0"/>
-                <a:cs typeface="Times New Roman" panose="02020603050405020304" pitchFamily="18" charset="0"/>
-              </a:rPr>
-              <a:t>https://github.com/IliaLenskii/graduate-work/tree/master/3</a:t>
-            </a:r>
-            <a:endParaRPr lang="ru-RU" sz="1400" dirty="0">
-              <a:latin typeface="Times New Roman" panose="02020603050405020304" pitchFamily="18" charset="0"/>
-              <a:cs typeface="Times New Roman" panose="02020603050405020304" pitchFamily="18" charset="0"/>
-            </a:endParaRPr>
-          </a:p>
-        </p:txBody>
-      </p:sp>
       <p:pic>
         <p:nvPicPr>
           <p:cNvPr id="6" name="Рисунок 5"/>
@@ -4272,6 +4236,36 @@
           </a:p>
         </p:txBody>
       </p:sp>
+      <p:pic>
+        <p:nvPicPr>
+          <p:cNvPr id="9" name="Рисунок 8"/>
+          <p:cNvPicPr>
+            <a:picLocks noChangeAspect="1"/>
+          </p:cNvPicPr>
+          <p:nvPr/>
+        </p:nvPicPr>
+        <p:blipFill>
+          <a:blip r:embed="rId9">
+            <a:extLst>
+              <a:ext uri="{28A0092B-C50C-407E-A947-70E740481C1C}">
+                <a14:useLocalDpi xmlns:a14="http://schemas.microsoft.com/office/drawing/2010/main" val="0"/>
+              </a:ext>
+            </a:extLst>
+          </a:blip>
+          <a:stretch>
+            <a:fillRect/>
+          </a:stretch>
+        </p:blipFill>
+        <p:spPr>
+          <a:xfrm>
+            <a:off x="318339" y="5150973"/>
+            <a:ext cx="1299151" cy="1299151"/>
+          </a:xfrm>
+          <a:prstGeom prst="rect">
+            <a:avLst/>
+          </a:prstGeom>
+        </p:spPr>
+      </p:pic>
     </p:spTree>
     <p:extLst>
       <p:ext uri="{BB962C8B-B14F-4D97-AF65-F5344CB8AC3E}">
@@ -4896,14 +4890,7 @@
                 <a:latin typeface="Times New Roman" panose="02020603050405020304" pitchFamily="18" charset="0"/>
                 <a:cs typeface="Times New Roman" panose="02020603050405020304" pitchFamily="18" charset="0"/>
               </a:rPr>
-              <a:t>Решены все задачи</a:t>
-            </a:r>
-            <a:r>
-              <a:rPr lang="ru-RU" dirty="0" smtClean="0">
-                <a:latin typeface="Times New Roman" panose="02020603050405020304" pitchFamily="18" charset="0"/>
-                <a:cs typeface="Times New Roman" panose="02020603050405020304" pitchFamily="18" charset="0"/>
-              </a:rPr>
-              <a:t>:</a:t>
+              <a:t>Решены все задачи:</a:t>
             </a:r>
           </a:p>
           <a:p>
@@ -4976,10 +4963,6 @@
               </a:rPr>
               <a:t>ыли реализован план модульного тестирования.</a:t>
             </a:r>
-            <a:endParaRPr lang="ru-RU" dirty="0" smtClean="0">
-              <a:latin typeface="Times New Roman" panose="02020603050405020304" pitchFamily="18" charset="0"/>
-              <a:cs typeface="Times New Roman" panose="02020603050405020304" pitchFamily="18" charset="0"/>
-            </a:endParaRPr>
           </a:p>
           <a:p>
             <a:pPr marL="285750" indent="-285750">
@@ -5030,21 +5013,7 @@
                 <a:latin typeface="Times New Roman" panose="02020603050405020304" pitchFamily="18" charset="0"/>
                 <a:cs typeface="Times New Roman" panose="02020603050405020304" pitchFamily="18" charset="0"/>
               </a:rPr>
-              <a:t>дальнейшем </a:t>
-            </a:r>
-            <a:r>
-              <a:rPr lang="ru-RU" dirty="0" smtClean="0">
-                <a:latin typeface="Times New Roman" panose="02020603050405020304" pitchFamily="18" charset="0"/>
-                <a:cs typeface="Times New Roman" panose="02020603050405020304" pitchFamily="18" charset="0"/>
-              </a:rPr>
-              <a:t>планируется </a:t>
-            </a:r>
-            <a:r>
-              <a:rPr lang="ru-RU" dirty="0" smtClean="0">
-                <a:latin typeface="Times New Roman" panose="02020603050405020304" pitchFamily="18" charset="0"/>
-                <a:cs typeface="Times New Roman" panose="02020603050405020304" pitchFamily="18" charset="0"/>
-              </a:rPr>
-              <a:t>доработать приложение и перевести его из состояния прототипа в релиз-кандидат.</a:t>
+              <a:t>дальнейшем планируется доработать приложение и перевести его из состояния прототипа в релиз-кандидат.</a:t>
             </a:r>
             <a:endParaRPr lang="ru-RU" dirty="0"/>
           </a:p>
@@ -5724,14 +5693,7 @@
                 <a:latin typeface="Times New Roman" panose="02020603050405020304" pitchFamily="18" charset="0"/>
                 <a:cs typeface="Times New Roman" panose="02020603050405020304" pitchFamily="18" charset="0"/>
               </a:rPr>
-              <a:t>Реализация прототипа </a:t>
-            </a:r>
-            <a:r>
-              <a:rPr lang="ru-RU" sz="2200" dirty="0" smtClean="0">
-                <a:latin typeface="Times New Roman" panose="02020603050405020304" pitchFamily="18" charset="0"/>
-                <a:cs typeface="Times New Roman" panose="02020603050405020304" pitchFamily="18" charset="0"/>
-              </a:rPr>
-              <a:t>мобильного приложения.</a:t>
+              <a:t>Реализация прототипа мобильного приложения.</a:t>
             </a:r>
           </a:p>
           <a:p>
@@ -5747,14 +5709,21 @@
                 <a:latin typeface="Times New Roman" panose="02020603050405020304" pitchFamily="18" charset="0"/>
                 <a:cs typeface="Times New Roman" panose="02020603050405020304" pitchFamily="18" charset="0"/>
               </a:rPr>
-              <a:t>Модульное тестирование </a:t>
+              <a:t>Реализовать</a:t>
             </a:r>
             <a:r>
               <a:rPr lang="ru-RU" sz="2200" dirty="0" smtClean="0">
                 <a:latin typeface="Times New Roman" panose="02020603050405020304" pitchFamily="18" charset="0"/>
                 <a:cs typeface="Times New Roman" panose="02020603050405020304" pitchFamily="18" charset="0"/>
               </a:rPr>
-              <a:t>прототипа.</a:t>
+              <a:t> модульное </a:t>
+            </a:r>
+            <a:r>
+              <a:rPr lang="ru-RU" sz="2200" dirty="0" smtClean="0">
+                <a:latin typeface="Times New Roman" panose="02020603050405020304" pitchFamily="18" charset="0"/>
+                <a:cs typeface="Times New Roman" panose="02020603050405020304" pitchFamily="18" charset="0"/>
+              </a:rPr>
+              <a:t>тестирование прототипа.</a:t>
             </a:r>
           </a:p>
         </p:txBody>
@@ -5885,14 +5854,14 @@
                 <a:latin typeface="Times New Roman" panose="02020603050405020304" pitchFamily="18" charset="0"/>
                 <a:cs typeface="Times New Roman" panose="02020603050405020304" pitchFamily="18" charset="0"/>
               </a:rPr>
-              <a:t>Мобильное приложение это </a:t>
+              <a:t>Мобильное приложение это – </a:t>
             </a:r>
             <a:r>
               <a:rPr lang="ru-RU" sz="2200" dirty="0" smtClean="0">
                 <a:latin typeface="Times New Roman" panose="02020603050405020304" pitchFamily="18" charset="0"/>
                 <a:cs typeface="Times New Roman" panose="02020603050405020304" pitchFamily="18" charset="0"/>
               </a:rPr>
-              <a:t>– ...</a:t>
+              <a:t>...</a:t>
             </a:r>
             <a:endParaRPr lang="ru-RU" sz="2200" dirty="0" smtClean="0">
               <a:latin typeface="Times New Roman" panose="02020603050405020304" pitchFamily="18" charset="0"/>

--- a/3/java-2021-1-Lenskii.pptx
+++ b/3/java-2021-1-Lenskii.pptx
@@ -210,7 +210,7 @@
           <a:p>
             <a:fld id="{1BAE438E-8129-45D7-BE77-B8CF598491DD}" type="datetimeFigureOut">
               <a:rPr lang="ru-RU" smtClean="0"/>
-              <a:t>16.02.2022</a:t>
+              <a:t>18.02.2022</a:t>
             </a:fld>
             <a:endParaRPr lang="ru-RU" dirty="0"/>
           </a:p>
@@ -609,7 +609,7 @@
           <a:p>
             <a:fld id="{82A88920-A4DD-4294-BB42-5E25DC38D062}" type="datetime1">
               <a:rPr lang="en-US" smtClean="0"/>
-              <a:t>2/16/2022</a:t>
+              <a:t>2/18/2022</a:t>
             </a:fld>
             <a:endParaRPr lang="en-US" dirty="0"/>
           </a:p>
@@ -784,7 +784,7 @@
           <a:p>
             <a:fld id="{C2AA4C5A-6678-4F65-81E3-DA6798EE8701}" type="datetime1">
               <a:rPr lang="en-US" smtClean="0"/>
-              <a:t>2/16/2022</a:t>
+              <a:t>2/18/2022</a:t>
             </a:fld>
             <a:endParaRPr lang="en-US" dirty="0"/>
           </a:p>
@@ -969,7 +969,7 @@
           <a:p>
             <a:fld id="{E56CB186-4427-4D3B-AD6F-9F3C45DA0138}" type="datetime1">
               <a:rPr lang="en-US" smtClean="0"/>
-              <a:t>2/16/2022</a:t>
+              <a:t>2/18/2022</a:t>
             </a:fld>
             <a:endParaRPr lang="en-US" dirty="0"/>
           </a:p>
@@ -1144,7 +1144,7 @@
           <a:p>
             <a:fld id="{73BC26BA-7FBF-42DE-88A1-8F4AEACAA6DA}" type="datetime1">
               <a:rPr lang="en-US" smtClean="0"/>
-              <a:t>2/16/2022</a:t>
+              <a:t>2/18/2022</a:t>
             </a:fld>
             <a:endParaRPr lang="en-US" dirty="0"/>
           </a:p>
@@ -1395,7 +1395,7 @@
           <a:p>
             <a:fld id="{AC9FC546-7E39-4E27-9E39-93D9E83A1C9A}" type="datetime1">
               <a:rPr lang="en-US" smtClean="0"/>
-              <a:t>2/16/2022</a:t>
+              <a:t>2/18/2022</a:t>
             </a:fld>
             <a:endParaRPr lang="en-US" dirty="0"/>
           </a:p>
@@ -1632,7 +1632,7 @@
           <a:p>
             <a:fld id="{BE0F372A-0257-4318-886D-26B35FFE5574}" type="datetime1">
               <a:rPr lang="en-US" smtClean="0"/>
-              <a:t>2/16/2022</a:t>
+              <a:t>2/18/2022</a:t>
             </a:fld>
             <a:endParaRPr lang="en-US" dirty="0"/>
           </a:p>
@@ -2004,7 +2004,7 @@
           <a:p>
             <a:fld id="{398A0FAC-27E8-4A9A-A03F-416D50458A36}" type="datetime1">
               <a:rPr lang="en-US" smtClean="0"/>
-              <a:t>2/16/2022</a:t>
+              <a:t>2/18/2022</a:t>
             </a:fld>
             <a:endParaRPr lang="en-US" dirty="0"/>
           </a:p>
@@ -2127,7 +2127,7 @@
           <a:p>
             <a:fld id="{E5D8AABB-E23A-4503-AEB0-D466F3A252F5}" type="datetime1">
               <a:rPr lang="en-US" smtClean="0"/>
-              <a:t>2/16/2022</a:t>
+              <a:t>2/18/2022</a:t>
             </a:fld>
             <a:endParaRPr lang="en-US" dirty="0"/>
           </a:p>
@@ -2227,7 +2227,7 @@
           <a:p>
             <a:fld id="{97F4C0BE-2773-4D47-8327-F14184CB78DF}" type="datetime1">
               <a:rPr lang="en-US" smtClean="0"/>
-              <a:t>2/16/2022</a:t>
+              <a:t>2/18/2022</a:t>
             </a:fld>
             <a:endParaRPr lang="en-US" dirty="0"/>
           </a:p>
@@ -2509,7 +2509,7 @@
           <a:p>
             <a:fld id="{C5A3E837-DD15-41AE-92C1-3355A4DC36E7}" type="datetime1">
               <a:rPr lang="en-US" smtClean="0"/>
-              <a:t>2/16/2022</a:t>
+              <a:t>2/18/2022</a:t>
             </a:fld>
             <a:endParaRPr lang="en-US" dirty="0"/>
           </a:p>
@@ -2767,7 +2767,7 @@
           <a:p>
             <a:fld id="{FB76FE9F-9255-42DD-ABE2-F95B11B4C8E5}" type="datetime1">
               <a:rPr lang="en-US" smtClean="0"/>
-              <a:t>2/16/2022</a:t>
+              <a:t>2/18/2022</a:t>
             </a:fld>
             <a:endParaRPr lang="en-US" dirty="0"/>
           </a:p>
@@ -2985,7 +2985,7 @@
           <a:p>
             <a:fld id="{51498D3D-1152-4A7C-A0F2-C61094C32E1D}" type="datetime1">
               <a:rPr lang="en-US" smtClean="0"/>
-              <a:t>2/16/2022</a:t>
+              <a:t>2/18/2022</a:t>
             </a:fld>
             <a:endParaRPr lang="en-US" dirty="0"/>
           </a:p>
@@ -5709,21 +5709,7 @@
                 <a:latin typeface="Times New Roman" panose="02020603050405020304" pitchFamily="18" charset="0"/>
                 <a:cs typeface="Times New Roman" panose="02020603050405020304" pitchFamily="18" charset="0"/>
               </a:rPr>
-              <a:t>Реализовать</a:t>
-            </a:r>
-            <a:r>
-              <a:rPr lang="ru-RU" sz="2200" dirty="0" smtClean="0">
-                <a:latin typeface="Times New Roman" panose="02020603050405020304" pitchFamily="18" charset="0"/>
-                <a:cs typeface="Times New Roman" panose="02020603050405020304" pitchFamily="18" charset="0"/>
-              </a:rPr>
-              <a:t> модульное </a:t>
-            </a:r>
-            <a:r>
-              <a:rPr lang="ru-RU" sz="2200" dirty="0" smtClean="0">
-                <a:latin typeface="Times New Roman" panose="02020603050405020304" pitchFamily="18" charset="0"/>
-                <a:cs typeface="Times New Roman" panose="02020603050405020304" pitchFamily="18" charset="0"/>
-              </a:rPr>
-              <a:t>тестирование прототипа.</a:t>
+              <a:t>Реализовать модульное тестирование прототипа.</a:t>
             </a:r>
           </a:p>
         </p:txBody>
@@ -5854,19 +5840,8 @@
                 <a:latin typeface="Times New Roman" panose="02020603050405020304" pitchFamily="18" charset="0"/>
                 <a:cs typeface="Times New Roman" panose="02020603050405020304" pitchFamily="18" charset="0"/>
               </a:rPr>
-              <a:t>Мобильное приложение это – </a:t>
-            </a:r>
-            <a:r>
-              <a:rPr lang="ru-RU" sz="2200" dirty="0" smtClean="0">
-                <a:latin typeface="Times New Roman" panose="02020603050405020304" pitchFamily="18" charset="0"/>
-                <a:cs typeface="Times New Roman" panose="02020603050405020304" pitchFamily="18" charset="0"/>
-              </a:rPr>
-              <a:t>...</a:t>
-            </a:r>
-            <a:endParaRPr lang="ru-RU" sz="2200" dirty="0" smtClean="0">
-              <a:latin typeface="Times New Roman" panose="02020603050405020304" pitchFamily="18" charset="0"/>
-              <a:cs typeface="Times New Roman" panose="02020603050405020304" pitchFamily="18" charset="0"/>
-            </a:endParaRPr>
+              <a:t>Мобильное приложение это – ...</a:t>
+            </a:r>
           </a:p>
           <a:p>
             <a:pPr>
@@ -6113,7 +6088,7 @@
         <p:spPr>
           <a:xfrm>
             <a:off x="455409" y="6174688"/>
-            <a:ext cx="6909668" cy="307777"/>
+            <a:ext cx="3684329" cy="307777"/>
           </a:xfrm>
           <a:prstGeom prst="rect">
             <a:avLst/>
@@ -6158,7 +6133,14 @@
                 <a:latin typeface="Times New Roman" panose="02020603050405020304" pitchFamily="18" charset="0"/>
                 <a:cs typeface="Times New Roman" panose="02020603050405020304" pitchFamily="18" charset="0"/>
               </a:rPr>
-              <a:t> Место приложения в цифровой среде (нефункциональные требования)</a:t>
+              <a:t> Место приложения в цифровой </a:t>
+            </a:r>
+            <a:r>
+              <a:rPr lang="ru-RU" sz="1400" dirty="0" smtClean="0">
+                <a:latin typeface="Times New Roman" panose="02020603050405020304" pitchFamily="18" charset="0"/>
+                <a:cs typeface="Times New Roman" panose="02020603050405020304" pitchFamily="18" charset="0"/>
+              </a:rPr>
+              <a:t>среде</a:t>
             </a:r>
             <a:endParaRPr lang="ru-RU" sz="1400" dirty="0">
               <a:latin typeface="Times New Roman" panose="02020603050405020304" pitchFamily="18" charset="0"/>
@@ -6175,8 +6157,8 @@
         </p:nvSpPr>
         <p:spPr>
           <a:xfrm>
-            <a:off x="6514304" y="5811110"/>
-            <a:ext cx="5190015" cy="307777"/>
+            <a:off x="8516287" y="5811110"/>
+            <a:ext cx="2837513" cy="307777"/>
           </a:xfrm>
           <a:prstGeom prst="rect">
             <a:avLst/>
@@ -6221,28 +6203,14 @@
                 <a:latin typeface="Times New Roman" panose="02020603050405020304" pitchFamily="18" charset="0"/>
                 <a:cs typeface="Times New Roman" panose="02020603050405020304" pitchFamily="18" charset="0"/>
               </a:rPr>
-              <a:t> Варианты использования</a:t>
-            </a:r>
-            <a:r>
-              <a:rPr lang="en-US" sz="1400" dirty="0" smtClean="0">
-                <a:latin typeface="Times New Roman" panose="02020603050405020304" pitchFamily="18" charset="0"/>
-                <a:cs typeface="Times New Roman" panose="02020603050405020304" pitchFamily="18" charset="0"/>
-              </a:rPr>
-              <a:t> (</a:t>
+              <a:t> Варианты </a:t>
             </a:r>
             <a:r>
               <a:rPr lang="ru-RU" sz="1400" dirty="0" smtClean="0">
                 <a:latin typeface="Times New Roman" panose="02020603050405020304" pitchFamily="18" charset="0"/>
                 <a:cs typeface="Times New Roman" panose="02020603050405020304" pitchFamily="18" charset="0"/>
               </a:rPr>
-              <a:t>функциональные требования</a:t>
-            </a:r>
-            <a:r>
-              <a:rPr lang="en-US" sz="1400" dirty="0" smtClean="0">
-                <a:latin typeface="Times New Roman" panose="02020603050405020304" pitchFamily="18" charset="0"/>
-                <a:cs typeface="Times New Roman" panose="02020603050405020304" pitchFamily="18" charset="0"/>
-              </a:rPr>
-              <a:t>)</a:t>
+              <a:t>использования</a:t>
             </a:r>
             <a:endParaRPr lang="ru-RU" sz="1400" dirty="0">
               <a:latin typeface="Times New Roman" panose="02020603050405020304" pitchFamily="18" charset="0"/>

--- a/3/java-2021-1-Lenskii.pptx
+++ b/3/java-2021-1-Lenskii.pptx
@@ -5,7 +5,7 @@
     <p:sldMasterId id="2147483669" r:id="rId1"/>
   </p:sldMasterIdLst>
   <p:notesMasterIdLst>
-    <p:notesMasterId r:id="rId16"/>
+    <p:notesMasterId r:id="rId15"/>
   </p:notesMasterIdLst>
   <p:sldIdLst>
     <p:sldId id="256" r:id="rId2"/>
@@ -21,7 +21,6 @@
     <p:sldId id="278" r:id="rId12"/>
     <p:sldId id="258" r:id="rId13"/>
     <p:sldId id="277" r:id="rId14"/>
-    <p:sldId id="257" r:id="rId15"/>
   </p:sldIdLst>
   <p:sldSz cx="12192000" cy="6858000"/>
   <p:notesSz cx="6858000" cy="9144000"/>
@@ -5087,298 +5086,6 @@
 </p:sld>
 </file>
 
-<file path=ppt/slides/slide14.xml><?xml version="1.0" encoding="utf-8"?>
-<p:sld xmlns:a="http://schemas.openxmlformats.org/drawingml/2006/main" xmlns:r="http://schemas.openxmlformats.org/officeDocument/2006/relationships" xmlns:p="http://schemas.openxmlformats.org/presentationml/2006/main">
-  <p:cSld>
-    <p:spTree>
-      <p:nvGrpSpPr>
-        <p:cNvPr id="1" name=""/>
-        <p:cNvGrpSpPr/>
-        <p:nvPr/>
-      </p:nvGrpSpPr>
-      <p:grpSpPr>
-        <a:xfrm>
-          <a:off x="0" y="0"/>
-          <a:ext cx="0" cy="0"/>
-          <a:chOff x="0" y="0"/>
-          <a:chExt cx="0" cy="0"/>
-        </a:xfrm>
-      </p:grpSpPr>
-      <p:sp>
-        <p:nvSpPr>
-          <p:cNvPr id="5" name="Номер слайда 4"/>
-          <p:cNvSpPr>
-            <a:spLocks noGrp="1"/>
-          </p:cNvSpPr>
-          <p:nvPr>
-            <p:ph type="sldNum" sz="quarter" idx="12"/>
-          </p:nvPr>
-        </p:nvSpPr>
-        <p:spPr/>
-        <p:txBody>
-          <a:bodyPr/>
-          <a:lstStyle/>
-          <a:p>
-            <a:fld id="{D57F1E4F-1CFF-5643-939E-217C01CDF565}" type="slidenum">
-              <a:rPr lang="en-US" smtClean="0"/>
-              <a:pPr/>
-              <a:t>14</a:t>
-            </a:fld>
-            <a:endParaRPr lang="en-US" dirty="0"/>
-          </a:p>
-        </p:txBody>
-      </p:sp>
-      <p:sp>
-        <p:nvSpPr>
-          <p:cNvPr id="6" name="TextBox 5"/>
-          <p:cNvSpPr txBox="1"/>
-          <p:nvPr/>
-        </p:nvSpPr>
-        <p:spPr>
-          <a:xfrm>
-            <a:off x="577516" y="1068404"/>
-            <a:ext cx="10927929" cy="2646878"/>
-          </a:xfrm>
-          <a:prstGeom prst="rect">
-            <a:avLst/>
-          </a:prstGeom>
-          <a:noFill/>
-        </p:spPr>
-        <p:txBody>
-          <a:bodyPr wrap="square" rtlCol="0">
-            <a:spAutoFit/>
-          </a:bodyPr>
-          <a:lstStyle/>
-          <a:p>
-            <a:pPr algn="ctr"/>
-            <a:r>
-              <a:rPr lang="ru-RU" sz="3600" dirty="0" smtClean="0">
-                <a:latin typeface="Times New Roman" panose="02020603050405020304" pitchFamily="18" charset="0"/>
-                <a:cs typeface="Times New Roman" panose="02020603050405020304" pitchFamily="18" charset="0"/>
-              </a:rPr>
-              <a:t>БЛАГОДАРЮ ЗА ВНИМАНИЕ!</a:t>
-            </a:r>
-          </a:p>
-          <a:p>
-            <a:endParaRPr lang="ru-RU" dirty="0"/>
-          </a:p>
-          <a:p>
-            <a:endParaRPr lang="en-US" dirty="0" smtClean="0"/>
-          </a:p>
-          <a:p>
-            <a:endParaRPr lang="en-US" dirty="0"/>
-          </a:p>
-          <a:p>
-            <a:endParaRPr lang="en-US" dirty="0"/>
-          </a:p>
-          <a:p>
-            <a:endParaRPr lang="ru-RU" dirty="0" smtClean="0"/>
-          </a:p>
-          <a:p>
-            <a:pPr algn="ctr"/>
-            <a:r>
-              <a:rPr lang="ru-RU" sz="4000" dirty="0" smtClean="0">
-                <a:latin typeface="Times New Roman" panose="02020603050405020304" pitchFamily="18" charset="0"/>
-                <a:cs typeface="Times New Roman" panose="02020603050405020304" pitchFamily="18" charset="0"/>
-              </a:rPr>
-              <a:t>Готов ответить на Ваши вопросы</a:t>
-            </a:r>
-            <a:endParaRPr lang="ru-RU" sz="4000" dirty="0">
-              <a:latin typeface="Times New Roman" panose="02020603050405020304" pitchFamily="18" charset="0"/>
-              <a:cs typeface="Times New Roman" panose="02020603050405020304" pitchFamily="18" charset="0"/>
-            </a:endParaRPr>
-          </a:p>
-        </p:txBody>
-      </p:sp>
-      <p:sp>
-        <p:nvSpPr>
-          <p:cNvPr id="7" name="Нижний колонтитул 3"/>
-          <p:cNvSpPr>
-            <a:spLocks noGrp="1"/>
-          </p:cNvSpPr>
-          <p:nvPr>
-            <p:ph type="ftr" sz="quarter" idx="11"/>
-          </p:nvPr>
-        </p:nvSpPr>
-        <p:spPr>
-          <a:xfrm>
-            <a:off x="684210" y="6356350"/>
-            <a:ext cx="10380029" cy="365125"/>
-          </a:xfrm>
-        </p:spPr>
-        <p:txBody>
-          <a:bodyPr/>
-          <a:lstStyle/>
-          <a:p>
-            <a:r>
-              <a:rPr lang="ru-RU" dirty="0">
-                <a:latin typeface="Times New Roman" panose="02020603050405020304" pitchFamily="18" charset="0"/>
-                <a:cs typeface="Times New Roman" panose="02020603050405020304" pitchFamily="18" charset="0"/>
-              </a:rPr>
-              <a:t>Реализация прототипа мобильного приложения «Список покупок» на базе операционной </a:t>
-            </a:r>
-            <a:r>
-              <a:rPr lang="ru-RU" dirty="0" smtClean="0">
-                <a:latin typeface="Times New Roman" panose="02020603050405020304" pitchFamily="18" charset="0"/>
-                <a:cs typeface="Times New Roman" panose="02020603050405020304" pitchFamily="18" charset="0"/>
-              </a:rPr>
-              <a:t>системы. </a:t>
-            </a:r>
-            <a:r>
-              <a:rPr lang="ru-RU" dirty="0">
-                <a:latin typeface="Times New Roman" panose="02020603050405020304" pitchFamily="18" charset="0"/>
-                <a:cs typeface="Times New Roman" panose="02020603050405020304" pitchFamily="18" charset="0"/>
-              </a:rPr>
-              <a:t>Ленский И.И.</a:t>
-            </a:r>
-            <a:endParaRPr lang="en-US" dirty="0">
-              <a:latin typeface="Times New Roman" panose="02020603050405020304" pitchFamily="18" charset="0"/>
-              <a:cs typeface="Times New Roman" panose="02020603050405020304" pitchFamily="18" charset="0"/>
-            </a:endParaRPr>
-          </a:p>
-        </p:txBody>
-      </p:sp>
-      <p:sp>
-        <p:nvSpPr>
-          <p:cNvPr id="9" name="TextBox 8"/>
-          <p:cNvSpPr txBox="1"/>
-          <p:nvPr/>
-        </p:nvSpPr>
-        <p:spPr>
-          <a:xfrm>
-            <a:off x="493868" y="5305849"/>
-            <a:ext cx="11271182" cy="923330"/>
-          </a:xfrm>
-          <a:prstGeom prst="rect">
-            <a:avLst/>
-          </a:prstGeom>
-          <a:noFill/>
-        </p:spPr>
-        <p:txBody>
-          <a:bodyPr wrap="square" rtlCol="0">
-            <a:spAutoFit/>
-          </a:bodyPr>
-          <a:lstStyle/>
-          <a:p>
-            <a:pPr>
-              <a:lnSpc>
-                <a:spcPct val="150000"/>
-              </a:lnSpc>
-            </a:pPr>
-            <a:r>
-              <a:rPr lang="ru-RU" dirty="0" smtClean="0">
-                <a:latin typeface="Times New Roman" panose="02020603050405020304" pitchFamily="18" charset="0"/>
-                <a:cs typeface="Times New Roman" panose="02020603050405020304" pitchFamily="18" charset="0"/>
-              </a:rPr>
-              <a:t>Выполнил:                                                            Ленский Илья Ильич, гр. </a:t>
-            </a:r>
-            <a:r>
-              <a:rPr lang="ru-RU" dirty="0" err="1" smtClean="0">
-                <a:latin typeface="Times New Roman" panose="02020603050405020304" pitchFamily="18" charset="0"/>
-                <a:cs typeface="Times New Roman" panose="02020603050405020304" pitchFamily="18" charset="0"/>
-              </a:rPr>
-              <a:t>ПП.Разработчик</a:t>
-            </a:r>
-            <a:r>
-              <a:rPr lang="ru-RU" dirty="0" smtClean="0">
-                <a:latin typeface="Times New Roman" panose="02020603050405020304" pitchFamily="18" charset="0"/>
-                <a:cs typeface="Times New Roman" panose="02020603050405020304" pitchFamily="18" charset="0"/>
-              </a:rPr>
-              <a:t> </a:t>
-            </a:r>
-            <a:r>
-              <a:rPr lang="ru-RU" dirty="0">
-                <a:latin typeface="Times New Roman" panose="02020603050405020304" pitchFamily="18" charset="0"/>
-                <a:cs typeface="Times New Roman" panose="02020603050405020304" pitchFamily="18" charset="0"/>
-              </a:rPr>
-              <a:t>ПО </a:t>
-            </a:r>
-            <a:r>
-              <a:rPr lang="ru-RU" dirty="0" smtClean="0">
-                <a:latin typeface="Times New Roman" panose="02020603050405020304" pitchFamily="18" charset="0"/>
-                <a:cs typeface="Times New Roman" panose="02020603050405020304" pitchFamily="18" charset="0"/>
-              </a:rPr>
-              <a:t>(</a:t>
-            </a:r>
-            <a:r>
-              <a:rPr lang="en-US" dirty="0" smtClean="0">
-                <a:latin typeface="Times New Roman" panose="02020603050405020304" pitchFamily="18" charset="0"/>
-                <a:cs typeface="Times New Roman" panose="02020603050405020304" pitchFamily="18" charset="0"/>
-              </a:rPr>
-              <a:t>Java</a:t>
-            </a:r>
-            <a:r>
-              <a:rPr lang="ru-RU" dirty="0" smtClean="0">
-                <a:latin typeface="Times New Roman" panose="02020603050405020304" pitchFamily="18" charset="0"/>
-                <a:cs typeface="Times New Roman" panose="02020603050405020304" pitchFamily="18" charset="0"/>
-              </a:rPr>
-              <a:t>) </a:t>
-            </a:r>
-            <a:r>
-              <a:rPr lang="ru-RU" dirty="0">
-                <a:latin typeface="Times New Roman" panose="02020603050405020304" pitchFamily="18" charset="0"/>
-                <a:cs typeface="Times New Roman" panose="02020603050405020304" pitchFamily="18" charset="0"/>
-              </a:rPr>
-              <a:t>[весна 2021-1]</a:t>
-            </a:r>
-          </a:p>
-          <a:p>
-            <a:pPr>
-              <a:lnSpc>
-                <a:spcPct val="150000"/>
-              </a:lnSpc>
-            </a:pPr>
-            <a:r>
-              <a:rPr lang="ru-RU" dirty="0" smtClean="0">
-                <a:latin typeface="Times New Roman" panose="02020603050405020304" pitchFamily="18" charset="0"/>
-                <a:cs typeface="Times New Roman" panose="02020603050405020304" pitchFamily="18" charset="0"/>
-              </a:rPr>
-              <a:t>Руководитель:                                                                          </a:t>
-            </a:r>
-            <a:r>
-              <a:rPr lang="en-US" dirty="0" smtClean="0">
-                <a:latin typeface="Times New Roman" panose="02020603050405020304" pitchFamily="18" charset="0"/>
-                <a:cs typeface="Times New Roman" panose="02020603050405020304" pitchFamily="18" charset="0"/>
-              </a:rPr>
-              <a:t> </a:t>
-            </a:r>
-            <a:r>
-              <a:rPr lang="ru-RU" dirty="0" smtClean="0">
-                <a:latin typeface="Times New Roman" panose="02020603050405020304" pitchFamily="18" charset="0"/>
-                <a:cs typeface="Times New Roman" panose="02020603050405020304" pitchFamily="18" charset="0"/>
-              </a:rPr>
-              <a:t>Маслаков </a:t>
-            </a:r>
-            <a:r>
-              <a:rPr lang="ru-RU" dirty="0">
-                <a:latin typeface="Times New Roman" panose="02020603050405020304" pitchFamily="18" charset="0"/>
-                <a:cs typeface="Times New Roman" panose="02020603050405020304" pitchFamily="18" charset="0"/>
-              </a:rPr>
-              <a:t>Алексей Павлович, ст. преподаватель ВШПИ</a:t>
-            </a:r>
-          </a:p>
-        </p:txBody>
-      </p:sp>
-    </p:spTree>
-    <p:extLst>
-      <p:ext uri="{BB962C8B-B14F-4D97-AF65-F5344CB8AC3E}">
-        <p14:creationId xmlns:p14="http://schemas.microsoft.com/office/powerpoint/2010/main" val="666306520"/>
-      </p:ext>
-    </p:extLst>
-  </p:cSld>
-  <p:clrMapOvr>
-    <a:masterClrMapping/>
-  </p:clrMapOvr>
-  <p:timing>
-    <p:tnLst>
-      <p:par>
-        <p:cTn id="1" dur="indefinite" restart="never" nodeType="tmRoot"/>
-      </p:par>
-    </p:tnLst>
-  </p:timing>
-</p:sld>
-</file>
-
 <file path=ppt/slides/slide2.xml><?xml version="1.0" encoding="utf-8"?>
 <p:sld xmlns:a="http://schemas.openxmlformats.org/drawingml/2006/main" xmlns:r="http://schemas.openxmlformats.org/officeDocument/2006/relationships" xmlns:p="http://schemas.openxmlformats.org/presentationml/2006/main">
   <p:cSld>
@@ -6133,14 +5840,7 @@
                 <a:latin typeface="Times New Roman" panose="02020603050405020304" pitchFamily="18" charset="0"/>
                 <a:cs typeface="Times New Roman" panose="02020603050405020304" pitchFamily="18" charset="0"/>
               </a:rPr>
-              <a:t> Место приложения в цифровой </a:t>
-            </a:r>
-            <a:r>
-              <a:rPr lang="ru-RU" sz="1400" dirty="0" smtClean="0">
-                <a:latin typeface="Times New Roman" panose="02020603050405020304" pitchFamily="18" charset="0"/>
-                <a:cs typeface="Times New Roman" panose="02020603050405020304" pitchFamily="18" charset="0"/>
-              </a:rPr>
-              <a:t>среде</a:t>
+              <a:t> Место приложения в цифровой среде</a:t>
             </a:r>
             <a:endParaRPr lang="ru-RU" sz="1400" dirty="0">
               <a:latin typeface="Times New Roman" panose="02020603050405020304" pitchFamily="18" charset="0"/>
@@ -6203,14 +5903,7 @@
                 <a:latin typeface="Times New Roman" panose="02020603050405020304" pitchFamily="18" charset="0"/>
                 <a:cs typeface="Times New Roman" panose="02020603050405020304" pitchFamily="18" charset="0"/>
               </a:rPr>
-              <a:t> Варианты </a:t>
-            </a:r>
-            <a:r>
-              <a:rPr lang="ru-RU" sz="1400" dirty="0" smtClean="0">
-                <a:latin typeface="Times New Roman" panose="02020603050405020304" pitchFamily="18" charset="0"/>
-                <a:cs typeface="Times New Roman" panose="02020603050405020304" pitchFamily="18" charset="0"/>
-              </a:rPr>
-              <a:t>использования</a:t>
+              <a:t> Варианты использования</a:t>
             </a:r>
             <a:endParaRPr lang="ru-RU" sz="1400" dirty="0">
               <a:latin typeface="Times New Roman" panose="02020603050405020304" pitchFamily="18" charset="0"/>

--- a/3/java-2021-1-Lenskii.pptx
+++ b/3/java-2021-1-Lenskii.pptx
@@ -209,7 +209,7 @@
           <a:p>
             <a:fld id="{1BAE438E-8129-45D7-BE77-B8CF598491DD}" type="datetimeFigureOut">
               <a:rPr lang="ru-RU" smtClean="0"/>
-              <a:t>18.02.2022</a:t>
+              <a:t>23.02.2022</a:t>
             </a:fld>
             <a:endParaRPr lang="ru-RU" dirty="0"/>
           </a:p>
@@ -608,7 +608,7 @@
           <a:p>
             <a:fld id="{82A88920-A4DD-4294-BB42-5E25DC38D062}" type="datetime1">
               <a:rPr lang="en-US" smtClean="0"/>
-              <a:t>2/18/2022</a:t>
+              <a:t>2/23/2022</a:t>
             </a:fld>
             <a:endParaRPr lang="en-US" dirty="0"/>
           </a:p>
@@ -783,7 +783,7 @@
           <a:p>
             <a:fld id="{C2AA4C5A-6678-4F65-81E3-DA6798EE8701}" type="datetime1">
               <a:rPr lang="en-US" smtClean="0"/>
-              <a:t>2/18/2022</a:t>
+              <a:t>2/23/2022</a:t>
             </a:fld>
             <a:endParaRPr lang="en-US" dirty="0"/>
           </a:p>
@@ -968,7 +968,7 @@
           <a:p>
             <a:fld id="{E56CB186-4427-4D3B-AD6F-9F3C45DA0138}" type="datetime1">
               <a:rPr lang="en-US" smtClean="0"/>
-              <a:t>2/18/2022</a:t>
+              <a:t>2/23/2022</a:t>
             </a:fld>
             <a:endParaRPr lang="en-US" dirty="0"/>
           </a:p>
@@ -1143,7 +1143,7 @@
           <a:p>
             <a:fld id="{73BC26BA-7FBF-42DE-88A1-8F4AEACAA6DA}" type="datetime1">
               <a:rPr lang="en-US" smtClean="0"/>
-              <a:t>2/18/2022</a:t>
+              <a:t>2/23/2022</a:t>
             </a:fld>
             <a:endParaRPr lang="en-US" dirty="0"/>
           </a:p>
@@ -1394,7 +1394,7 @@
           <a:p>
             <a:fld id="{AC9FC546-7E39-4E27-9E39-93D9E83A1C9A}" type="datetime1">
               <a:rPr lang="en-US" smtClean="0"/>
-              <a:t>2/18/2022</a:t>
+              <a:t>2/23/2022</a:t>
             </a:fld>
             <a:endParaRPr lang="en-US" dirty="0"/>
           </a:p>
@@ -1631,7 +1631,7 @@
           <a:p>
             <a:fld id="{BE0F372A-0257-4318-886D-26B35FFE5574}" type="datetime1">
               <a:rPr lang="en-US" smtClean="0"/>
-              <a:t>2/18/2022</a:t>
+              <a:t>2/23/2022</a:t>
             </a:fld>
             <a:endParaRPr lang="en-US" dirty="0"/>
           </a:p>
@@ -2003,7 +2003,7 @@
           <a:p>
             <a:fld id="{398A0FAC-27E8-4A9A-A03F-416D50458A36}" type="datetime1">
               <a:rPr lang="en-US" smtClean="0"/>
-              <a:t>2/18/2022</a:t>
+              <a:t>2/23/2022</a:t>
             </a:fld>
             <a:endParaRPr lang="en-US" dirty="0"/>
           </a:p>
@@ -2126,7 +2126,7 @@
           <a:p>
             <a:fld id="{E5D8AABB-E23A-4503-AEB0-D466F3A252F5}" type="datetime1">
               <a:rPr lang="en-US" smtClean="0"/>
-              <a:t>2/18/2022</a:t>
+              <a:t>2/23/2022</a:t>
             </a:fld>
             <a:endParaRPr lang="en-US" dirty="0"/>
           </a:p>
@@ -2226,7 +2226,7 @@
           <a:p>
             <a:fld id="{97F4C0BE-2773-4D47-8327-F14184CB78DF}" type="datetime1">
               <a:rPr lang="en-US" smtClean="0"/>
-              <a:t>2/18/2022</a:t>
+              <a:t>2/23/2022</a:t>
             </a:fld>
             <a:endParaRPr lang="en-US" dirty="0"/>
           </a:p>
@@ -2508,7 +2508,7 @@
           <a:p>
             <a:fld id="{C5A3E837-DD15-41AE-92C1-3355A4DC36E7}" type="datetime1">
               <a:rPr lang="en-US" smtClean="0"/>
-              <a:t>2/18/2022</a:t>
+              <a:t>2/23/2022</a:t>
             </a:fld>
             <a:endParaRPr lang="en-US" dirty="0"/>
           </a:p>
@@ -2766,7 +2766,7 @@
           <a:p>
             <a:fld id="{FB76FE9F-9255-42DD-ABE2-F95B11B4C8E5}" type="datetime1">
               <a:rPr lang="en-US" smtClean="0"/>
-              <a:t>2/18/2022</a:t>
+              <a:t>2/23/2022</a:t>
             </a:fld>
             <a:endParaRPr lang="en-US" dirty="0"/>
           </a:p>
@@ -2984,7 +2984,7 @@
           <a:p>
             <a:fld id="{51498D3D-1152-4A7C-A0F2-C61094C32E1D}" type="datetime1">
               <a:rPr lang="en-US" smtClean="0"/>
-              <a:t>2/18/2022</a:t>
+              <a:t>2/23/2022</a:t>
             </a:fld>
             <a:endParaRPr lang="en-US" dirty="0"/>
           </a:p>
@@ -3879,7 +3879,7 @@
         </p:blipFill>
         <p:spPr>
           <a:xfrm>
-            <a:off x="9982200" y="4755857"/>
+            <a:off x="9565221" y="4023801"/>
             <a:ext cx="2054613" cy="921226"/>
           </a:xfrm>
           <a:prstGeom prst="rect">
@@ -3887,88 +3887,108 @@
           </a:prstGeom>
         </p:spPr>
       </p:pic>
+      <p:sp>
+        <p:nvSpPr>
+          <p:cNvPr id="15" name="Нижний колонтитул 3"/>
+          <p:cNvSpPr>
+            <a:spLocks noGrp="1"/>
+          </p:cNvSpPr>
+          <p:nvPr>
+            <p:ph type="ftr" sz="quarter" idx="11"/>
+          </p:nvPr>
+        </p:nvSpPr>
+        <p:spPr>
+          <a:xfrm>
+            <a:off x="684210" y="6356350"/>
+            <a:ext cx="10380029" cy="365125"/>
+          </a:xfrm>
+        </p:spPr>
+        <p:txBody>
+          <a:bodyPr/>
+          <a:lstStyle/>
+          <a:p>
+            <a:r>
+              <a:rPr lang="ru-RU" dirty="0">
+                <a:latin typeface="Times New Roman" panose="02020603050405020304" pitchFamily="18" charset="0"/>
+                <a:cs typeface="Times New Roman" panose="02020603050405020304" pitchFamily="18" charset="0"/>
+              </a:rPr>
+              <a:t>Реализация прототипа мобильного приложения «Список покупок» на базе операционной </a:t>
+            </a:r>
+            <a:r>
+              <a:rPr lang="ru-RU" dirty="0" smtClean="0">
+                <a:latin typeface="Times New Roman" panose="02020603050405020304" pitchFamily="18" charset="0"/>
+                <a:cs typeface="Times New Roman" panose="02020603050405020304" pitchFamily="18" charset="0"/>
+              </a:rPr>
+              <a:t>системы</a:t>
+            </a:r>
+            <a:r>
+              <a:rPr lang="en-US" dirty="0">
+                <a:latin typeface="Times New Roman" panose="02020603050405020304" pitchFamily="18" charset="0"/>
+                <a:cs typeface="Times New Roman" panose="02020603050405020304" pitchFamily="18" charset="0"/>
+              </a:rPr>
+              <a:t> Android</a:t>
+            </a:r>
+            <a:r>
+              <a:rPr lang="ru-RU" dirty="0" smtClean="0">
+                <a:latin typeface="Times New Roman" panose="02020603050405020304" pitchFamily="18" charset="0"/>
+                <a:cs typeface="Times New Roman" panose="02020603050405020304" pitchFamily="18" charset="0"/>
+              </a:rPr>
+              <a:t>. </a:t>
+            </a:r>
+            <a:r>
+              <a:rPr lang="ru-RU" dirty="0">
+                <a:latin typeface="Times New Roman" panose="02020603050405020304" pitchFamily="18" charset="0"/>
+                <a:cs typeface="Times New Roman" panose="02020603050405020304" pitchFamily="18" charset="0"/>
+              </a:rPr>
+              <a:t>Ленский И.И.</a:t>
+            </a:r>
+            <a:r>
+              <a:rPr lang="ru-RU" dirty="0" smtClean="0">
+                <a:latin typeface="Times New Roman" panose="02020603050405020304" pitchFamily="18" charset="0"/>
+                <a:cs typeface="Times New Roman" panose="02020603050405020304" pitchFamily="18" charset="0"/>
+              </a:rPr>
+              <a:t> </a:t>
+            </a:r>
+            <a:endParaRPr lang="en-US" dirty="0">
+              <a:latin typeface="Times New Roman" panose="02020603050405020304" pitchFamily="18" charset="0"/>
+              <a:cs typeface="Times New Roman" panose="02020603050405020304" pitchFamily="18" charset="0"/>
+            </a:endParaRPr>
+          </a:p>
+        </p:txBody>
+      </p:sp>
       <p:pic>
         <p:nvPicPr>
-          <p:cNvPr id="3" name="Рисунок 2"/>
+          <p:cNvPr id="7" name="Рисунок 6"/>
           <p:cNvPicPr>
             <a:picLocks noChangeAspect="1"/>
           </p:cNvPicPr>
           <p:nvPr/>
         </p:nvPicPr>
         <p:blipFill>
-          <a:blip r:embed="rId3"/>
+          <a:blip r:embed="rId3">
+            <a:extLst>
+              <a:ext uri="{28A0092B-C50C-407E-A947-70E740481C1C}">
+                <a14:useLocalDpi xmlns:a14="http://schemas.microsoft.com/office/drawing/2010/main" val="0"/>
+              </a:ext>
+            </a:extLst>
+          </a:blip>
           <a:stretch>
             <a:fillRect/>
           </a:stretch>
         </p:blipFill>
         <p:spPr>
           <a:xfrm>
-            <a:off x="10316005" y="1298464"/>
-            <a:ext cx="1496468" cy="990145"/>
+            <a:off x="9725828" y="1884529"/>
+            <a:ext cx="1287159" cy="1123690"/>
           </a:xfrm>
           <a:prstGeom prst="rect">
             <a:avLst/>
           </a:prstGeom>
         </p:spPr>
       </p:pic>
-      <p:sp>
-        <p:nvSpPr>
-          <p:cNvPr id="15" name="Нижний колонтитул 3"/>
-          <p:cNvSpPr>
-            <a:spLocks noGrp="1"/>
-          </p:cNvSpPr>
-          <p:nvPr>
-            <p:ph type="ftr" sz="quarter" idx="11"/>
-          </p:nvPr>
-        </p:nvSpPr>
-        <p:spPr>
-          <a:xfrm>
-            <a:off x="684210" y="6356350"/>
-            <a:ext cx="10380029" cy="365125"/>
-          </a:xfrm>
-        </p:spPr>
-        <p:txBody>
-          <a:bodyPr/>
-          <a:lstStyle/>
-          <a:p>
-            <a:r>
-              <a:rPr lang="ru-RU" dirty="0">
-                <a:latin typeface="Times New Roman" panose="02020603050405020304" pitchFamily="18" charset="0"/>
-                <a:cs typeface="Times New Roman" panose="02020603050405020304" pitchFamily="18" charset="0"/>
-              </a:rPr>
-              <a:t>Реализация прототипа мобильного приложения «Список покупок» на базе операционной </a:t>
-            </a:r>
-            <a:r>
-              <a:rPr lang="ru-RU" dirty="0" smtClean="0">
-                <a:latin typeface="Times New Roman" panose="02020603050405020304" pitchFamily="18" charset="0"/>
-                <a:cs typeface="Times New Roman" panose="02020603050405020304" pitchFamily="18" charset="0"/>
-              </a:rPr>
-              <a:t>системы. </a:t>
-            </a:r>
-            <a:r>
-              <a:rPr lang="ru-RU" dirty="0">
-                <a:latin typeface="Times New Roman" panose="02020603050405020304" pitchFamily="18" charset="0"/>
-                <a:cs typeface="Times New Roman" panose="02020603050405020304" pitchFamily="18" charset="0"/>
-              </a:rPr>
-              <a:t>Ленский И.И.</a:t>
-            </a:r>
-            <a:r>
-              <a:rPr lang="ru-RU" dirty="0" smtClean="0">
-                <a:latin typeface="Times New Roman" panose="02020603050405020304" pitchFamily="18" charset="0"/>
-                <a:cs typeface="Times New Roman" panose="02020603050405020304" pitchFamily="18" charset="0"/>
-              </a:rPr>
-              <a:t> </a:t>
-            </a:r>
-            <a:endParaRPr lang="en-US" dirty="0">
-              <a:latin typeface="Times New Roman" panose="02020603050405020304" pitchFamily="18" charset="0"/>
-              <a:cs typeface="Times New Roman" panose="02020603050405020304" pitchFamily="18" charset="0"/>
-            </a:endParaRPr>
-          </a:p>
-        </p:txBody>
-      </p:sp>
       <p:pic>
         <p:nvPicPr>
-          <p:cNvPr id="7" name="Рисунок 6"/>
+          <p:cNvPr id="8" name="Рисунок 7"/>
           <p:cNvPicPr>
             <a:picLocks noChangeAspect="1"/>
           </p:cNvPicPr>
@@ -3988,8 +4008,8 @@
         </p:blipFill>
         <p:spPr>
           <a:xfrm>
-            <a:off x="382385" y="1298464"/>
-            <a:ext cx="1287159" cy="1123690"/>
+            <a:off x="822760" y="2338259"/>
+            <a:ext cx="970529" cy="1779303"/>
           </a:xfrm>
           <a:prstGeom prst="rect">
             <a:avLst/>
@@ -3998,7 +4018,7 @@
       </p:pic>
       <p:pic>
         <p:nvPicPr>
-          <p:cNvPr id="8" name="Рисунок 7"/>
+          <p:cNvPr id="14" name="Рисунок 13"/>
           <p:cNvPicPr>
             <a:picLocks noChangeAspect="1"/>
           </p:cNvPicPr>
@@ -4018,8 +4038,8 @@
         </p:blipFill>
         <p:spPr>
           <a:xfrm>
-            <a:off x="540127" y="3022567"/>
-            <a:ext cx="970529" cy="1779303"/>
+            <a:off x="3150483" y="713255"/>
+            <a:ext cx="2396445" cy="5087294"/>
           </a:xfrm>
           <a:prstGeom prst="rect">
             <a:avLst/>
@@ -4028,7 +4048,7 @@
       </p:pic>
       <p:pic>
         <p:nvPicPr>
-          <p:cNvPr id="14" name="Рисунок 13"/>
+          <p:cNvPr id="16" name="Рисунок 15"/>
           <p:cNvPicPr>
             <a:picLocks noChangeAspect="1"/>
           </p:cNvPicPr>
@@ -4048,68 +4068,8 @@
         </p:blipFill>
         <p:spPr>
           <a:xfrm>
-            <a:off x="3150483" y="713255"/>
-            <a:ext cx="2396445" cy="5087294"/>
-          </a:xfrm>
-          <a:prstGeom prst="rect">
-            <a:avLst/>
-          </a:prstGeom>
-        </p:spPr>
-      </p:pic>
-      <p:pic>
-        <p:nvPicPr>
-          <p:cNvPr id="16" name="Рисунок 15"/>
-          <p:cNvPicPr>
-            <a:picLocks noChangeAspect="1"/>
-          </p:cNvPicPr>
-          <p:nvPr/>
-        </p:nvPicPr>
-        <p:blipFill>
-          <a:blip r:embed="rId7">
-            <a:extLst>
-              <a:ext uri="{28A0092B-C50C-407E-A947-70E740481C1C}">
-                <a14:useLocalDpi xmlns:a14="http://schemas.microsoft.com/office/drawing/2010/main" val="0"/>
-              </a:ext>
-            </a:extLst>
-          </a:blip>
-          <a:stretch>
-            <a:fillRect/>
-          </a:stretch>
-        </p:blipFill>
-        <p:spPr>
-          <a:xfrm>
             <a:off x="6437690" y="711279"/>
             <a:ext cx="2397376" cy="5089270"/>
-          </a:xfrm>
-          <a:prstGeom prst="rect">
-            <a:avLst/>
-          </a:prstGeom>
-        </p:spPr>
-      </p:pic>
-      <p:pic>
-        <p:nvPicPr>
-          <p:cNvPr id="6" name="Рисунок 5"/>
-          <p:cNvPicPr>
-            <a:picLocks noChangeAspect="1"/>
-          </p:cNvPicPr>
-          <p:nvPr/>
-        </p:nvPicPr>
-        <p:blipFill>
-          <a:blip r:embed="rId8">
-            <a:extLst>
-              <a:ext uri="{28A0092B-C50C-407E-A947-70E740481C1C}">
-                <a14:useLocalDpi xmlns:a14="http://schemas.microsoft.com/office/drawing/2010/main" val="0"/>
-              </a:ext>
-            </a:extLst>
-          </a:blip>
-          <a:stretch>
-            <a:fillRect/>
-          </a:stretch>
-        </p:blipFill>
-        <p:spPr>
-          <a:xfrm>
-            <a:off x="10056557" y="3255914"/>
-            <a:ext cx="2015363" cy="826299"/>
           </a:xfrm>
           <a:prstGeom prst="rect">
             <a:avLst/>
@@ -4235,36 +4195,6 @@
           </a:p>
         </p:txBody>
       </p:sp>
-      <p:pic>
-        <p:nvPicPr>
-          <p:cNvPr id="9" name="Рисунок 8"/>
-          <p:cNvPicPr>
-            <a:picLocks noChangeAspect="1"/>
-          </p:cNvPicPr>
-          <p:nvPr/>
-        </p:nvPicPr>
-        <p:blipFill>
-          <a:blip r:embed="rId9">
-            <a:extLst>
-              <a:ext uri="{28A0092B-C50C-407E-A947-70E740481C1C}">
-                <a14:useLocalDpi xmlns:a14="http://schemas.microsoft.com/office/drawing/2010/main" val="0"/>
-              </a:ext>
-            </a:extLst>
-          </a:blip>
-          <a:stretch>
-            <a:fillRect/>
-          </a:stretch>
-        </p:blipFill>
-        <p:spPr>
-          <a:xfrm>
-            <a:off x="318339" y="5150973"/>
-            <a:ext cx="1299151" cy="1299151"/>
-          </a:xfrm>
-          <a:prstGeom prst="rect">
-            <a:avLst/>
-          </a:prstGeom>
-        </p:spPr>
-      </p:pic>
     </p:spTree>
     <p:extLst>
       <p:ext uri="{BB962C8B-B14F-4D97-AF65-F5344CB8AC3E}">
@@ -4395,7 +4325,21 @@
                 <a:latin typeface="Times New Roman" panose="02020603050405020304" pitchFamily="18" charset="0"/>
                 <a:cs typeface="Times New Roman" panose="02020603050405020304" pitchFamily="18" charset="0"/>
               </a:rPr>
-              <a:t>системы. </a:t>
+              <a:t>системы</a:t>
+            </a:r>
+            <a:r>
+              <a:rPr lang="en-US" dirty="0">
+                <a:latin typeface="Times New Roman" panose="02020603050405020304" pitchFamily="18" charset="0"/>
+                <a:cs typeface="Times New Roman" panose="02020603050405020304" pitchFamily="18" charset="0"/>
+              </a:rPr>
+              <a:t> Android</a:t>
+            </a:r>
+            <a:r>
+              <a:rPr lang="ru-RU" dirty="0" smtClean="0">
+                <a:latin typeface="Times New Roman" panose="02020603050405020304" pitchFamily="18" charset="0"/>
+                <a:cs typeface="Times New Roman" panose="02020603050405020304" pitchFamily="18" charset="0"/>
+              </a:rPr>
+              <a:t>. </a:t>
             </a:r>
             <a:r>
               <a:rPr lang="ru-RU" dirty="0">
@@ -4468,41 +4412,307 @@
           </a:p>
         </p:txBody>
       </p:sp>
-      <p:sp>
-        <p:nvSpPr>
-          <p:cNvPr id="17" name="TextBox 16"/>
-          <p:cNvSpPr txBox="1"/>
+      <p:pic>
+        <p:nvPicPr>
+          <p:cNvPr id="3" name="Рисунок 2"/>
+          <p:cNvPicPr>
+            <a:picLocks noChangeAspect="1"/>
+          </p:cNvPicPr>
           <p:nvPr/>
-        </p:nvSpPr>
-        <p:spPr>
-          <a:xfrm>
-            <a:off x="621771" y="2544406"/>
-            <a:ext cx="6202977" cy="666336"/>
+        </p:nvPicPr>
+        <p:blipFill>
+          <a:blip r:embed="rId2">
+            <a:extLst>
+              <a:ext uri="{28A0092B-C50C-407E-A947-70E740481C1C}">
+                <a14:useLocalDpi xmlns:a14="http://schemas.microsoft.com/office/drawing/2010/main" val="0"/>
+              </a:ext>
+            </a:extLst>
+          </a:blip>
+          <a:stretch>
+            <a:fillRect/>
+          </a:stretch>
+        </p:blipFill>
+        <p:spPr>
+          <a:xfrm>
+            <a:off x="3101550" y="850283"/>
+            <a:ext cx="2342581" cy="4957017"/>
           </a:xfrm>
           <a:prstGeom prst="rect">
             <a:avLst/>
           </a:prstGeom>
-          <a:noFill/>
-        </p:spPr>
-        <p:txBody>
-          <a:bodyPr wrap="square" rtlCol="0">
+        </p:spPr>
+      </p:pic>
+      <p:pic>
+        <p:nvPicPr>
+          <p:cNvPr id="4" name="Рисунок 3"/>
+          <p:cNvPicPr>
+            <a:picLocks noChangeAspect="1"/>
+          </p:cNvPicPr>
+          <p:nvPr/>
+        </p:nvPicPr>
+        <p:blipFill>
+          <a:blip r:embed="rId3">
+            <a:extLst>
+              <a:ext uri="{28A0092B-C50C-407E-A947-70E740481C1C}">
+                <a14:useLocalDpi xmlns:a14="http://schemas.microsoft.com/office/drawing/2010/main" val="0"/>
+              </a:ext>
+            </a:extLst>
+          </a:blip>
+          <a:stretch>
+            <a:fillRect/>
+          </a:stretch>
+        </p:blipFill>
+        <p:spPr>
+          <a:xfrm>
+            <a:off x="6594672" y="850283"/>
+            <a:ext cx="2367956" cy="5026817"/>
+          </a:xfrm>
+          <a:prstGeom prst="rect">
+            <a:avLst/>
+          </a:prstGeom>
+        </p:spPr>
+      </p:pic>
+      <p:grpSp>
+        <p:nvGrpSpPr>
+          <p:cNvPr id="6" name="Группа 5"/>
+          <p:cNvGrpSpPr/>
+          <p:nvPr/>
+        </p:nvGrpSpPr>
+        <p:grpSpPr>
+          <a:xfrm>
+            <a:off x="10206293" y="3436708"/>
+            <a:ext cx="1299151" cy="1565941"/>
+            <a:chOff x="10206293" y="3025861"/>
+            <a:chExt cx="1299151" cy="1565941"/>
+          </a:xfrm>
+        </p:grpSpPr>
+        <p:pic>
+          <p:nvPicPr>
+            <p:cNvPr id="9" name="Рисунок 8"/>
+            <p:cNvPicPr>
+              <a:picLocks noChangeAspect="1"/>
+            </p:cNvPicPr>
+            <p:nvPr/>
+          </p:nvPicPr>
+          <p:blipFill>
+            <a:blip r:embed="rId4">
+              <a:extLst>
+                <a:ext uri="{28A0092B-C50C-407E-A947-70E740481C1C}">
+                  <a14:useLocalDpi xmlns:a14="http://schemas.microsoft.com/office/drawing/2010/main" val="0"/>
+                </a:ext>
+              </a:extLst>
+            </a:blip>
+            <a:stretch>
+              <a:fillRect/>
+            </a:stretch>
+          </p:blipFill>
+          <p:spPr>
+            <a:xfrm>
+              <a:off x="10206293" y="3025861"/>
+              <a:ext cx="1299151" cy="1299151"/>
+            </a:xfrm>
+            <a:prstGeom prst="rect">
+              <a:avLst/>
+            </a:prstGeom>
+          </p:spPr>
+        </p:pic>
+        <p:sp>
+          <p:nvSpPr>
+            <p:cNvPr id="10" name="TextBox 9"/>
+            <p:cNvSpPr txBox="1"/>
+            <p:nvPr/>
+          </p:nvSpPr>
+          <p:spPr>
+            <a:xfrm>
+              <a:off x="10490559" y="4284025"/>
+              <a:ext cx="730617" cy="307777"/>
+            </a:xfrm>
+            <a:prstGeom prst="rect">
+              <a:avLst/>
+            </a:prstGeom>
+            <a:noFill/>
+          </p:spPr>
+          <p:txBody>
+            <a:bodyPr wrap="square" rtlCol="0">
+              <a:spAutoFit/>
+            </a:bodyPr>
+            <a:lstStyle/>
+            <a:p>
+              <a:r>
+                <a:rPr lang="en-US" sz="1400" dirty="0">
+                  <a:latin typeface="Times New Roman" panose="02020603050405020304" pitchFamily="18" charset="0"/>
+                  <a:cs typeface="Times New Roman" panose="02020603050405020304" pitchFamily="18" charset="0"/>
+                </a:rPr>
+                <a:t>draw.io</a:t>
+              </a:r>
+              <a:endParaRPr lang="ru-RU" sz="1400" dirty="0">
+                <a:latin typeface="Times New Roman" panose="02020603050405020304" pitchFamily="18" charset="0"/>
+                <a:cs typeface="Times New Roman" panose="02020603050405020304" pitchFamily="18" charset="0"/>
+              </a:endParaRPr>
+            </a:p>
+          </p:txBody>
+        </p:sp>
+      </p:grpSp>
+      <p:pic>
+        <p:nvPicPr>
+          <p:cNvPr id="12" name="Рисунок 11"/>
+          <p:cNvPicPr>
+            <a:picLocks noChangeAspect="1"/>
+          </p:cNvPicPr>
+          <p:nvPr/>
+        </p:nvPicPr>
+        <p:blipFill>
+          <a:blip r:embed="rId5"/>
+          <a:stretch>
+            <a:fillRect/>
+          </a:stretch>
+        </p:blipFill>
+        <p:spPr>
+          <a:xfrm>
+            <a:off x="10026521" y="1697475"/>
+            <a:ext cx="1496468" cy="990145"/>
+          </a:xfrm>
+          <a:prstGeom prst="rect">
+            <a:avLst/>
+          </a:prstGeom>
+        </p:spPr>
+      </p:pic>
+      <p:pic>
+        <p:nvPicPr>
+          <p:cNvPr id="13" name="Рисунок 12"/>
+          <p:cNvPicPr>
+            <a:picLocks noChangeAspect="1"/>
+          </p:cNvPicPr>
+          <p:nvPr/>
+        </p:nvPicPr>
+        <p:blipFill>
+          <a:blip r:embed="rId6">
+            <a:extLst>
+              <a:ext uri="{28A0092B-C50C-407E-A947-70E740481C1C}">
+                <a14:useLocalDpi xmlns:a14="http://schemas.microsoft.com/office/drawing/2010/main" val="0"/>
+              </a:ext>
+            </a:extLst>
+          </a:blip>
+          <a:stretch>
+            <a:fillRect/>
+          </a:stretch>
+        </p:blipFill>
+        <p:spPr>
+          <a:xfrm>
+            <a:off x="464354" y="2849138"/>
+            <a:ext cx="2015363" cy="826299"/>
+          </a:xfrm>
+          <a:prstGeom prst="rect">
+            <a:avLst/>
+          </a:prstGeom>
+        </p:spPr>
+      </p:pic>
+      <p:sp>
+        <p:nvSpPr>
+          <p:cNvPr id="14" name="Прямоугольник 13"/>
+          <p:cNvSpPr/>
+          <p:nvPr/>
+        </p:nvSpPr>
+        <p:spPr>
+          <a:xfrm>
+            <a:off x="508905" y="5433019"/>
+            <a:ext cx="2592646" cy="307777"/>
+          </a:xfrm>
+          <a:prstGeom prst="rect">
+            <a:avLst/>
+          </a:prstGeom>
+        </p:spPr>
+        <p:txBody>
+          <a:bodyPr wrap="square">
             <a:spAutoFit/>
           </a:bodyPr>
           <a:lstStyle/>
           <a:p>
-            <a:pPr>
-              <a:lnSpc>
-                <a:spcPct val="200000"/>
-              </a:lnSpc>
-            </a:pPr>
-            <a:r>
-              <a:rPr lang="ru-RU" sz="2200" dirty="0" smtClean="0">
-                <a:latin typeface="Times New Roman" panose="02020603050405020304" pitchFamily="18" charset="0"/>
-                <a:cs typeface="Times New Roman" panose="02020603050405020304" pitchFamily="18" charset="0"/>
-              </a:rPr>
-              <a:t>В работе…</a:t>
-            </a:r>
-            <a:endParaRPr lang="ru-RU" sz="2200" dirty="0">
+            <a:r>
+              <a:rPr lang="ru-RU" sz="1400" dirty="0">
+                <a:latin typeface="Times New Roman" panose="02020603050405020304" pitchFamily="18" charset="0"/>
+                <a:cs typeface="Times New Roman" panose="02020603050405020304" pitchFamily="18" charset="0"/>
+              </a:rPr>
+              <a:t>Рис. </a:t>
+            </a:r>
+            <a:r>
+              <a:rPr lang="en-US" sz="1400" dirty="0" smtClean="0">
+                <a:latin typeface="Times New Roman" panose="02020603050405020304" pitchFamily="18" charset="0"/>
+                <a:cs typeface="Times New Roman" panose="02020603050405020304" pitchFamily="18" charset="0"/>
+              </a:rPr>
+              <a:t>12 –</a:t>
+            </a:r>
+            <a:r>
+              <a:rPr lang="ru-RU" sz="1400" dirty="0" smtClean="0">
+                <a:latin typeface="Times New Roman" panose="02020603050405020304" pitchFamily="18" charset="0"/>
+                <a:cs typeface="Times New Roman" panose="02020603050405020304" pitchFamily="18" charset="0"/>
+              </a:rPr>
+              <a:t> Экран списка товаров</a:t>
+            </a:r>
+            <a:endParaRPr lang="ru-RU" sz="1400" dirty="0">
+              <a:latin typeface="Times New Roman" panose="02020603050405020304" pitchFamily="18" charset="0"/>
+              <a:cs typeface="Times New Roman" panose="02020603050405020304" pitchFamily="18" charset="0"/>
+            </a:endParaRPr>
+          </a:p>
+        </p:txBody>
+      </p:sp>
+      <p:sp>
+        <p:nvSpPr>
+          <p:cNvPr id="16" name="Прямоугольник 15"/>
+          <p:cNvSpPr/>
+          <p:nvPr/>
+        </p:nvSpPr>
+        <p:spPr>
+          <a:xfrm>
+            <a:off x="8962628" y="5395951"/>
+            <a:ext cx="2874696" cy="307777"/>
+          </a:xfrm>
+          <a:prstGeom prst="rect">
+            <a:avLst/>
+          </a:prstGeom>
+        </p:spPr>
+        <p:txBody>
+          <a:bodyPr wrap="square">
+            <a:spAutoFit/>
+          </a:bodyPr>
+          <a:lstStyle/>
+          <a:p>
+            <a:r>
+              <a:rPr lang="ru-RU" sz="1400" dirty="0">
+                <a:latin typeface="Times New Roman" panose="02020603050405020304" pitchFamily="18" charset="0"/>
+                <a:cs typeface="Times New Roman" panose="02020603050405020304" pitchFamily="18" charset="0"/>
+              </a:rPr>
+              <a:t>Рис. </a:t>
+            </a:r>
+            <a:r>
+              <a:rPr lang="en-US" sz="1400" dirty="0" smtClean="0">
+                <a:latin typeface="Times New Roman" panose="02020603050405020304" pitchFamily="18" charset="0"/>
+                <a:cs typeface="Times New Roman" panose="02020603050405020304" pitchFamily="18" charset="0"/>
+              </a:rPr>
+              <a:t>13</a:t>
+            </a:r>
+            <a:r>
+              <a:rPr lang="ru-RU" sz="1400" dirty="0" smtClean="0">
+                <a:latin typeface="Times New Roman" panose="02020603050405020304" pitchFamily="18" charset="0"/>
+                <a:cs typeface="Times New Roman" panose="02020603050405020304" pitchFamily="18" charset="0"/>
+              </a:rPr>
+              <a:t> </a:t>
+            </a:r>
+            <a:r>
+              <a:rPr lang="en-US" sz="1400" dirty="0" smtClean="0">
+                <a:latin typeface="Times New Roman" panose="02020603050405020304" pitchFamily="18" charset="0"/>
+                <a:cs typeface="Times New Roman" panose="02020603050405020304" pitchFamily="18" charset="0"/>
+              </a:rPr>
+              <a:t>–</a:t>
+            </a:r>
+            <a:r>
+              <a:rPr lang="ru-RU" sz="1400" dirty="0" smtClean="0">
+                <a:latin typeface="Times New Roman" panose="02020603050405020304" pitchFamily="18" charset="0"/>
+                <a:cs typeface="Times New Roman" panose="02020603050405020304" pitchFamily="18" charset="0"/>
+              </a:rPr>
+              <a:t> Экран добавления товара</a:t>
+            </a:r>
+            <a:endParaRPr lang="ru-RU" sz="1400" dirty="0">
               <a:latin typeface="Times New Roman" panose="02020603050405020304" pitchFamily="18" charset="0"/>
               <a:cs typeface="Times New Roman" panose="02020603050405020304" pitchFamily="18" charset="0"/>
             </a:endParaRPr>
@@ -4568,11 +4778,18 @@
           <a:p>
             <a:pPr algn="ctr"/>
             <a:r>
+              <a:rPr lang="ru-RU" dirty="0" smtClean="0">
+                <a:latin typeface="Times New Roman" panose="02020603050405020304" pitchFamily="18" charset="0"/>
+                <a:cs typeface="Times New Roman" panose="02020603050405020304" pitchFamily="18" charset="0"/>
+              </a:rPr>
+              <a:t>Функциональное </a:t>
+            </a:r>
+            <a:r>
               <a:rPr lang="ru-RU" dirty="0">
                 <a:latin typeface="Times New Roman" panose="02020603050405020304" pitchFamily="18" charset="0"/>
                 <a:cs typeface="Times New Roman" panose="02020603050405020304" pitchFamily="18" charset="0"/>
               </a:rPr>
-              <a:t>Модульное тестирование</a:t>
+              <a:t>тестирование</a:t>
             </a:r>
           </a:p>
         </p:txBody>
@@ -4633,7 +4850,21 @@
                 <a:latin typeface="Times New Roman" panose="02020603050405020304" pitchFamily="18" charset="0"/>
                 <a:cs typeface="Times New Roman" panose="02020603050405020304" pitchFamily="18" charset="0"/>
               </a:rPr>
-              <a:t>системы. </a:t>
+              <a:t>системы</a:t>
+            </a:r>
+            <a:r>
+              <a:rPr lang="en-US" dirty="0">
+                <a:latin typeface="Times New Roman" panose="02020603050405020304" pitchFamily="18" charset="0"/>
+                <a:cs typeface="Times New Roman" panose="02020603050405020304" pitchFamily="18" charset="0"/>
+              </a:rPr>
+              <a:t> Android</a:t>
+            </a:r>
+            <a:r>
+              <a:rPr lang="ru-RU" dirty="0" smtClean="0">
+                <a:latin typeface="Times New Roman" panose="02020603050405020304" pitchFamily="18" charset="0"/>
+                <a:cs typeface="Times New Roman" panose="02020603050405020304" pitchFamily="18" charset="0"/>
+              </a:rPr>
+              <a:t>. </a:t>
             </a:r>
             <a:r>
               <a:rPr lang="ru-RU" dirty="0">
@@ -4649,47 +4880,30 @@
           </a:p>
         </p:txBody>
       </p:sp>
-      <p:sp>
-        <p:nvSpPr>
-          <p:cNvPr id="6" name="TextBox 5"/>
-          <p:cNvSpPr txBox="1"/>
+      <p:pic>
+        <p:nvPicPr>
+          <p:cNvPr id="10" name="Рисунок 9"/>
+          <p:cNvPicPr>
+            <a:picLocks noChangeAspect="1"/>
+          </p:cNvPicPr>
           <p:nvPr/>
-        </p:nvSpPr>
-        <p:spPr>
-          <a:xfrm>
-            <a:off x="621771" y="2544406"/>
-            <a:ext cx="6202977" cy="666336"/>
+        </p:nvPicPr>
+        <p:blipFill>
+          <a:blip r:embed="rId2"/>
+          <a:stretch>
+            <a:fillRect/>
+          </a:stretch>
+        </p:blipFill>
+        <p:spPr>
+          <a:xfrm>
+            <a:off x="2013968" y="1229383"/>
+            <a:ext cx="8164064" cy="4696480"/>
           </a:xfrm>
           <a:prstGeom prst="rect">
             <a:avLst/>
           </a:prstGeom>
-          <a:noFill/>
-        </p:spPr>
-        <p:txBody>
-          <a:bodyPr wrap="square" rtlCol="0">
-            <a:spAutoFit/>
-          </a:bodyPr>
-          <a:lstStyle/>
-          <a:p>
-            <a:pPr>
-              <a:lnSpc>
-                <a:spcPct val="200000"/>
-              </a:lnSpc>
-            </a:pPr>
-            <a:r>
-              <a:rPr lang="ru-RU" sz="2200" dirty="0" smtClean="0">
-                <a:latin typeface="Times New Roman" panose="02020603050405020304" pitchFamily="18" charset="0"/>
-                <a:cs typeface="Times New Roman" panose="02020603050405020304" pitchFamily="18" charset="0"/>
-              </a:rPr>
-              <a:t>В работе…</a:t>
-            </a:r>
-            <a:endParaRPr lang="ru-RU" sz="2200" dirty="0">
-              <a:latin typeface="Times New Roman" panose="02020603050405020304" pitchFamily="18" charset="0"/>
-              <a:cs typeface="Times New Roman" panose="02020603050405020304" pitchFamily="18" charset="0"/>
-            </a:endParaRPr>
-          </a:p>
-        </p:txBody>
-      </p:sp>
+        </p:spPr>
+      </p:pic>
     </p:spTree>
     <p:extLst>
       <p:ext uri="{BB962C8B-B14F-4D97-AF65-F5344CB8AC3E}">
@@ -4794,7 +5008,7 @@
         </p:nvSpPr>
         <p:spPr>
           <a:xfrm>
-            <a:off x="390715" y="1753490"/>
+            <a:off x="1172111" y="1753490"/>
             <a:ext cx="7922011" cy="3416320"/>
           </a:xfrm>
           <a:prstGeom prst="rect">
@@ -5050,7 +5264,21 @@
                 <a:latin typeface="Times New Roman" panose="02020603050405020304" pitchFamily="18" charset="0"/>
                 <a:cs typeface="Times New Roman" panose="02020603050405020304" pitchFamily="18" charset="0"/>
               </a:rPr>
-              <a:t>системы. </a:t>
+              <a:t>системы</a:t>
+            </a:r>
+            <a:r>
+              <a:rPr lang="en-US" dirty="0">
+                <a:latin typeface="Times New Roman" panose="02020603050405020304" pitchFamily="18" charset="0"/>
+                <a:cs typeface="Times New Roman" panose="02020603050405020304" pitchFamily="18" charset="0"/>
+              </a:rPr>
+              <a:t> Android</a:t>
+            </a:r>
+            <a:r>
+              <a:rPr lang="ru-RU" dirty="0" smtClean="0">
+                <a:latin typeface="Times New Roman" panose="02020603050405020304" pitchFamily="18" charset="0"/>
+                <a:cs typeface="Times New Roman" panose="02020603050405020304" pitchFamily="18" charset="0"/>
+              </a:rPr>
+              <a:t>. </a:t>
             </a:r>
             <a:r>
               <a:rPr lang="ru-RU" dirty="0">
@@ -5170,7 +5398,28 @@
                 <a:latin typeface="Times New Roman" panose="02020603050405020304" pitchFamily="18" charset="0"/>
                 <a:cs typeface="Times New Roman" panose="02020603050405020304" pitchFamily="18" charset="0"/>
               </a:rPr>
-              <a:t>системы. Ленский И.И.</a:t>
+              <a:t>системы </a:t>
+            </a:r>
+            <a:r>
+              <a:rPr lang="en-US" dirty="0" smtClean="0">
+                <a:latin typeface="Times New Roman" panose="02020603050405020304" pitchFamily="18" charset="0"/>
+                <a:cs typeface="Times New Roman" panose="02020603050405020304" pitchFamily="18" charset="0"/>
+              </a:rPr>
+              <a:t>Android</a:t>
+            </a:r>
+            <a:r>
+              <a:rPr lang="ru-RU" dirty="0" smtClean="0">
+                <a:latin typeface="Times New Roman" panose="02020603050405020304" pitchFamily="18" charset="0"/>
+                <a:cs typeface="Times New Roman" panose="02020603050405020304" pitchFamily="18" charset="0"/>
+              </a:rPr>
+              <a:t>. </a:t>
+            </a:r>
+            <a:r>
+              <a:rPr lang="ru-RU" dirty="0" smtClean="0">
+                <a:latin typeface="Times New Roman" panose="02020603050405020304" pitchFamily="18" charset="0"/>
+                <a:cs typeface="Times New Roman" panose="02020603050405020304" pitchFamily="18" charset="0"/>
+              </a:rPr>
+              <a:t>Ленский И.И.</a:t>
             </a:r>
             <a:endParaRPr lang="en-US" dirty="0">
               <a:latin typeface="Times New Roman" panose="02020603050405020304" pitchFamily="18" charset="0"/>
@@ -5609,25 +5858,25 @@
           <a:lstStyle/>
           <a:p>
             <a:r>
-              <a:rPr lang="ru-RU" dirty="0">
-                <a:latin typeface="Times New Roman" panose="02020603050405020304" pitchFamily="18" charset="0"/>
-                <a:cs typeface="Times New Roman" panose="02020603050405020304" pitchFamily="18" charset="0"/>
-              </a:rPr>
-              <a:t>Реализация прототипа мобильного приложения «Список покупок» на базе операционной </a:t>
-            </a:r>
-            <a:r>
               <a:rPr lang="ru-RU" dirty="0" smtClean="0">
                 <a:latin typeface="Times New Roman" panose="02020603050405020304" pitchFamily="18" charset="0"/>
                 <a:cs typeface="Times New Roman" panose="02020603050405020304" pitchFamily="18" charset="0"/>
               </a:rPr>
-              <a:t>системы. </a:t>
-            </a:r>
-            <a:r>
-              <a:rPr lang="ru-RU" dirty="0">
-                <a:latin typeface="Times New Roman" panose="02020603050405020304" pitchFamily="18" charset="0"/>
-                <a:cs typeface="Times New Roman" panose="02020603050405020304" pitchFamily="18" charset="0"/>
-              </a:rPr>
-              <a:t>Ленский И.И.</a:t>
+              <a:t>Реализация прототипа мобильного приложения «Список покупок» на базе операционной системы</a:t>
+            </a:r>
+            <a:r>
+              <a:rPr lang="en-US" dirty="0">
+                <a:latin typeface="Times New Roman" panose="02020603050405020304" pitchFamily="18" charset="0"/>
+                <a:cs typeface="Times New Roman" panose="02020603050405020304" pitchFamily="18" charset="0"/>
+              </a:rPr>
+              <a:t> Android</a:t>
+            </a:r>
+            <a:r>
+              <a:rPr lang="ru-RU" dirty="0" smtClean="0">
+                <a:latin typeface="Times New Roman" panose="02020603050405020304" pitchFamily="18" charset="0"/>
+                <a:cs typeface="Times New Roman" panose="02020603050405020304" pitchFamily="18" charset="0"/>
+              </a:rPr>
+              <a:t>. Ленский И.И.</a:t>
             </a:r>
             <a:endParaRPr lang="en-US" dirty="0">
               <a:latin typeface="Times New Roman" panose="02020603050405020304" pitchFamily="18" charset="0"/>
@@ -5944,7 +6193,21 @@
                 <a:latin typeface="Times New Roman" panose="02020603050405020304" pitchFamily="18" charset="0"/>
                 <a:cs typeface="Times New Roman" panose="02020603050405020304" pitchFamily="18" charset="0"/>
               </a:rPr>
-              <a:t>системы. </a:t>
+              <a:t>системы</a:t>
+            </a:r>
+            <a:r>
+              <a:rPr lang="en-US" dirty="0">
+                <a:latin typeface="Times New Roman" panose="02020603050405020304" pitchFamily="18" charset="0"/>
+                <a:cs typeface="Times New Roman" panose="02020603050405020304" pitchFamily="18" charset="0"/>
+              </a:rPr>
+              <a:t> Android</a:t>
+            </a:r>
+            <a:r>
+              <a:rPr lang="ru-RU" dirty="0" smtClean="0">
+                <a:latin typeface="Times New Roman" panose="02020603050405020304" pitchFamily="18" charset="0"/>
+                <a:cs typeface="Times New Roman" panose="02020603050405020304" pitchFamily="18" charset="0"/>
+              </a:rPr>
+              <a:t>. </a:t>
             </a:r>
             <a:r>
               <a:rPr lang="ru-RU" dirty="0">
@@ -6150,7 +6413,21 @@
                 <a:latin typeface="Times New Roman" panose="02020603050405020304" pitchFamily="18" charset="0"/>
                 <a:cs typeface="Times New Roman" panose="02020603050405020304" pitchFamily="18" charset="0"/>
               </a:rPr>
-              <a:t>системы. </a:t>
+              <a:t>системы</a:t>
+            </a:r>
+            <a:r>
+              <a:rPr lang="en-US" dirty="0">
+                <a:latin typeface="Times New Roman" panose="02020603050405020304" pitchFamily="18" charset="0"/>
+                <a:cs typeface="Times New Roman" panose="02020603050405020304" pitchFamily="18" charset="0"/>
+              </a:rPr>
+              <a:t> Android</a:t>
+            </a:r>
+            <a:r>
+              <a:rPr lang="ru-RU" dirty="0" smtClean="0">
+                <a:latin typeface="Times New Roman" panose="02020603050405020304" pitchFamily="18" charset="0"/>
+                <a:cs typeface="Times New Roman" panose="02020603050405020304" pitchFamily="18" charset="0"/>
+              </a:rPr>
+              <a:t>. </a:t>
             </a:r>
             <a:r>
               <a:rPr lang="ru-RU" dirty="0">
@@ -6504,7 +6781,21 @@
                 <a:latin typeface="Times New Roman" panose="02020603050405020304" pitchFamily="18" charset="0"/>
                 <a:cs typeface="Times New Roman" panose="02020603050405020304" pitchFamily="18" charset="0"/>
               </a:rPr>
-              <a:t>системы. </a:t>
+              <a:t>системы</a:t>
+            </a:r>
+            <a:r>
+              <a:rPr lang="en-US" dirty="0">
+                <a:latin typeface="Times New Roman" panose="02020603050405020304" pitchFamily="18" charset="0"/>
+                <a:cs typeface="Times New Roman" panose="02020603050405020304" pitchFamily="18" charset="0"/>
+              </a:rPr>
+              <a:t> Android</a:t>
+            </a:r>
+            <a:r>
+              <a:rPr lang="ru-RU" dirty="0" smtClean="0">
+                <a:latin typeface="Times New Roman" panose="02020603050405020304" pitchFamily="18" charset="0"/>
+                <a:cs typeface="Times New Roman" panose="02020603050405020304" pitchFamily="18" charset="0"/>
+              </a:rPr>
+              <a:t>. </a:t>
             </a:r>
             <a:r>
               <a:rPr lang="ru-RU" dirty="0">
@@ -6730,7 +7021,21 @@
                 <a:latin typeface="Times New Roman" panose="02020603050405020304" pitchFamily="18" charset="0"/>
                 <a:cs typeface="Times New Roman" panose="02020603050405020304" pitchFamily="18" charset="0"/>
               </a:rPr>
-              <a:t>системы. </a:t>
+              <a:t>системы</a:t>
+            </a:r>
+            <a:r>
+              <a:rPr lang="en-US" dirty="0">
+                <a:latin typeface="Times New Roman" panose="02020603050405020304" pitchFamily="18" charset="0"/>
+                <a:cs typeface="Times New Roman" panose="02020603050405020304" pitchFamily="18" charset="0"/>
+              </a:rPr>
+              <a:t> Android</a:t>
+            </a:r>
+            <a:r>
+              <a:rPr lang="ru-RU" dirty="0" smtClean="0">
+                <a:latin typeface="Times New Roman" panose="02020603050405020304" pitchFamily="18" charset="0"/>
+                <a:cs typeface="Times New Roman" panose="02020603050405020304" pitchFamily="18" charset="0"/>
+              </a:rPr>
+              <a:t>. </a:t>
             </a:r>
             <a:r>
               <a:rPr lang="ru-RU" dirty="0">
@@ -6925,7 +7230,21 @@
                 <a:latin typeface="Times New Roman" panose="02020603050405020304" pitchFamily="18" charset="0"/>
                 <a:cs typeface="Times New Roman" panose="02020603050405020304" pitchFamily="18" charset="0"/>
               </a:rPr>
-              <a:t>системы. </a:t>
+              <a:t>системы</a:t>
+            </a:r>
+            <a:r>
+              <a:rPr lang="en-US" dirty="0">
+                <a:latin typeface="Times New Roman" panose="02020603050405020304" pitchFamily="18" charset="0"/>
+                <a:cs typeface="Times New Roman" panose="02020603050405020304" pitchFamily="18" charset="0"/>
+              </a:rPr>
+              <a:t> Android</a:t>
+            </a:r>
+            <a:r>
+              <a:rPr lang="ru-RU" dirty="0" smtClean="0">
+                <a:latin typeface="Times New Roman" panose="02020603050405020304" pitchFamily="18" charset="0"/>
+                <a:cs typeface="Times New Roman" panose="02020603050405020304" pitchFamily="18" charset="0"/>
+              </a:rPr>
+              <a:t>. </a:t>
             </a:r>
             <a:r>
               <a:rPr lang="ru-RU" dirty="0">
@@ -7134,7 +7453,21 @@
                 <a:latin typeface="Times New Roman" panose="02020603050405020304" pitchFamily="18" charset="0"/>
                 <a:cs typeface="Times New Roman" panose="02020603050405020304" pitchFamily="18" charset="0"/>
               </a:rPr>
-              <a:t>системы. </a:t>
+              <a:t>системы</a:t>
+            </a:r>
+            <a:r>
+              <a:rPr lang="en-US" dirty="0">
+                <a:latin typeface="Times New Roman" panose="02020603050405020304" pitchFamily="18" charset="0"/>
+                <a:cs typeface="Times New Roman" panose="02020603050405020304" pitchFamily="18" charset="0"/>
+              </a:rPr>
+              <a:t> Android</a:t>
+            </a:r>
+            <a:r>
+              <a:rPr lang="ru-RU" dirty="0" smtClean="0">
+                <a:latin typeface="Times New Roman" panose="02020603050405020304" pitchFamily="18" charset="0"/>
+                <a:cs typeface="Times New Roman" panose="02020603050405020304" pitchFamily="18" charset="0"/>
+              </a:rPr>
+              <a:t>. </a:t>
             </a:r>
             <a:r>
               <a:rPr lang="ru-RU" dirty="0">

--- a/3/java-2021-1-Lenskii.pptx
+++ b/3/java-2021-1-Lenskii.pptx
@@ -5163,18 +5163,18 @@
               <a:buChar char="•"/>
             </a:pPr>
             <a:r>
-              <a:rPr lang="ru-RU" dirty="0">
-                <a:latin typeface="Times New Roman" panose="02020603050405020304" pitchFamily="18" charset="0"/>
-                <a:cs typeface="Times New Roman" panose="02020603050405020304" pitchFamily="18" charset="0"/>
-              </a:rPr>
-              <a:t>б</a:t>
-            </a:r>
-            <a:r>
               <a:rPr lang="ru-RU" dirty="0" smtClean="0">
                 <a:latin typeface="Times New Roman" panose="02020603050405020304" pitchFamily="18" charset="0"/>
                 <a:cs typeface="Times New Roman" panose="02020603050405020304" pitchFamily="18" charset="0"/>
               </a:rPr>
-              <a:t>ыли реализован план модульного тестирования.</a:t>
+              <a:t>было реализовано функциональное  </a:t>
+            </a:r>
+            <a:r>
+              <a:rPr lang="ru-RU" dirty="0" smtClean="0">
+                <a:latin typeface="Times New Roman" panose="02020603050405020304" pitchFamily="18" charset="0"/>
+                <a:cs typeface="Times New Roman" panose="02020603050405020304" pitchFamily="18" charset="0"/>
+              </a:rPr>
+              <a:t>тестирования.</a:t>
             </a:r>
           </a:p>
           <a:p>
@@ -5412,14 +5412,7 @@
                 <a:latin typeface="Times New Roman" panose="02020603050405020304" pitchFamily="18" charset="0"/>
                 <a:cs typeface="Times New Roman" panose="02020603050405020304" pitchFamily="18" charset="0"/>
               </a:rPr>
-              <a:t>. </a:t>
-            </a:r>
-            <a:r>
-              <a:rPr lang="ru-RU" dirty="0" smtClean="0">
-                <a:latin typeface="Times New Roman" panose="02020603050405020304" pitchFamily="18" charset="0"/>
-                <a:cs typeface="Times New Roman" panose="02020603050405020304" pitchFamily="18" charset="0"/>
-              </a:rPr>
-              <a:t>Ленский И.И.</a:t>
+              <a:t>. Ленский И.И.</a:t>
             </a:r>
             <a:endParaRPr lang="en-US" dirty="0">
               <a:latin typeface="Times New Roman" panose="02020603050405020304" pitchFamily="18" charset="0"/>
@@ -5665,7 +5658,28 @@
                 <a:latin typeface="Times New Roman" panose="02020603050405020304" pitchFamily="18" charset="0"/>
                 <a:cs typeface="Times New Roman" panose="02020603050405020304" pitchFamily="18" charset="0"/>
               </a:rPr>
-              <a:t>Реализовать модульное тестирование прототипа.</a:t>
+              <a:t>Реализовать </a:t>
+            </a:r>
+            <a:r>
+              <a:rPr lang="ru-RU" sz="2200" dirty="0" smtClean="0">
+                <a:latin typeface="Times New Roman" panose="02020603050405020304" pitchFamily="18" charset="0"/>
+                <a:cs typeface="Times New Roman" panose="02020603050405020304" pitchFamily="18" charset="0"/>
+              </a:rPr>
+              <a:t>функциональное</a:t>
+            </a:r>
+            <a:r>
+              <a:rPr lang="ru-RU" sz="2200" dirty="0" smtClean="0">
+                <a:latin typeface="Times New Roman" panose="02020603050405020304" pitchFamily="18" charset="0"/>
+                <a:cs typeface="Times New Roman" panose="02020603050405020304" pitchFamily="18" charset="0"/>
+              </a:rPr>
+              <a:t> </a:t>
+            </a:r>
+            <a:r>
+              <a:rPr lang="ru-RU" sz="2200" dirty="0" smtClean="0">
+                <a:latin typeface="Times New Roman" panose="02020603050405020304" pitchFamily="18" charset="0"/>
+                <a:cs typeface="Times New Roman" panose="02020603050405020304" pitchFamily="18" charset="0"/>
+              </a:rPr>
+              <a:t>тестирование прототипа.</a:t>
             </a:r>
           </a:p>
         </p:txBody>

--- a/3/java-2021-1-Lenskii.pptx
+++ b/3/java-2021-1-Lenskii.pptx
@@ -5,7 +5,7 @@
     <p:sldMasterId id="2147483669" r:id="rId1"/>
   </p:sldMasterIdLst>
   <p:notesMasterIdLst>
-    <p:notesMasterId r:id="rId15"/>
+    <p:notesMasterId r:id="rId13"/>
   </p:notesMasterIdLst>
   <p:sldIdLst>
     <p:sldId id="256" r:id="rId2"/>
@@ -14,13 +14,11 @@
     <p:sldId id="264" r:id="rId5"/>
     <p:sldId id="270" r:id="rId6"/>
     <p:sldId id="268" r:id="rId7"/>
-    <p:sldId id="274" r:id="rId8"/>
-    <p:sldId id="275" r:id="rId9"/>
-    <p:sldId id="276" r:id="rId10"/>
-    <p:sldId id="271" r:id="rId11"/>
-    <p:sldId id="278" r:id="rId12"/>
-    <p:sldId id="258" r:id="rId13"/>
-    <p:sldId id="277" r:id="rId14"/>
+    <p:sldId id="275" r:id="rId8"/>
+    <p:sldId id="271" r:id="rId9"/>
+    <p:sldId id="278" r:id="rId10"/>
+    <p:sldId id="258" r:id="rId11"/>
+    <p:sldId id="277" r:id="rId12"/>
   </p:sldIdLst>
   <p:sldSz cx="12192000" cy="6858000"/>
   <p:notesSz cx="6858000" cy="9144000"/>
@@ -209,7 +207,7 @@
           <a:p>
             <a:fld id="{1BAE438E-8129-45D7-BE77-B8CF598491DD}" type="datetimeFigureOut">
               <a:rPr lang="ru-RU" smtClean="0"/>
-              <a:t>23.02.2022</a:t>
+              <a:t>25.02.2022</a:t>
             </a:fld>
             <a:endParaRPr lang="ru-RU" dirty="0"/>
           </a:p>
@@ -608,7 +606,7 @@
           <a:p>
             <a:fld id="{82A88920-A4DD-4294-BB42-5E25DC38D062}" type="datetime1">
               <a:rPr lang="en-US" smtClean="0"/>
-              <a:t>2/23/2022</a:t>
+              <a:t>2/25/2022</a:t>
             </a:fld>
             <a:endParaRPr lang="en-US" dirty="0"/>
           </a:p>
@@ -783,7 +781,7 @@
           <a:p>
             <a:fld id="{C2AA4C5A-6678-4F65-81E3-DA6798EE8701}" type="datetime1">
               <a:rPr lang="en-US" smtClean="0"/>
-              <a:t>2/23/2022</a:t>
+              <a:t>2/25/2022</a:t>
             </a:fld>
             <a:endParaRPr lang="en-US" dirty="0"/>
           </a:p>
@@ -968,7 +966,7 @@
           <a:p>
             <a:fld id="{E56CB186-4427-4D3B-AD6F-9F3C45DA0138}" type="datetime1">
               <a:rPr lang="en-US" smtClean="0"/>
-              <a:t>2/23/2022</a:t>
+              <a:t>2/25/2022</a:t>
             </a:fld>
             <a:endParaRPr lang="en-US" dirty="0"/>
           </a:p>
@@ -1143,7 +1141,7 @@
           <a:p>
             <a:fld id="{73BC26BA-7FBF-42DE-88A1-8F4AEACAA6DA}" type="datetime1">
               <a:rPr lang="en-US" smtClean="0"/>
-              <a:t>2/23/2022</a:t>
+              <a:t>2/25/2022</a:t>
             </a:fld>
             <a:endParaRPr lang="en-US" dirty="0"/>
           </a:p>
@@ -1394,7 +1392,7 @@
           <a:p>
             <a:fld id="{AC9FC546-7E39-4E27-9E39-93D9E83A1C9A}" type="datetime1">
               <a:rPr lang="en-US" smtClean="0"/>
-              <a:t>2/23/2022</a:t>
+              <a:t>2/25/2022</a:t>
             </a:fld>
             <a:endParaRPr lang="en-US" dirty="0"/>
           </a:p>
@@ -1631,7 +1629,7 @@
           <a:p>
             <a:fld id="{BE0F372A-0257-4318-886D-26B35FFE5574}" type="datetime1">
               <a:rPr lang="en-US" smtClean="0"/>
-              <a:t>2/23/2022</a:t>
+              <a:t>2/25/2022</a:t>
             </a:fld>
             <a:endParaRPr lang="en-US" dirty="0"/>
           </a:p>
@@ -2003,7 +2001,7 @@
           <a:p>
             <a:fld id="{398A0FAC-27E8-4A9A-A03F-416D50458A36}" type="datetime1">
               <a:rPr lang="en-US" smtClean="0"/>
-              <a:t>2/23/2022</a:t>
+              <a:t>2/25/2022</a:t>
             </a:fld>
             <a:endParaRPr lang="en-US" dirty="0"/>
           </a:p>
@@ -2126,7 +2124,7 @@
           <a:p>
             <a:fld id="{E5D8AABB-E23A-4503-AEB0-D466F3A252F5}" type="datetime1">
               <a:rPr lang="en-US" smtClean="0"/>
-              <a:t>2/23/2022</a:t>
+              <a:t>2/25/2022</a:t>
             </a:fld>
             <a:endParaRPr lang="en-US" dirty="0"/>
           </a:p>
@@ -2226,7 +2224,7 @@
           <a:p>
             <a:fld id="{97F4C0BE-2773-4D47-8327-F14184CB78DF}" type="datetime1">
               <a:rPr lang="en-US" smtClean="0"/>
-              <a:t>2/23/2022</a:t>
+              <a:t>2/25/2022</a:t>
             </a:fld>
             <a:endParaRPr lang="en-US" dirty="0"/>
           </a:p>
@@ -2508,7 +2506,7 @@
           <a:p>
             <a:fld id="{C5A3E837-DD15-41AE-92C1-3355A4DC36E7}" type="datetime1">
               <a:rPr lang="en-US" smtClean="0"/>
-              <a:t>2/23/2022</a:t>
+              <a:t>2/25/2022</a:t>
             </a:fld>
             <a:endParaRPr lang="en-US" dirty="0"/>
           </a:p>
@@ -2766,7 +2764,7 @@
           <a:p>
             <a:fld id="{FB76FE9F-9255-42DD-ABE2-F95B11B4C8E5}" type="datetime1">
               <a:rPr lang="en-US" smtClean="0"/>
-              <a:t>2/23/2022</a:t>
+              <a:t>2/25/2022</a:t>
             </a:fld>
             <a:endParaRPr lang="en-US" dirty="0"/>
           </a:p>
@@ -2984,7 +2982,7 @@
           <a:p>
             <a:fld id="{51498D3D-1152-4A7C-A0F2-C61094C32E1D}" type="datetime1">
               <a:rPr lang="en-US" smtClean="0"/>
-              <a:t>2/23/2022</a:t>
+              <a:t>2/25/2022</a:t>
             </a:fld>
             <a:endParaRPr lang="en-US" dirty="0"/>
           </a:p>
@@ -3814,14 +3812,12 @@
         </p:nvSpPr>
         <p:spPr>
           <a:xfrm>
-            <a:off x="684211" y="44593"/>
-            <a:ext cx="10821233" cy="739186"/>
-          </a:xfrm>
-        </p:spPr>
-        <p:txBody>
-          <a:bodyPr>
-            <a:noAutofit/>
-          </a:bodyPr>
+            <a:off x="684211" y="79230"/>
+            <a:ext cx="10821233" cy="719667"/>
+          </a:xfrm>
+        </p:spPr>
+        <p:txBody>
+          <a:bodyPr/>
           <a:lstStyle/>
           <a:p>
             <a:pPr algn="ctr"/>
@@ -3830,12 +3826,15 @@
                 <a:latin typeface="Times New Roman" panose="02020603050405020304" pitchFamily="18" charset="0"/>
                 <a:cs typeface="Times New Roman" panose="02020603050405020304" pitchFamily="18" charset="0"/>
               </a:rPr>
-              <a:t>Реализация</a:t>
-            </a:r>
-            <a:endParaRPr lang="ru-RU" dirty="0">
-              <a:latin typeface="Times New Roman" panose="02020603050405020304" pitchFamily="18" charset="0"/>
-              <a:cs typeface="Times New Roman" panose="02020603050405020304" pitchFamily="18" charset="0"/>
-            </a:endParaRPr>
+              <a:t>Функциональное </a:t>
+            </a:r>
+            <a:r>
+              <a:rPr lang="ru-RU" dirty="0">
+                <a:latin typeface="Times New Roman" panose="02020603050405020304" pitchFamily="18" charset="0"/>
+                <a:cs typeface="Times New Roman" panose="02020603050405020304" pitchFamily="18" charset="0"/>
+              </a:rPr>
+              <a:t>тестирование</a:t>
+            </a:r>
           </a:p>
         </p:txBody>
       </p:sp>
@@ -3863,9 +3862,71 @@
           </a:p>
         </p:txBody>
       </p:sp>
+      <p:sp>
+        <p:nvSpPr>
+          <p:cNvPr id="15" name="Нижний колонтитул 3"/>
+          <p:cNvSpPr>
+            <a:spLocks noGrp="1"/>
+          </p:cNvSpPr>
+          <p:nvPr>
+            <p:ph type="ftr" sz="quarter" idx="11"/>
+          </p:nvPr>
+        </p:nvSpPr>
+        <p:spPr>
+          <a:xfrm>
+            <a:off x="684210" y="6356350"/>
+            <a:ext cx="10380029" cy="365125"/>
+          </a:xfrm>
+        </p:spPr>
+        <p:txBody>
+          <a:bodyPr/>
+          <a:lstStyle/>
+          <a:p>
+            <a:r>
+              <a:rPr lang="ru-RU" dirty="0">
+                <a:latin typeface="Times New Roman" panose="02020603050405020304" pitchFamily="18" charset="0"/>
+                <a:cs typeface="Times New Roman" panose="02020603050405020304" pitchFamily="18" charset="0"/>
+              </a:rPr>
+              <a:t>Реализация прототипа мобильного приложения «Список покупок» на базе операционной </a:t>
+            </a:r>
+            <a:r>
+              <a:rPr lang="ru-RU" dirty="0" smtClean="0">
+                <a:latin typeface="Times New Roman" panose="02020603050405020304" pitchFamily="18" charset="0"/>
+                <a:cs typeface="Times New Roman" panose="02020603050405020304" pitchFamily="18" charset="0"/>
+              </a:rPr>
+              <a:t>системы</a:t>
+            </a:r>
+            <a:r>
+              <a:rPr lang="en-US" dirty="0">
+                <a:latin typeface="Times New Roman" panose="02020603050405020304" pitchFamily="18" charset="0"/>
+                <a:cs typeface="Times New Roman" panose="02020603050405020304" pitchFamily="18" charset="0"/>
+              </a:rPr>
+              <a:t> Android</a:t>
+            </a:r>
+            <a:r>
+              <a:rPr lang="ru-RU" dirty="0" smtClean="0">
+                <a:latin typeface="Times New Roman" panose="02020603050405020304" pitchFamily="18" charset="0"/>
+                <a:cs typeface="Times New Roman" panose="02020603050405020304" pitchFamily="18" charset="0"/>
+              </a:rPr>
+              <a:t>. </a:t>
+            </a:r>
+            <a:r>
+              <a:rPr lang="ru-RU" dirty="0">
+                <a:latin typeface="Times New Roman" panose="02020603050405020304" pitchFamily="18" charset="0"/>
+                <a:cs typeface="Times New Roman" panose="02020603050405020304" pitchFamily="18" charset="0"/>
+              </a:rPr>
+              <a:t>Ленский И.И.</a:t>
+            </a:r>
+            <a:endParaRPr lang="en-US" dirty="0">
+              <a:latin typeface="Times New Roman" panose="02020603050405020304" pitchFamily="18" charset="0"/>
+              <a:cs typeface="Times New Roman" panose="02020603050405020304" pitchFamily="18" charset="0"/>
+            </a:endParaRPr>
+          </a:p>
+        </p:txBody>
+      </p:sp>
       <p:pic>
         <p:nvPicPr>
-          <p:cNvPr id="12" name="Рисунок 11"/>
+          <p:cNvPr id="10" name="Рисунок 9"/>
           <p:cNvPicPr>
             <a:picLocks noChangeAspect="1"/>
           </p:cNvPicPr>
@@ -3879,326 +3940,18 @@
         </p:blipFill>
         <p:spPr>
           <a:xfrm>
-            <a:off x="9565221" y="4023801"/>
-            <a:ext cx="2054613" cy="921226"/>
+            <a:off x="2013968" y="1229383"/>
+            <a:ext cx="8164064" cy="4696480"/>
           </a:xfrm>
           <a:prstGeom prst="rect">
             <a:avLst/>
           </a:prstGeom>
         </p:spPr>
       </p:pic>
-      <p:sp>
-        <p:nvSpPr>
-          <p:cNvPr id="15" name="Нижний колонтитул 3"/>
-          <p:cNvSpPr>
-            <a:spLocks noGrp="1"/>
-          </p:cNvSpPr>
-          <p:nvPr>
-            <p:ph type="ftr" sz="quarter" idx="11"/>
-          </p:nvPr>
-        </p:nvSpPr>
-        <p:spPr>
-          <a:xfrm>
-            <a:off x="684210" y="6356350"/>
-            <a:ext cx="10380029" cy="365125"/>
-          </a:xfrm>
-        </p:spPr>
-        <p:txBody>
-          <a:bodyPr/>
-          <a:lstStyle/>
-          <a:p>
-            <a:r>
-              <a:rPr lang="ru-RU" dirty="0">
-                <a:latin typeface="Times New Roman" panose="02020603050405020304" pitchFamily="18" charset="0"/>
-                <a:cs typeface="Times New Roman" panose="02020603050405020304" pitchFamily="18" charset="0"/>
-              </a:rPr>
-              <a:t>Реализация прототипа мобильного приложения «Список покупок» на базе операционной </a:t>
-            </a:r>
-            <a:r>
-              <a:rPr lang="ru-RU" dirty="0" smtClean="0">
-                <a:latin typeface="Times New Roman" panose="02020603050405020304" pitchFamily="18" charset="0"/>
-                <a:cs typeface="Times New Roman" panose="02020603050405020304" pitchFamily="18" charset="0"/>
-              </a:rPr>
-              <a:t>системы</a:t>
-            </a:r>
-            <a:r>
-              <a:rPr lang="en-US" dirty="0">
-                <a:latin typeface="Times New Roman" panose="02020603050405020304" pitchFamily="18" charset="0"/>
-                <a:cs typeface="Times New Roman" panose="02020603050405020304" pitchFamily="18" charset="0"/>
-              </a:rPr>
-              <a:t> Android</a:t>
-            </a:r>
-            <a:r>
-              <a:rPr lang="ru-RU" dirty="0" smtClean="0">
-                <a:latin typeface="Times New Roman" panose="02020603050405020304" pitchFamily="18" charset="0"/>
-                <a:cs typeface="Times New Roman" panose="02020603050405020304" pitchFamily="18" charset="0"/>
-              </a:rPr>
-              <a:t>. </a:t>
-            </a:r>
-            <a:r>
-              <a:rPr lang="ru-RU" dirty="0">
-                <a:latin typeface="Times New Roman" panose="02020603050405020304" pitchFamily="18" charset="0"/>
-                <a:cs typeface="Times New Roman" panose="02020603050405020304" pitchFamily="18" charset="0"/>
-              </a:rPr>
-              <a:t>Ленский И.И.</a:t>
-            </a:r>
-            <a:r>
-              <a:rPr lang="ru-RU" dirty="0" smtClean="0">
-                <a:latin typeface="Times New Roman" panose="02020603050405020304" pitchFamily="18" charset="0"/>
-                <a:cs typeface="Times New Roman" panose="02020603050405020304" pitchFamily="18" charset="0"/>
-              </a:rPr>
-              <a:t> </a:t>
-            </a:r>
-            <a:endParaRPr lang="en-US" dirty="0">
-              <a:latin typeface="Times New Roman" panose="02020603050405020304" pitchFamily="18" charset="0"/>
-              <a:cs typeface="Times New Roman" panose="02020603050405020304" pitchFamily="18" charset="0"/>
-            </a:endParaRPr>
-          </a:p>
-        </p:txBody>
-      </p:sp>
-      <p:pic>
-        <p:nvPicPr>
-          <p:cNvPr id="7" name="Рисунок 6"/>
-          <p:cNvPicPr>
-            <a:picLocks noChangeAspect="1"/>
-          </p:cNvPicPr>
-          <p:nvPr/>
-        </p:nvPicPr>
-        <p:blipFill>
-          <a:blip r:embed="rId3">
-            <a:extLst>
-              <a:ext uri="{28A0092B-C50C-407E-A947-70E740481C1C}">
-                <a14:useLocalDpi xmlns:a14="http://schemas.microsoft.com/office/drawing/2010/main" val="0"/>
-              </a:ext>
-            </a:extLst>
-          </a:blip>
-          <a:stretch>
-            <a:fillRect/>
-          </a:stretch>
-        </p:blipFill>
-        <p:spPr>
-          <a:xfrm>
-            <a:off x="9725828" y="1884529"/>
-            <a:ext cx="1287159" cy="1123690"/>
-          </a:xfrm>
-          <a:prstGeom prst="rect">
-            <a:avLst/>
-          </a:prstGeom>
-        </p:spPr>
-      </p:pic>
-      <p:pic>
-        <p:nvPicPr>
-          <p:cNvPr id="8" name="Рисунок 7"/>
-          <p:cNvPicPr>
-            <a:picLocks noChangeAspect="1"/>
-          </p:cNvPicPr>
-          <p:nvPr/>
-        </p:nvPicPr>
-        <p:blipFill>
-          <a:blip r:embed="rId4">
-            <a:extLst>
-              <a:ext uri="{28A0092B-C50C-407E-A947-70E740481C1C}">
-                <a14:useLocalDpi xmlns:a14="http://schemas.microsoft.com/office/drawing/2010/main" val="0"/>
-              </a:ext>
-            </a:extLst>
-          </a:blip>
-          <a:stretch>
-            <a:fillRect/>
-          </a:stretch>
-        </p:blipFill>
-        <p:spPr>
-          <a:xfrm>
-            <a:off x="822760" y="2338259"/>
-            <a:ext cx="970529" cy="1779303"/>
-          </a:xfrm>
-          <a:prstGeom prst="rect">
-            <a:avLst/>
-          </a:prstGeom>
-        </p:spPr>
-      </p:pic>
-      <p:pic>
-        <p:nvPicPr>
-          <p:cNvPr id="14" name="Рисунок 13"/>
-          <p:cNvPicPr>
-            <a:picLocks noChangeAspect="1"/>
-          </p:cNvPicPr>
-          <p:nvPr/>
-        </p:nvPicPr>
-        <p:blipFill>
-          <a:blip r:embed="rId5">
-            <a:extLst>
-              <a:ext uri="{28A0092B-C50C-407E-A947-70E740481C1C}">
-                <a14:useLocalDpi xmlns:a14="http://schemas.microsoft.com/office/drawing/2010/main" val="0"/>
-              </a:ext>
-            </a:extLst>
-          </a:blip>
-          <a:stretch>
-            <a:fillRect/>
-          </a:stretch>
-        </p:blipFill>
-        <p:spPr>
-          <a:xfrm>
-            <a:off x="3150483" y="713255"/>
-            <a:ext cx="2396445" cy="5087294"/>
-          </a:xfrm>
-          <a:prstGeom prst="rect">
-            <a:avLst/>
-          </a:prstGeom>
-        </p:spPr>
-      </p:pic>
-      <p:pic>
-        <p:nvPicPr>
-          <p:cNvPr id="16" name="Рисунок 15"/>
-          <p:cNvPicPr>
-            <a:picLocks noChangeAspect="1"/>
-          </p:cNvPicPr>
-          <p:nvPr/>
-        </p:nvPicPr>
-        <p:blipFill>
-          <a:blip r:embed="rId6">
-            <a:extLst>
-              <a:ext uri="{28A0092B-C50C-407E-A947-70E740481C1C}">
-                <a14:useLocalDpi xmlns:a14="http://schemas.microsoft.com/office/drawing/2010/main" val="0"/>
-              </a:ext>
-            </a:extLst>
-          </a:blip>
-          <a:stretch>
-            <a:fillRect/>
-          </a:stretch>
-        </p:blipFill>
-        <p:spPr>
-          <a:xfrm>
-            <a:off x="6437690" y="711279"/>
-            <a:ext cx="2397376" cy="5089270"/>
-          </a:xfrm>
-          <a:prstGeom prst="rect">
-            <a:avLst/>
-          </a:prstGeom>
-        </p:spPr>
-      </p:pic>
-      <p:sp>
-        <p:nvSpPr>
-          <p:cNvPr id="19" name="Прямоугольник 18"/>
-          <p:cNvSpPr/>
-          <p:nvPr/>
-        </p:nvSpPr>
-        <p:spPr>
-          <a:xfrm>
-            <a:off x="6520790" y="5816611"/>
-            <a:ext cx="2697961" cy="307777"/>
-          </a:xfrm>
-          <a:prstGeom prst="rect">
-            <a:avLst/>
-          </a:prstGeom>
-        </p:spPr>
-        <p:txBody>
-          <a:bodyPr wrap="square">
-            <a:spAutoFit/>
-          </a:bodyPr>
-          <a:lstStyle/>
-          <a:p>
-            <a:r>
-              <a:rPr lang="ru-RU" sz="1400" dirty="0">
-                <a:latin typeface="Times New Roman" panose="02020603050405020304" pitchFamily="18" charset="0"/>
-                <a:cs typeface="Times New Roman" panose="02020603050405020304" pitchFamily="18" charset="0"/>
-              </a:rPr>
-              <a:t>Рис. </a:t>
-            </a:r>
-            <a:r>
-              <a:rPr lang="en-US" sz="1400" dirty="0" smtClean="0">
-                <a:latin typeface="Times New Roman" panose="02020603050405020304" pitchFamily="18" charset="0"/>
-                <a:cs typeface="Times New Roman" panose="02020603050405020304" pitchFamily="18" charset="0"/>
-              </a:rPr>
-              <a:t>11 –</a:t>
-            </a:r>
-            <a:r>
-              <a:rPr lang="ru-RU" sz="1400" dirty="0" smtClean="0">
-                <a:latin typeface="Times New Roman" panose="02020603050405020304" pitchFamily="18" charset="0"/>
-                <a:cs typeface="Times New Roman" panose="02020603050405020304" pitchFamily="18" charset="0"/>
-              </a:rPr>
-              <a:t> Экран списка покупок</a:t>
-            </a:r>
-            <a:endParaRPr lang="ru-RU" sz="1400" dirty="0">
-              <a:latin typeface="Times New Roman" panose="02020603050405020304" pitchFamily="18" charset="0"/>
-              <a:cs typeface="Times New Roman" panose="02020603050405020304" pitchFamily="18" charset="0"/>
-            </a:endParaRPr>
-          </a:p>
-        </p:txBody>
-      </p:sp>
-      <p:sp>
-        <p:nvSpPr>
-          <p:cNvPr id="20" name="Прямоугольник 19"/>
-          <p:cNvSpPr/>
-          <p:nvPr/>
-        </p:nvSpPr>
-        <p:spPr>
-          <a:xfrm>
-            <a:off x="2840632" y="5816611"/>
-            <a:ext cx="2706296" cy="307777"/>
-          </a:xfrm>
-          <a:prstGeom prst="rect">
-            <a:avLst/>
-          </a:prstGeom>
-        </p:spPr>
-        <p:txBody>
-          <a:bodyPr wrap="square">
-            <a:spAutoFit/>
-          </a:bodyPr>
-          <a:lstStyle/>
-          <a:p>
-            <a:r>
-              <a:rPr lang="ru-RU" sz="1400" dirty="0">
-                <a:latin typeface="Times New Roman" panose="02020603050405020304" pitchFamily="18" charset="0"/>
-                <a:cs typeface="Times New Roman" panose="02020603050405020304" pitchFamily="18" charset="0"/>
-              </a:rPr>
-              <a:t>Рис. </a:t>
-            </a:r>
-            <a:r>
-              <a:rPr lang="en-US" sz="1400" dirty="0" smtClean="0">
-                <a:latin typeface="Times New Roman" panose="02020603050405020304" pitchFamily="18" charset="0"/>
-                <a:cs typeface="Times New Roman" panose="02020603050405020304" pitchFamily="18" charset="0"/>
-              </a:rPr>
-              <a:t>1</a:t>
-            </a:r>
-            <a:r>
-              <a:rPr lang="ru-RU" sz="1400" dirty="0" smtClean="0">
-                <a:latin typeface="Times New Roman" panose="02020603050405020304" pitchFamily="18" charset="0"/>
-                <a:cs typeface="Times New Roman" panose="02020603050405020304" pitchFamily="18" charset="0"/>
-              </a:rPr>
-              <a:t>0</a:t>
-            </a:r>
-            <a:r>
-              <a:rPr lang="en-US" sz="1400" dirty="0" smtClean="0">
-                <a:latin typeface="Times New Roman" panose="02020603050405020304" pitchFamily="18" charset="0"/>
-                <a:cs typeface="Times New Roman" panose="02020603050405020304" pitchFamily="18" charset="0"/>
-              </a:rPr>
-              <a:t> –</a:t>
-            </a:r>
-            <a:r>
-              <a:rPr lang="ru-RU" sz="1400" dirty="0">
-                <a:latin typeface="Times New Roman" panose="02020603050405020304" pitchFamily="18" charset="0"/>
-                <a:cs typeface="Times New Roman" panose="02020603050405020304" pitchFamily="18" charset="0"/>
-              </a:rPr>
-              <a:t> Экран </a:t>
-            </a:r>
-            <a:r>
-              <a:rPr lang="ru-RU" sz="1400" dirty="0" smtClean="0">
-                <a:latin typeface="Times New Roman" panose="02020603050405020304" pitchFamily="18" charset="0"/>
-                <a:cs typeface="Times New Roman" panose="02020603050405020304" pitchFamily="18" charset="0"/>
-              </a:rPr>
-              <a:t>аутентификации </a:t>
-            </a:r>
-            <a:endParaRPr lang="ru-RU" sz="1400" dirty="0">
-              <a:latin typeface="Times New Roman" panose="02020603050405020304" pitchFamily="18" charset="0"/>
-              <a:cs typeface="Times New Roman" panose="02020603050405020304" pitchFamily="18" charset="0"/>
-            </a:endParaRPr>
-          </a:p>
-        </p:txBody>
-      </p:sp>
     </p:spTree>
     <p:extLst>
       <p:ext uri="{BB962C8B-B14F-4D97-AF65-F5344CB8AC3E}">
-        <p14:creationId xmlns:p14="http://schemas.microsoft.com/office/powerpoint/2010/main" val="330413129"/>
+        <p14:creationId xmlns:p14="http://schemas.microsoft.com/office/powerpoint/2010/main" val="2326050599"/>
       </p:ext>
     </p:extLst>
   </p:cSld>
@@ -4244,14 +3997,12 @@
         </p:nvSpPr>
         <p:spPr>
           <a:xfrm>
-            <a:off x="684211" y="44593"/>
-            <a:ext cx="10821233" cy="739186"/>
-          </a:xfrm>
-        </p:spPr>
-        <p:txBody>
-          <a:bodyPr>
-            <a:noAutofit/>
-          </a:bodyPr>
+            <a:off x="684211" y="79230"/>
+            <a:ext cx="10821233" cy="719667"/>
+          </a:xfrm>
+        </p:spPr>
+        <p:txBody>
+          <a:bodyPr/>
           <a:lstStyle/>
           <a:p>
             <a:pPr algn="ctr"/>
@@ -4260,7 +4011,7 @@
                 <a:latin typeface="Times New Roman" panose="02020603050405020304" pitchFamily="18" charset="0"/>
                 <a:cs typeface="Times New Roman" panose="02020603050405020304" pitchFamily="18" charset="0"/>
               </a:rPr>
-              <a:t>Реализация (продолжение)</a:t>
+              <a:t>Заключение</a:t>
             </a:r>
             <a:endParaRPr lang="ru-RU" dirty="0">
               <a:latin typeface="Times New Roman" panose="02020603050405020304" pitchFamily="18" charset="0"/>
@@ -4288,6 +4039,2585 @@
               <a:rPr lang="en-US" smtClean="0"/>
               <a:pPr/>
               <a:t>11</a:t>
+            </a:fld>
+            <a:endParaRPr lang="en-US" dirty="0"/>
+          </a:p>
+        </p:txBody>
+      </p:sp>
+      <p:sp>
+        <p:nvSpPr>
+          <p:cNvPr id="6" name="TextBox 5"/>
+          <p:cNvSpPr txBox="1"/>
+          <p:nvPr/>
+        </p:nvSpPr>
+        <p:spPr>
+          <a:xfrm>
+            <a:off x="1172111" y="1753490"/>
+            <a:ext cx="7922011" cy="3416320"/>
+          </a:xfrm>
+          <a:prstGeom prst="rect">
+            <a:avLst/>
+          </a:prstGeom>
+          <a:noFill/>
+        </p:spPr>
+        <p:txBody>
+          <a:bodyPr wrap="square" rtlCol="0">
+            <a:spAutoFit/>
+          </a:bodyPr>
+          <a:lstStyle/>
+          <a:p>
+            <a:pPr>
+              <a:lnSpc>
+                <a:spcPct val="150000"/>
+              </a:lnSpc>
+            </a:pPr>
+            <a:r>
+              <a:rPr lang="ru-RU" dirty="0" smtClean="0">
+                <a:latin typeface="Times New Roman" panose="02020603050405020304" pitchFamily="18" charset="0"/>
+                <a:cs typeface="Times New Roman" panose="02020603050405020304" pitchFamily="18" charset="0"/>
+              </a:rPr>
+              <a:t>Решены </a:t>
+            </a:r>
+            <a:r>
+              <a:rPr lang="ru-RU" dirty="0" smtClean="0">
+                <a:latin typeface="Times New Roman" panose="02020603050405020304" pitchFamily="18" charset="0"/>
+                <a:cs typeface="Times New Roman" panose="02020603050405020304" pitchFamily="18" charset="0"/>
+              </a:rPr>
+              <a:t>все задачи:</a:t>
+            </a:r>
+          </a:p>
+          <a:p>
+            <a:pPr marL="285750" indent="-285750">
+              <a:lnSpc>
+                <a:spcPct val="150000"/>
+              </a:lnSpc>
+              <a:buFont typeface="Arial" panose="020B0604020202020204" pitchFamily="34" charset="0"/>
+              <a:buChar char="•"/>
+            </a:pPr>
+            <a:r>
+              <a:rPr lang="ru-RU" dirty="0" smtClean="0">
+                <a:latin typeface="Times New Roman" panose="02020603050405020304" pitchFamily="18" charset="0"/>
+                <a:cs typeface="Times New Roman" panose="02020603050405020304" pitchFamily="18" charset="0"/>
+              </a:rPr>
+              <a:t>собраны и формализованы требования;</a:t>
+            </a:r>
+          </a:p>
+          <a:p>
+            <a:pPr marL="285750" indent="-285750">
+              <a:lnSpc>
+                <a:spcPct val="150000"/>
+              </a:lnSpc>
+              <a:buFont typeface="Arial" panose="020B0604020202020204" pitchFamily="34" charset="0"/>
+              <a:buChar char="•"/>
+            </a:pPr>
+            <a:r>
+              <a:rPr lang="ru-RU" dirty="0" smtClean="0">
+                <a:latin typeface="Times New Roman" panose="02020603050405020304" pitchFamily="18" charset="0"/>
+                <a:cs typeface="Times New Roman" panose="02020603050405020304" pitchFamily="18" charset="0"/>
+              </a:rPr>
+              <a:t>спроектированы все условия для успешной реализации;</a:t>
+            </a:r>
+          </a:p>
+          <a:p>
+            <a:pPr marL="285750" indent="-285750">
+              <a:lnSpc>
+                <a:spcPct val="150000"/>
+              </a:lnSpc>
+              <a:buFont typeface="Arial" panose="020B0604020202020204" pitchFamily="34" charset="0"/>
+              <a:buChar char="•"/>
+            </a:pPr>
+            <a:r>
+              <a:rPr lang="ru-RU" dirty="0" smtClean="0">
+                <a:latin typeface="Times New Roman" panose="02020603050405020304" pitchFamily="18" charset="0"/>
+                <a:cs typeface="Times New Roman" panose="02020603050405020304" pitchFamily="18" charset="0"/>
+              </a:rPr>
+              <a:t>был реализован</a:t>
+            </a:r>
+            <a:r>
+              <a:rPr lang="en-US" dirty="0" smtClean="0">
+                <a:latin typeface="Times New Roman" panose="02020603050405020304" pitchFamily="18" charset="0"/>
+                <a:cs typeface="Times New Roman" panose="02020603050405020304" pitchFamily="18" charset="0"/>
+              </a:rPr>
+              <a:t> </a:t>
+            </a:r>
+            <a:r>
+              <a:rPr lang="ru-RU" dirty="0" smtClean="0">
+                <a:latin typeface="Times New Roman" panose="02020603050405020304" pitchFamily="18" charset="0"/>
+                <a:cs typeface="Times New Roman" panose="02020603050405020304" pitchFamily="18" charset="0"/>
+              </a:rPr>
+              <a:t>прототип </a:t>
+            </a:r>
+            <a:r>
+              <a:rPr lang="ru-RU" dirty="0" smtClean="0">
+                <a:latin typeface="Times New Roman" panose="02020603050405020304" pitchFamily="18" charset="0"/>
+                <a:cs typeface="Times New Roman" panose="02020603050405020304" pitchFamily="18" charset="0"/>
+              </a:rPr>
+              <a:t>мобильного </a:t>
+            </a:r>
+            <a:r>
+              <a:rPr lang="ru-RU" dirty="0" smtClean="0">
+                <a:latin typeface="Times New Roman" panose="02020603050405020304" pitchFamily="18" charset="0"/>
+                <a:cs typeface="Times New Roman" panose="02020603050405020304" pitchFamily="18" charset="0"/>
+              </a:rPr>
+              <a:t>приложения;</a:t>
+            </a:r>
+            <a:endParaRPr lang="ru-RU" dirty="0" smtClean="0">
+              <a:latin typeface="Times New Roman" panose="02020603050405020304" pitchFamily="18" charset="0"/>
+              <a:cs typeface="Times New Roman" panose="02020603050405020304" pitchFamily="18" charset="0"/>
+            </a:endParaRPr>
+          </a:p>
+          <a:p>
+            <a:pPr marL="285750" indent="-285750">
+              <a:lnSpc>
+                <a:spcPct val="150000"/>
+              </a:lnSpc>
+              <a:buFont typeface="Arial" panose="020B0604020202020204" pitchFamily="34" charset="0"/>
+              <a:buChar char="•"/>
+            </a:pPr>
+            <a:r>
+              <a:rPr lang="ru-RU" dirty="0" smtClean="0">
+                <a:latin typeface="Times New Roman" panose="02020603050405020304" pitchFamily="18" charset="0"/>
+                <a:cs typeface="Times New Roman" panose="02020603050405020304" pitchFamily="18" charset="0"/>
+              </a:rPr>
+              <a:t>было реализовано функциональное  тестирования.</a:t>
+            </a:r>
+          </a:p>
+          <a:p>
+            <a:pPr marL="285750" indent="-285750">
+              <a:lnSpc>
+                <a:spcPct val="150000"/>
+              </a:lnSpc>
+              <a:buFont typeface="Arial" panose="020B0604020202020204" pitchFamily="34" charset="0"/>
+              <a:buChar char="•"/>
+            </a:pPr>
+            <a:endParaRPr lang="en-US" dirty="0" smtClean="0">
+              <a:latin typeface="Times New Roman" panose="02020603050405020304" pitchFamily="18" charset="0"/>
+              <a:cs typeface="Times New Roman" panose="02020603050405020304" pitchFamily="18" charset="0"/>
+            </a:endParaRPr>
+          </a:p>
+          <a:p>
+            <a:pPr>
+              <a:lnSpc>
+                <a:spcPct val="150000"/>
+              </a:lnSpc>
+            </a:pPr>
+            <a:r>
+              <a:rPr lang="ru-RU" dirty="0">
+                <a:latin typeface="Times New Roman" panose="02020603050405020304" pitchFamily="18" charset="0"/>
+                <a:cs typeface="Times New Roman" panose="02020603050405020304" pitchFamily="18" charset="0"/>
+              </a:rPr>
+              <a:t>Цель была достигнута – был</a:t>
+            </a:r>
+            <a:r>
+              <a:rPr lang="en-US" dirty="0">
+                <a:latin typeface="Times New Roman" panose="02020603050405020304" pitchFamily="18" charset="0"/>
+                <a:cs typeface="Times New Roman" panose="02020603050405020304" pitchFamily="18" charset="0"/>
+              </a:rPr>
+              <a:t> </a:t>
+            </a:r>
+            <a:r>
+              <a:rPr lang="ru-RU" dirty="0" smtClean="0">
+                <a:latin typeface="Times New Roman" panose="02020603050405020304" pitchFamily="18" charset="0"/>
+                <a:cs typeface="Times New Roman" panose="02020603050405020304" pitchFamily="18" charset="0"/>
+              </a:rPr>
+              <a:t>реализован </a:t>
+            </a:r>
+            <a:r>
+              <a:rPr lang="ru-RU" dirty="0">
+                <a:latin typeface="Times New Roman" panose="02020603050405020304" pitchFamily="18" charset="0"/>
+                <a:cs typeface="Times New Roman" panose="02020603050405020304" pitchFamily="18" charset="0"/>
+              </a:rPr>
+              <a:t>прототип мобильного приложения.</a:t>
+            </a:r>
+          </a:p>
+          <a:p>
+            <a:pPr>
+              <a:lnSpc>
+                <a:spcPct val="150000"/>
+              </a:lnSpc>
+            </a:pPr>
+            <a:endParaRPr lang="ru-RU" dirty="0">
+              <a:latin typeface="Times New Roman" panose="02020603050405020304" pitchFamily="18" charset="0"/>
+              <a:cs typeface="Times New Roman" panose="02020603050405020304" pitchFamily="18" charset="0"/>
+            </a:endParaRPr>
+          </a:p>
+        </p:txBody>
+      </p:sp>
+      <p:sp>
+        <p:nvSpPr>
+          <p:cNvPr id="7" name="TextBox 6"/>
+          <p:cNvSpPr txBox="1"/>
+          <p:nvPr/>
+        </p:nvSpPr>
+        <p:spPr>
+          <a:xfrm>
+            <a:off x="172903" y="5714943"/>
+            <a:ext cx="11781674" cy="369332"/>
+          </a:xfrm>
+          <a:prstGeom prst="rect">
+            <a:avLst/>
+          </a:prstGeom>
+          <a:noFill/>
+        </p:spPr>
+        <p:txBody>
+          <a:bodyPr wrap="square" rtlCol="0">
+            <a:spAutoFit/>
+          </a:bodyPr>
+          <a:lstStyle/>
+          <a:p>
+            <a:pPr algn="ctr"/>
+            <a:r>
+              <a:rPr lang="ru-RU" dirty="0">
+                <a:latin typeface="Times New Roman" panose="02020603050405020304" pitchFamily="18" charset="0"/>
+                <a:cs typeface="Times New Roman" panose="02020603050405020304" pitchFamily="18" charset="0"/>
+              </a:rPr>
+              <a:t>В </a:t>
+            </a:r>
+            <a:r>
+              <a:rPr lang="ru-RU" dirty="0" smtClean="0">
+                <a:latin typeface="Times New Roman" panose="02020603050405020304" pitchFamily="18" charset="0"/>
+                <a:cs typeface="Times New Roman" panose="02020603050405020304" pitchFamily="18" charset="0"/>
+              </a:rPr>
+              <a:t>дальнейшем планируется доработать приложение и перевести его из состояния прототипа в релиз-кандидат.</a:t>
+            </a:r>
+            <a:endParaRPr lang="ru-RU" dirty="0"/>
+          </a:p>
+        </p:txBody>
+      </p:sp>
+      <p:sp>
+        <p:nvSpPr>
+          <p:cNvPr id="15" name="Нижний колонтитул 3"/>
+          <p:cNvSpPr>
+            <a:spLocks noGrp="1"/>
+          </p:cNvSpPr>
+          <p:nvPr>
+            <p:ph type="ftr" sz="quarter" idx="11"/>
+          </p:nvPr>
+        </p:nvSpPr>
+        <p:spPr>
+          <a:xfrm>
+            <a:off x="684210" y="6356350"/>
+            <a:ext cx="10380029" cy="365125"/>
+          </a:xfrm>
+        </p:spPr>
+        <p:txBody>
+          <a:bodyPr/>
+          <a:lstStyle/>
+          <a:p>
+            <a:r>
+              <a:rPr lang="ru-RU" dirty="0">
+                <a:latin typeface="Times New Roman" panose="02020603050405020304" pitchFamily="18" charset="0"/>
+                <a:cs typeface="Times New Roman" panose="02020603050405020304" pitchFamily="18" charset="0"/>
+              </a:rPr>
+              <a:t>Реализация прототипа мобильного приложения «Список покупок» на базе операционной </a:t>
+            </a:r>
+            <a:r>
+              <a:rPr lang="ru-RU" dirty="0" smtClean="0">
+                <a:latin typeface="Times New Roman" panose="02020603050405020304" pitchFamily="18" charset="0"/>
+                <a:cs typeface="Times New Roman" panose="02020603050405020304" pitchFamily="18" charset="0"/>
+              </a:rPr>
+              <a:t>системы</a:t>
+            </a:r>
+            <a:r>
+              <a:rPr lang="en-US" dirty="0">
+                <a:latin typeface="Times New Roman" panose="02020603050405020304" pitchFamily="18" charset="0"/>
+                <a:cs typeface="Times New Roman" panose="02020603050405020304" pitchFamily="18" charset="0"/>
+              </a:rPr>
+              <a:t> Android</a:t>
+            </a:r>
+            <a:r>
+              <a:rPr lang="ru-RU" dirty="0" smtClean="0">
+                <a:latin typeface="Times New Roman" panose="02020603050405020304" pitchFamily="18" charset="0"/>
+                <a:cs typeface="Times New Roman" panose="02020603050405020304" pitchFamily="18" charset="0"/>
+              </a:rPr>
+              <a:t>. </a:t>
+            </a:r>
+            <a:r>
+              <a:rPr lang="ru-RU" dirty="0">
+                <a:latin typeface="Times New Roman" panose="02020603050405020304" pitchFamily="18" charset="0"/>
+                <a:cs typeface="Times New Roman" panose="02020603050405020304" pitchFamily="18" charset="0"/>
+              </a:rPr>
+              <a:t>Ленский И.И.</a:t>
+            </a:r>
+            <a:endParaRPr lang="en-US" dirty="0">
+              <a:latin typeface="Times New Roman" panose="02020603050405020304" pitchFamily="18" charset="0"/>
+              <a:cs typeface="Times New Roman" panose="02020603050405020304" pitchFamily="18" charset="0"/>
+            </a:endParaRPr>
+          </a:p>
+        </p:txBody>
+      </p:sp>
+    </p:spTree>
+    <p:extLst>
+      <p:ext uri="{BB962C8B-B14F-4D97-AF65-F5344CB8AC3E}">
+        <p14:creationId xmlns:p14="http://schemas.microsoft.com/office/powerpoint/2010/main" val="2844690246"/>
+      </p:ext>
+    </p:extLst>
+  </p:cSld>
+  <p:clrMapOvr>
+    <a:masterClrMapping/>
+  </p:clrMapOvr>
+  <p:timing>
+    <p:tnLst>
+      <p:par>
+        <p:cTn id="1" dur="indefinite" restart="never" nodeType="tmRoot"/>
+      </p:par>
+    </p:tnLst>
+  </p:timing>
+</p:sld>
+</file>
+
+<file path=ppt/slides/slide2.xml><?xml version="1.0" encoding="utf-8"?>
+<p:sld xmlns:a="http://schemas.openxmlformats.org/drawingml/2006/main" xmlns:r="http://schemas.openxmlformats.org/officeDocument/2006/relationships" xmlns:p="http://schemas.openxmlformats.org/presentationml/2006/main">
+  <p:cSld>
+    <p:spTree>
+      <p:nvGrpSpPr>
+        <p:cNvPr id="1" name=""/>
+        <p:cNvGrpSpPr/>
+        <p:nvPr/>
+      </p:nvGrpSpPr>
+      <p:grpSpPr>
+        <a:xfrm>
+          <a:off x="0" y="0"/>
+          <a:ext cx="0" cy="0"/>
+          <a:chOff x="0" y="0"/>
+          <a:chExt cx="0" cy="0"/>
+        </a:xfrm>
+      </p:grpSpPr>
+      <p:sp>
+        <p:nvSpPr>
+          <p:cNvPr id="2" name="Заголовок 1"/>
+          <p:cNvSpPr>
+            <a:spLocks noGrp="1"/>
+          </p:cNvSpPr>
+          <p:nvPr>
+            <p:ph type="title"/>
+          </p:nvPr>
+        </p:nvSpPr>
+        <p:spPr>
+          <a:xfrm>
+            <a:off x="684211" y="199402"/>
+            <a:ext cx="10821233" cy="960120"/>
+          </a:xfrm>
+        </p:spPr>
+        <p:txBody>
+          <a:bodyPr/>
+          <a:lstStyle/>
+          <a:p>
+            <a:pPr algn="ctr"/>
+            <a:r>
+              <a:rPr lang="ru-RU" dirty="0" smtClean="0">
+                <a:latin typeface="Times New Roman" panose="02020603050405020304" pitchFamily="18" charset="0"/>
+                <a:cs typeface="Times New Roman" panose="02020603050405020304" pitchFamily="18" charset="0"/>
+              </a:rPr>
+              <a:t>Цель и задачи</a:t>
+            </a:r>
+            <a:endParaRPr lang="ru-RU" dirty="0">
+              <a:latin typeface="Times New Roman" panose="02020603050405020304" pitchFamily="18" charset="0"/>
+              <a:cs typeface="Times New Roman" panose="02020603050405020304" pitchFamily="18" charset="0"/>
+            </a:endParaRPr>
+          </a:p>
+        </p:txBody>
+      </p:sp>
+      <p:sp>
+        <p:nvSpPr>
+          <p:cNvPr id="4" name="Нижний колонтитул 3"/>
+          <p:cNvSpPr>
+            <a:spLocks noGrp="1"/>
+          </p:cNvSpPr>
+          <p:nvPr>
+            <p:ph type="ftr" sz="quarter" idx="11"/>
+          </p:nvPr>
+        </p:nvSpPr>
+        <p:spPr>
+          <a:xfrm>
+            <a:off x="684210" y="6356350"/>
+            <a:ext cx="10380029" cy="365125"/>
+          </a:xfrm>
+        </p:spPr>
+        <p:txBody>
+          <a:bodyPr/>
+          <a:lstStyle/>
+          <a:p>
+            <a:r>
+              <a:rPr lang="ru-RU" dirty="0">
+                <a:latin typeface="Times New Roman" panose="02020603050405020304" pitchFamily="18" charset="0"/>
+                <a:cs typeface="Times New Roman" panose="02020603050405020304" pitchFamily="18" charset="0"/>
+              </a:rPr>
+              <a:t>Реализация прототипа мобильного приложения «Список покупок» на базе операционной </a:t>
+            </a:r>
+            <a:r>
+              <a:rPr lang="ru-RU" dirty="0" smtClean="0">
+                <a:latin typeface="Times New Roman" panose="02020603050405020304" pitchFamily="18" charset="0"/>
+                <a:cs typeface="Times New Roman" panose="02020603050405020304" pitchFamily="18" charset="0"/>
+              </a:rPr>
+              <a:t>системы </a:t>
+            </a:r>
+            <a:r>
+              <a:rPr lang="en-US" dirty="0" smtClean="0">
+                <a:latin typeface="Times New Roman" panose="02020603050405020304" pitchFamily="18" charset="0"/>
+                <a:cs typeface="Times New Roman" panose="02020603050405020304" pitchFamily="18" charset="0"/>
+              </a:rPr>
+              <a:t>Android</a:t>
+            </a:r>
+            <a:r>
+              <a:rPr lang="ru-RU" dirty="0" smtClean="0">
+                <a:latin typeface="Times New Roman" panose="02020603050405020304" pitchFamily="18" charset="0"/>
+                <a:cs typeface="Times New Roman" panose="02020603050405020304" pitchFamily="18" charset="0"/>
+              </a:rPr>
+              <a:t>. Ленский И.И.</a:t>
+            </a:r>
+            <a:endParaRPr lang="en-US" dirty="0">
+              <a:latin typeface="Times New Roman" panose="02020603050405020304" pitchFamily="18" charset="0"/>
+              <a:cs typeface="Times New Roman" panose="02020603050405020304" pitchFamily="18" charset="0"/>
+            </a:endParaRPr>
+          </a:p>
+        </p:txBody>
+      </p:sp>
+      <p:sp>
+        <p:nvSpPr>
+          <p:cNvPr id="5" name="Номер слайда 4"/>
+          <p:cNvSpPr>
+            <a:spLocks noGrp="1"/>
+          </p:cNvSpPr>
+          <p:nvPr>
+            <p:ph type="sldNum" sz="quarter" idx="12"/>
+          </p:nvPr>
+        </p:nvSpPr>
+        <p:spPr>
+          <a:xfrm>
+            <a:off x="10590414" y="6356350"/>
+            <a:ext cx="763385" cy="365125"/>
+          </a:xfrm>
+        </p:spPr>
+        <p:txBody>
+          <a:bodyPr/>
+          <a:lstStyle/>
+          <a:p>
+            <a:fld id="{D57F1E4F-1CFF-5643-939E-217C01CDF565}" type="slidenum">
+              <a:rPr lang="en-US" smtClean="0"/>
+              <a:pPr/>
+              <a:t>2</a:t>
+            </a:fld>
+            <a:endParaRPr lang="en-US" dirty="0"/>
+          </a:p>
+        </p:txBody>
+      </p:sp>
+      <p:sp>
+        <p:nvSpPr>
+          <p:cNvPr id="6" name="TextBox 5"/>
+          <p:cNvSpPr txBox="1"/>
+          <p:nvPr/>
+        </p:nvSpPr>
+        <p:spPr>
+          <a:xfrm>
+            <a:off x="684211" y="1323152"/>
+            <a:ext cx="10991233" cy="4154984"/>
+          </a:xfrm>
+          <a:prstGeom prst="rect">
+            <a:avLst/>
+          </a:prstGeom>
+          <a:noFill/>
+        </p:spPr>
+        <p:txBody>
+          <a:bodyPr wrap="square" rtlCol="0">
+            <a:spAutoFit/>
+          </a:bodyPr>
+          <a:lstStyle/>
+          <a:p>
+            <a:pPr algn="just"/>
+            <a:r>
+              <a:rPr lang="ru-RU" sz="2200" b="1" dirty="0" smtClean="0">
+                <a:latin typeface="Times New Roman" panose="02020603050405020304" pitchFamily="18" charset="0"/>
+                <a:cs typeface="Times New Roman" panose="02020603050405020304" pitchFamily="18" charset="0"/>
+              </a:rPr>
+              <a:t>Цель:</a:t>
+            </a:r>
+            <a:r>
+              <a:rPr lang="ru-RU" sz="2200" dirty="0">
+                <a:latin typeface="Times New Roman" panose="02020603050405020304" pitchFamily="18" charset="0"/>
+                <a:cs typeface="Times New Roman" panose="02020603050405020304" pitchFamily="18" charset="0"/>
+              </a:rPr>
+              <a:t> разработка прототипа мобильного приложения «</a:t>
+            </a:r>
+            <a:r>
+              <a:rPr lang="ru-RU" sz="2200" dirty="0" err="1">
+                <a:latin typeface="Times New Roman" panose="02020603050405020304" pitchFamily="18" charset="0"/>
+                <a:cs typeface="Times New Roman" panose="02020603050405020304" pitchFamily="18" charset="0"/>
+              </a:rPr>
+              <a:t>ShoppingList</a:t>
+            </a:r>
+            <a:r>
+              <a:rPr lang="ru-RU" sz="2200" dirty="0">
+                <a:latin typeface="Times New Roman" panose="02020603050405020304" pitchFamily="18" charset="0"/>
+                <a:cs typeface="Times New Roman" panose="02020603050405020304" pitchFamily="18" charset="0"/>
+              </a:rPr>
+              <a:t>» (</a:t>
+            </a:r>
+            <a:r>
+              <a:rPr lang="ru-RU" sz="2200" dirty="0" err="1">
+                <a:latin typeface="Times New Roman" panose="02020603050405020304" pitchFamily="18" charset="0"/>
+                <a:cs typeface="Times New Roman" panose="02020603050405020304" pitchFamily="18" charset="0"/>
+              </a:rPr>
+              <a:t>Cписок</a:t>
+            </a:r>
+            <a:r>
+              <a:rPr lang="ru-RU" sz="2200" dirty="0">
+                <a:latin typeface="Times New Roman" panose="02020603050405020304" pitchFamily="18" charset="0"/>
+                <a:cs typeface="Times New Roman" panose="02020603050405020304" pitchFamily="18" charset="0"/>
+              </a:rPr>
+              <a:t> покупок), на языке </a:t>
+            </a:r>
+            <a:r>
+              <a:rPr lang="en-US" sz="2200" dirty="0" smtClean="0">
+                <a:latin typeface="Times New Roman" panose="02020603050405020304" pitchFamily="18" charset="0"/>
+                <a:cs typeface="Times New Roman" panose="02020603050405020304" pitchFamily="18" charset="0"/>
+              </a:rPr>
+              <a:t>Java</a:t>
+            </a:r>
+            <a:r>
+              <a:rPr lang="ru-RU" sz="2200" dirty="0" smtClean="0">
+                <a:latin typeface="Times New Roman" panose="02020603050405020304" pitchFamily="18" charset="0"/>
+                <a:cs typeface="Times New Roman" panose="02020603050405020304" pitchFamily="18" charset="0"/>
+              </a:rPr>
+              <a:t> </a:t>
+            </a:r>
+            <a:r>
+              <a:rPr lang="ru-RU" sz="2200" dirty="0">
+                <a:latin typeface="Times New Roman" panose="02020603050405020304" pitchFamily="18" charset="0"/>
+                <a:cs typeface="Times New Roman" panose="02020603050405020304" pitchFamily="18" charset="0"/>
+              </a:rPr>
+              <a:t>под управлением операционной системой </a:t>
+            </a:r>
+            <a:r>
+              <a:rPr lang="en-US" sz="2200" dirty="0" smtClean="0">
+                <a:latin typeface="Times New Roman" panose="02020603050405020304" pitchFamily="18" charset="0"/>
+                <a:cs typeface="Times New Roman" panose="02020603050405020304" pitchFamily="18" charset="0"/>
+              </a:rPr>
+              <a:t>Android</a:t>
+            </a:r>
+            <a:endParaRPr lang="ru-RU" sz="2200" dirty="0">
+              <a:latin typeface="Times New Roman" panose="02020603050405020304" pitchFamily="18" charset="0"/>
+              <a:cs typeface="Times New Roman" panose="02020603050405020304" pitchFamily="18" charset="0"/>
+            </a:endParaRPr>
+          </a:p>
+          <a:p>
+            <a:pPr algn="just"/>
+            <a:endParaRPr lang="ru-RU" sz="2200" dirty="0" smtClean="0">
+              <a:latin typeface="Times New Roman" panose="02020603050405020304" pitchFamily="18" charset="0"/>
+              <a:cs typeface="Times New Roman" panose="02020603050405020304" pitchFamily="18" charset="0"/>
+            </a:endParaRPr>
+          </a:p>
+          <a:p>
+            <a:pPr algn="just"/>
+            <a:endParaRPr lang="en-US" sz="2200" dirty="0" smtClean="0">
+              <a:latin typeface="Times New Roman" panose="02020603050405020304" pitchFamily="18" charset="0"/>
+              <a:cs typeface="Times New Roman" panose="02020603050405020304" pitchFamily="18" charset="0"/>
+            </a:endParaRPr>
+          </a:p>
+          <a:p>
+            <a:pPr algn="just"/>
+            <a:endParaRPr lang="ru-RU" sz="2200" dirty="0" smtClean="0">
+              <a:latin typeface="Times New Roman" panose="02020603050405020304" pitchFamily="18" charset="0"/>
+              <a:cs typeface="Times New Roman" panose="02020603050405020304" pitchFamily="18" charset="0"/>
+            </a:endParaRPr>
+          </a:p>
+          <a:p>
+            <a:pPr algn="just"/>
+            <a:r>
+              <a:rPr lang="ru-RU" sz="2200" b="1" dirty="0" smtClean="0">
+                <a:latin typeface="Times New Roman" panose="02020603050405020304" pitchFamily="18" charset="0"/>
+                <a:cs typeface="Times New Roman" panose="02020603050405020304" pitchFamily="18" charset="0"/>
+              </a:rPr>
+              <a:t>Задачи:</a:t>
+            </a:r>
+            <a:endParaRPr lang="ru-RU" sz="2200" dirty="0" smtClean="0">
+              <a:latin typeface="Times New Roman" panose="02020603050405020304" pitchFamily="18" charset="0"/>
+              <a:cs typeface="Times New Roman" panose="02020603050405020304" pitchFamily="18" charset="0"/>
+            </a:endParaRPr>
+          </a:p>
+          <a:p>
+            <a:pPr marL="457200" indent="-457200" algn="just">
+              <a:lnSpc>
+                <a:spcPct val="150000"/>
+              </a:lnSpc>
+              <a:buFont typeface="+mj-lt"/>
+              <a:buAutoNum type="arabicPeriod"/>
+            </a:pPr>
+            <a:r>
+              <a:rPr lang="ru-RU" sz="2200" dirty="0" smtClean="0">
+                <a:latin typeface="Times New Roman" panose="02020603050405020304" pitchFamily="18" charset="0"/>
+                <a:cs typeface="Times New Roman" panose="02020603050405020304" pitchFamily="18" charset="0"/>
+              </a:rPr>
+              <a:t>Сбор и</a:t>
+            </a:r>
+            <a:r>
+              <a:rPr lang="en-US" sz="2200" dirty="0" smtClean="0">
+                <a:latin typeface="Times New Roman" panose="02020603050405020304" pitchFamily="18" charset="0"/>
+                <a:cs typeface="Times New Roman" panose="02020603050405020304" pitchFamily="18" charset="0"/>
+              </a:rPr>
+              <a:t> </a:t>
+            </a:r>
+            <a:r>
+              <a:rPr lang="ru-RU" sz="2200" dirty="0" smtClean="0">
+                <a:latin typeface="Times New Roman" panose="02020603050405020304" pitchFamily="18" charset="0"/>
+                <a:cs typeface="Times New Roman" panose="02020603050405020304" pitchFamily="18" charset="0"/>
+              </a:rPr>
+              <a:t>формализация требований.</a:t>
+            </a:r>
+          </a:p>
+          <a:p>
+            <a:pPr marL="457200" indent="-457200" algn="just">
+              <a:lnSpc>
+                <a:spcPct val="150000"/>
+              </a:lnSpc>
+              <a:buFont typeface="+mj-lt"/>
+              <a:buAutoNum type="arabicPeriod"/>
+            </a:pPr>
+            <a:r>
+              <a:rPr lang="ru-RU" sz="2200" dirty="0" smtClean="0">
+                <a:latin typeface="Times New Roman" panose="02020603050405020304" pitchFamily="18" charset="0"/>
+                <a:cs typeface="Times New Roman" panose="02020603050405020304" pitchFamily="18" charset="0"/>
+              </a:rPr>
+              <a:t>Проектирование архитектуры.</a:t>
+            </a:r>
+          </a:p>
+          <a:p>
+            <a:pPr marL="457200" indent="-457200" algn="just">
+              <a:lnSpc>
+                <a:spcPct val="150000"/>
+              </a:lnSpc>
+              <a:buFont typeface="+mj-lt"/>
+              <a:buAutoNum type="arabicPeriod"/>
+            </a:pPr>
+            <a:r>
+              <a:rPr lang="ru-RU" sz="2200" dirty="0" smtClean="0">
+                <a:latin typeface="Times New Roman" panose="02020603050405020304" pitchFamily="18" charset="0"/>
+                <a:cs typeface="Times New Roman" panose="02020603050405020304" pitchFamily="18" charset="0"/>
+              </a:rPr>
+              <a:t>Реализация прототипа мобильного приложения.</a:t>
+            </a:r>
+          </a:p>
+          <a:p>
+            <a:pPr marL="457200" indent="-457200" algn="just">
+              <a:lnSpc>
+                <a:spcPct val="150000"/>
+              </a:lnSpc>
+              <a:buFont typeface="+mj-lt"/>
+              <a:buAutoNum type="arabicPeriod"/>
+            </a:pPr>
+            <a:r>
+              <a:rPr lang="ru-RU" sz="2200" dirty="0" smtClean="0">
+                <a:latin typeface="Times New Roman" panose="02020603050405020304" pitchFamily="18" charset="0"/>
+                <a:cs typeface="Times New Roman" panose="02020603050405020304" pitchFamily="18" charset="0"/>
+              </a:rPr>
+              <a:t>Реализовать функциональное тестирование прототипа.</a:t>
+            </a:r>
+          </a:p>
+        </p:txBody>
+      </p:sp>
+    </p:spTree>
+    <p:extLst>
+      <p:ext uri="{BB962C8B-B14F-4D97-AF65-F5344CB8AC3E}">
+        <p14:creationId xmlns:p14="http://schemas.microsoft.com/office/powerpoint/2010/main" val="2231447547"/>
+      </p:ext>
+    </p:extLst>
+  </p:cSld>
+  <p:clrMapOvr>
+    <a:masterClrMapping/>
+  </p:clrMapOvr>
+  <p:timing>
+    <p:tnLst>
+      <p:par>
+        <p:cTn id="1" dur="indefinite" restart="never" nodeType="tmRoot"/>
+      </p:par>
+    </p:tnLst>
+  </p:timing>
+</p:sld>
+</file>
+
+<file path=ppt/slides/slide3.xml><?xml version="1.0" encoding="utf-8"?>
+<p:sld xmlns:a="http://schemas.openxmlformats.org/drawingml/2006/main" xmlns:r="http://schemas.openxmlformats.org/officeDocument/2006/relationships" xmlns:p="http://schemas.openxmlformats.org/presentationml/2006/main">
+  <p:cSld>
+    <p:spTree>
+      <p:nvGrpSpPr>
+        <p:cNvPr id="1" name=""/>
+        <p:cNvGrpSpPr/>
+        <p:nvPr/>
+      </p:nvGrpSpPr>
+      <p:grpSpPr>
+        <a:xfrm>
+          <a:off x="0" y="0"/>
+          <a:ext cx="0" cy="0"/>
+          <a:chOff x="0" y="0"/>
+          <a:chExt cx="0" cy="0"/>
+        </a:xfrm>
+      </p:grpSpPr>
+      <p:sp>
+        <p:nvSpPr>
+          <p:cNvPr id="2" name="Заголовок 1"/>
+          <p:cNvSpPr>
+            <a:spLocks noGrp="1"/>
+          </p:cNvSpPr>
+          <p:nvPr>
+            <p:ph type="title"/>
+          </p:nvPr>
+        </p:nvSpPr>
+        <p:spPr>
+          <a:xfrm>
+            <a:off x="684211" y="30491"/>
+            <a:ext cx="10821233" cy="1005158"/>
+          </a:xfrm>
+        </p:spPr>
+        <p:txBody>
+          <a:bodyPr>
+            <a:noAutofit/>
+          </a:bodyPr>
+          <a:lstStyle/>
+          <a:p>
+            <a:pPr algn="ctr"/>
+            <a:r>
+              <a:rPr lang="ru-RU" dirty="0">
+                <a:latin typeface="Times New Roman" panose="02020603050405020304" pitchFamily="18" charset="0"/>
+                <a:cs typeface="Times New Roman" panose="02020603050405020304" pitchFamily="18" charset="0"/>
+              </a:rPr>
+              <a:t>Введение в предметную область</a:t>
+            </a:r>
+          </a:p>
+        </p:txBody>
+      </p:sp>
+      <p:sp>
+        <p:nvSpPr>
+          <p:cNvPr id="5" name="Номер слайда 4"/>
+          <p:cNvSpPr>
+            <a:spLocks noGrp="1"/>
+          </p:cNvSpPr>
+          <p:nvPr>
+            <p:ph type="sldNum" sz="quarter" idx="12"/>
+          </p:nvPr>
+        </p:nvSpPr>
+        <p:spPr/>
+        <p:txBody>
+          <a:bodyPr/>
+          <a:lstStyle/>
+          <a:p>
+            <a:fld id="{D57F1E4F-1CFF-5643-939E-217C01CDF565}" type="slidenum">
+              <a:rPr lang="en-US" smtClean="0"/>
+              <a:pPr/>
+              <a:t>3</a:t>
+            </a:fld>
+            <a:endParaRPr lang="en-US" dirty="0"/>
+          </a:p>
+        </p:txBody>
+      </p:sp>
+      <p:sp>
+        <p:nvSpPr>
+          <p:cNvPr id="7" name="TextBox 6"/>
+          <p:cNvSpPr txBox="1"/>
+          <p:nvPr/>
+        </p:nvSpPr>
+        <p:spPr>
+          <a:xfrm>
+            <a:off x="621771" y="2544406"/>
+            <a:ext cx="6202977" cy="2020553"/>
+          </a:xfrm>
+          <a:prstGeom prst="rect">
+            <a:avLst/>
+          </a:prstGeom>
+          <a:noFill/>
+        </p:spPr>
+        <p:txBody>
+          <a:bodyPr wrap="square" rtlCol="0">
+            <a:spAutoFit/>
+          </a:bodyPr>
+          <a:lstStyle/>
+          <a:p>
+            <a:pPr>
+              <a:lnSpc>
+                <a:spcPct val="200000"/>
+              </a:lnSpc>
+            </a:pPr>
+            <a:r>
+              <a:rPr lang="ru-RU" sz="2200" dirty="0" smtClean="0">
+                <a:latin typeface="Times New Roman" panose="02020603050405020304" pitchFamily="18" charset="0"/>
+                <a:cs typeface="Times New Roman" panose="02020603050405020304" pitchFamily="18" charset="0"/>
+              </a:rPr>
+              <a:t>Мобильное приложение это – ...</a:t>
+            </a:r>
+          </a:p>
+          <a:p>
+            <a:pPr>
+              <a:lnSpc>
+                <a:spcPct val="200000"/>
+              </a:lnSpc>
+            </a:pPr>
+            <a:r>
+              <a:rPr lang="ru-RU" sz="2200" dirty="0" smtClean="0">
+                <a:latin typeface="Times New Roman" panose="02020603050405020304" pitchFamily="18" charset="0"/>
+                <a:cs typeface="Times New Roman" panose="02020603050405020304" pitchFamily="18" charset="0"/>
+              </a:rPr>
+              <a:t>Целевая аудитория.</a:t>
+            </a:r>
+            <a:endParaRPr lang="ru-RU" sz="2200" dirty="0">
+              <a:latin typeface="Times New Roman" panose="02020603050405020304" pitchFamily="18" charset="0"/>
+              <a:cs typeface="Times New Roman" panose="02020603050405020304" pitchFamily="18" charset="0"/>
+            </a:endParaRPr>
+          </a:p>
+          <a:p>
+            <a:pPr>
+              <a:lnSpc>
+                <a:spcPct val="200000"/>
+              </a:lnSpc>
+            </a:pPr>
+            <a:r>
+              <a:rPr lang="ru-RU" sz="2200" dirty="0" smtClean="0">
+                <a:latin typeface="Times New Roman" panose="02020603050405020304" pitchFamily="18" charset="0"/>
+                <a:cs typeface="Times New Roman" panose="02020603050405020304" pitchFamily="18" charset="0"/>
+              </a:rPr>
+              <a:t>Новизна и практическая значимость.</a:t>
+            </a:r>
+            <a:endParaRPr lang="ru-RU" sz="2200" dirty="0">
+              <a:latin typeface="Times New Roman" panose="02020603050405020304" pitchFamily="18" charset="0"/>
+              <a:cs typeface="Times New Roman" panose="02020603050405020304" pitchFamily="18" charset="0"/>
+            </a:endParaRPr>
+          </a:p>
+        </p:txBody>
+      </p:sp>
+      <p:sp>
+        <p:nvSpPr>
+          <p:cNvPr id="14" name="Нижний колонтитул 3"/>
+          <p:cNvSpPr>
+            <a:spLocks noGrp="1"/>
+          </p:cNvSpPr>
+          <p:nvPr>
+            <p:ph type="ftr" sz="quarter" idx="11"/>
+          </p:nvPr>
+        </p:nvSpPr>
+        <p:spPr>
+          <a:xfrm>
+            <a:off x="684210" y="6356350"/>
+            <a:ext cx="10380029" cy="365125"/>
+          </a:xfrm>
+        </p:spPr>
+        <p:txBody>
+          <a:bodyPr/>
+          <a:lstStyle/>
+          <a:p>
+            <a:r>
+              <a:rPr lang="ru-RU" dirty="0" smtClean="0">
+                <a:latin typeface="Times New Roman" panose="02020603050405020304" pitchFamily="18" charset="0"/>
+                <a:cs typeface="Times New Roman" panose="02020603050405020304" pitchFamily="18" charset="0"/>
+              </a:rPr>
+              <a:t>Реализация прототипа мобильного приложения «Список покупок» на базе операционной системы</a:t>
+            </a:r>
+            <a:r>
+              <a:rPr lang="en-US" dirty="0">
+                <a:latin typeface="Times New Roman" panose="02020603050405020304" pitchFamily="18" charset="0"/>
+                <a:cs typeface="Times New Roman" panose="02020603050405020304" pitchFamily="18" charset="0"/>
+              </a:rPr>
+              <a:t> Android</a:t>
+            </a:r>
+            <a:r>
+              <a:rPr lang="ru-RU" dirty="0" smtClean="0">
+                <a:latin typeface="Times New Roman" panose="02020603050405020304" pitchFamily="18" charset="0"/>
+                <a:cs typeface="Times New Roman" panose="02020603050405020304" pitchFamily="18" charset="0"/>
+              </a:rPr>
+              <a:t>. Ленский И.И.</a:t>
+            </a:r>
+            <a:endParaRPr lang="en-US" dirty="0">
+              <a:latin typeface="Times New Roman" panose="02020603050405020304" pitchFamily="18" charset="0"/>
+              <a:cs typeface="Times New Roman" panose="02020603050405020304" pitchFamily="18" charset="0"/>
+            </a:endParaRPr>
+          </a:p>
+        </p:txBody>
+      </p:sp>
+      <p:pic>
+        <p:nvPicPr>
+          <p:cNvPr id="1026" name="Picture 2" descr="d761e6d54c8982e883fe8693d3d29092.png (1024×903)"/>
+          <p:cNvPicPr>
+            <a:picLocks noChangeAspect="1" noChangeArrowheads="1"/>
+          </p:cNvPicPr>
+          <p:nvPr/>
+        </p:nvPicPr>
+        <p:blipFill>
+          <a:blip r:embed="rId2">
+            <a:extLst>
+              <a:ext uri="{28A0092B-C50C-407E-A947-70E740481C1C}">
+                <a14:useLocalDpi xmlns:a14="http://schemas.microsoft.com/office/drawing/2010/main" val="0"/>
+              </a:ext>
+            </a:extLst>
+          </a:blip>
+          <a:srcRect/>
+          <a:stretch>
+            <a:fillRect/>
+          </a:stretch>
+        </p:blipFill>
+        <p:spPr bwMode="auto">
+          <a:xfrm>
+            <a:off x="6608618" y="1435223"/>
+            <a:ext cx="4528039" cy="3992988"/>
+          </a:xfrm>
+          <a:prstGeom prst="rect">
+            <a:avLst/>
+          </a:prstGeom>
+          <a:noFill/>
+          <a:extLst>
+            <a:ext uri="{909E8E84-426E-40DD-AFC4-6F175D3DCCD1}">
+              <a14:hiddenFill xmlns:a14="http://schemas.microsoft.com/office/drawing/2010/main">
+                <a:solidFill>
+                  <a:srgbClr val="FFFFFF"/>
+                </a:solidFill>
+              </a14:hiddenFill>
+            </a:ext>
+          </a:extLst>
+        </p:spPr>
+      </p:pic>
+    </p:spTree>
+    <p:extLst>
+      <p:ext uri="{BB962C8B-B14F-4D97-AF65-F5344CB8AC3E}">
+        <p14:creationId xmlns:p14="http://schemas.microsoft.com/office/powerpoint/2010/main" val="1691856065"/>
+      </p:ext>
+    </p:extLst>
+  </p:cSld>
+  <p:clrMapOvr>
+    <a:masterClrMapping/>
+  </p:clrMapOvr>
+  <p:timing>
+    <p:tnLst>
+      <p:par>
+        <p:cTn id="1" dur="indefinite" restart="never" nodeType="tmRoot"/>
+      </p:par>
+    </p:tnLst>
+  </p:timing>
+</p:sld>
+</file>
+
+<file path=ppt/slides/slide4.xml><?xml version="1.0" encoding="utf-8"?>
+<p:sld xmlns:a="http://schemas.openxmlformats.org/drawingml/2006/main" xmlns:r="http://schemas.openxmlformats.org/officeDocument/2006/relationships" xmlns:p="http://schemas.openxmlformats.org/presentationml/2006/main">
+  <p:cSld>
+    <p:spTree>
+      <p:nvGrpSpPr>
+        <p:cNvPr id="1" name=""/>
+        <p:cNvGrpSpPr/>
+        <p:nvPr/>
+      </p:nvGrpSpPr>
+      <p:grpSpPr>
+        <a:xfrm>
+          <a:off x="0" y="0"/>
+          <a:ext cx="0" cy="0"/>
+          <a:chOff x="0" y="0"/>
+          <a:chExt cx="0" cy="0"/>
+        </a:xfrm>
+      </p:grpSpPr>
+      <p:sp>
+        <p:nvSpPr>
+          <p:cNvPr id="2" name="Заголовок 1"/>
+          <p:cNvSpPr>
+            <a:spLocks noGrp="1"/>
+          </p:cNvSpPr>
+          <p:nvPr>
+            <p:ph type="title"/>
+          </p:nvPr>
+        </p:nvSpPr>
+        <p:spPr>
+          <a:xfrm>
+            <a:off x="288759" y="58763"/>
+            <a:ext cx="11735484" cy="824589"/>
+          </a:xfrm>
+        </p:spPr>
+        <p:txBody>
+          <a:bodyPr>
+            <a:normAutofit fontScale="90000"/>
+          </a:bodyPr>
+          <a:lstStyle/>
+          <a:p>
+            <a:pPr algn="ctr">
+              <a:lnSpc>
+                <a:spcPct val="100000"/>
+              </a:lnSpc>
+            </a:pPr>
+            <a:r>
+              <a:rPr lang="ru-RU" sz="4900" dirty="0">
+                <a:latin typeface="Times New Roman" panose="02020603050405020304" pitchFamily="18" charset="0"/>
+                <a:cs typeface="Times New Roman" panose="02020603050405020304" pitchFamily="18" charset="0"/>
+              </a:rPr>
+              <a:t>Формализованные </a:t>
+            </a:r>
+            <a:r>
+              <a:rPr lang="ru-RU" sz="4900" dirty="0" smtClean="0">
+                <a:latin typeface="Times New Roman" panose="02020603050405020304" pitchFamily="18" charset="0"/>
+                <a:cs typeface="Times New Roman" panose="02020603050405020304" pitchFamily="18" charset="0"/>
+              </a:rPr>
+              <a:t>требования</a:t>
+            </a:r>
+            <a:endParaRPr lang="ru-RU" sz="2400" dirty="0">
+              <a:latin typeface="Times New Roman" panose="02020603050405020304" pitchFamily="18" charset="0"/>
+              <a:cs typeface="Times New Roman" panose="02020603050405020304" pitchFamily="18" charset="0"/>
+            </a:endParaRPr>
+          </a:p>
+        </p:txBody>
+      </p:sp>
+      <p:sp>
+        <p:nvSpPr>
+          <p:cNvPr id="5" name="Номер слайда 4"/>
+          <p:cNvSpPr>
+            <a:spLocks noGrp="1"/>
+          </p:cNvSpPr>
+          <p:nvPr>
+            <p:ph type="sldNum" sz="quarter" idx="12"/>
+          </p:nvPr>
+        </p:nvSpPr>
+        <p:spPr/>
+        <p:txBody>
+          <a:bodyPr/>
+          <a:lstStyle/>
+          <a:p>
+            <a:fld id="{D57F1E4F-1CFF-5643-939E-217C01CDF565}" type="slidenum">
+              <a:rPr lang="en-US" smtClean="0"/>
+              <a:pPr/>
+              <a:t>4</a:t>
+            </a:fld>
+            <a:endParaRPr lang="en-US" dirty="0"/>
+          </a:p>
+        </p:txBody>
+      </p:sp>
+      <p:sp>
+        <p:nvSpPr>
+          <p:cNvPr id="8" name="Прямоугольник 7"/>
+          <p:cNvSpPr/>
+          <p:nvPr/>
+        </p:nvSpPr>
+        <p:spPr>
+          <a:xfrm>
+            <a:off x="455409" y="6174688"/>
+            <a:ext cx="3684329" cy="307777"/>
+          </a:xfrm>
+          <a:prstGeom prst="rect">
+            <a:avLst/>
+          </a:prstGeom>
+        </p:spPr>
+        <p:txBody>
+          <a:bodyPr wrap="square">
+            <a:spAutoFit/>
+          </a:bodyPr>
+          <a:lstStyle/>
+          <a:p>
+            <a:r>
+              <a:rPr lang="ru-RU" sz="1400" dirty="0">
+                <a:latin typeface="Times New Roman" panose="02020603050405020304" pitchFamily="18" charset="0"/>
+                <a:cs typeface="Times New Roman" panose="02020603050405020304" pitchFamily="18" charset="0"/>
+              </a:rPr>
+              <a:t>Рис. </a:t>
+            </a:r>
+            <a:r>
+              <a:rPr lang="ru-RU" sz="1400" dirty="0" smtClean="0">
+                <a:latin typeface="Times New Roman" panose="02020603050405020304" pitchFamily="18" charset="0"/>
+                <a:cs typeface="Times New Roman" panose="02020603050405020304" pitchFamily="18" charset="0"/>
+              </a:rPr>
+              <a:t>2</a:t>
+            </a:r>
+            <a:r>
+              <a:rPr lang="en-US" sz="1400" dirty="0" smtClean="0">
+                <a:latin typeface="Times New Roman" panose="02020603050405020304" pitchFamily="18" charset="0"/>
+                <a:cs typeface="Times New Roman" panose="02020603050405020304" pitchFamily="18" charset="0"/>
+              </a:rPr>
+              <a:t> </a:t>
+            </a:r>
+            <a:r>
+              <a:rPr lang="en-US" sz="1400" dirty="0">
+                <a:latin typeface="Times New Roman" panose="02020603050405020304" pitchFamily="18" charset="0"/>
+                <a:cs typeface="Times New Roman" panose="02020603050405020304" pitchFamily="18" charset="0"/>
+              </a:rPr>
+              <a:t>–</a:t>
+            </a:r>
+            <a:r>
+              <a:rPr lang="ru-RU" sz="1400" dirty="0" smtClean="0">
+                <a:latin typeface="Times New Roman" panose="02020603050405020304" pitchFamily="18" charset="0"/>
+                <a:cs typeface="Times New Roman" panose="02020603050405020304" pitchFamily="18" charset="0"/>
+              </a:rPr>
+              <a:t> Место приложения в цифровой среде</a:t>
+            </a:r>
+            <a:endParaRPr lang="ru-RU" sz="1400" dirty="0">
+              <a:latin typeface="Times New Roman" panose="02020603050405020304" pitchFamily="18" charset="0"/>
+              <a:cs typeface="Times New Roman" panose="02020603050405020304" pitchFamily="18" charset="0"/>
+            </a:endParaRPr>
+          </a:p>
+        </p:txBody>
+      </p:sp>
+      <p:sp>
+        <p:nvSpPr>
+          <p:cNvPr id="9" name="Прямоугольник 8"/>
+          <p:cNvSpPr/>
+          <p:nvPr/>
+        </p:nvSpPr>
+        <p:spPr>
+          <a:xfrm>
+            <a:off x="8516287" y="5811110"/>
+            <a:ext cx="2837513" cy="307777"/>
+          </a:xfrm>
+          <a:prstGeom prst="rect">
+            <a:avLst/>
+          </a:prstGeom>
+        </p:spPr>
+        <p:txBody>
+          <a:bodyPr wrap="square">
+            <a:spAutoFit/>
+          </a:bodyPr>
+          <a:lstStyle/>
+          <a:p>
+            <a:r>
+              <a:rPr lang="ru-RU" sz="1400" dirty="0">
+                <a:latin typeface="Times New Roman" panose="02020603050405020304" pitchFamily="18" charset="0"/>
+                <a:cs typeface="Times New Roman" panose="02020603050405020304" pitchFamily="18" charset="0"/>
+              </a:rPr>
+              <a:t>Рис. </a:t>
+            </a:r>
+            <a:r>
+              <a:rPr lang="ru-RU" sz="1400" dirty="0" smtClean="0">
+                <a:latin typeface="Times New Roman" panose="02020603050405020304" pitchFamily="18" charset="0"/>
+                <a:cs typeface="Times New Roman" panose="02020603050405020304" pitchFamily="18" charset="0"/>
+              </a:rPr>
+              <a:t>3</a:t>
+            </a:r>
+            <a:r>
+              <a:rPr lang="en-US" sz="1400" dirty="0" smtClean="0">
+                <a:latin typeface="Times New Roman" panose="02020603050405020304" pitchFamily="18" charset="0"/>
+                <a:cs typeface="Times New Roman" panose="02020603050405020304" pitchFamily="18" charset="0"/>
+              </a:rPr>
+              <a:t> </a:t>
+            </a:r>
+            <a:r>
+              <a:rPr lang="en-US" sz="1400" dirty="0">
+                <a:latin typeface="Times New Roman" panose="02020603050405020304" pitchFamily="18" charset="0"/>
+                <a:cs typeface="Times New Roman" panose="02020603050405020304" pitchFamily="18" charset="0"/>
+              </a:rPr>
+              <a:t>–</a:t>
+            </a:r>
+            <a:r>
+              <a:rPr lang="ru-RU" sz="1400" dirty="0" smtClean="0">
+                <a:latin typeface="Times New Roman" panose="02020603050405020304" pitchFamily="18" charset="0"/>
+                <a:cs typeface="Times New Roman" panose="02020603050405020304" pitchFamily="18" charset="0"/>
+              </a:rPr>
+              <a:t> Варианты использования</a:t>
+            </a:r>
+            <a:endParaRPr lang="ru-RU" sz="1400" dirty="0">
+              <a:latin typeface="Times New Roman" panose="02020603050405020304" pitchFamily="18" charset="0"/>
+              <a:cs typeface="Times New Roman" panose="02020603050405020304" pitchFamily="18" charset="0"/>
+            </a:endParaRPr>
+          </a:p>
+        </p:txBody>
+      </p:sp>
+      <p:sp>
+        <p:nvSpPr>
+          <p:cNvPr id="10" name="Нижний колонтитул 3"/>
+          <p:cNvSpPr>
+            <a:spLocks noGrp="1"/>
+          </p:cNvSpPr>
+          <p:nvPr>
+            <p:ph type="ftr" sz="quarter" idx="11"/>
+          </p:nvPr>
+        </p:nvSpPr>
+        <p:spPr>
+          <a:xfrm>
+            <a:off x="684210" y="6356350"/>
+            <a:ext cx="10380029" cy="365125"/>
+          </a:xfrm>
+        </p:spPr>
+        <p:txBody>
+          <a:bodyPr/>
+          <a:lstStyle/>
+          <a:p>
+            <a:r>
+              <a:rPr lang="ru-RU" dirty="0">
+                <a:latin typeface="Times New Roman" panose="02020603050405020304" pitchFamily="18" charset="0"/>
+                <a:cs typeface="Times New Roman" panose="02020603050405020304" pitchFamily="18" charset="0"/>
+              </a:rPr>
+              <a:t>Реализация прототипа мобильного приложения «Список покупок» на базе операционной </a:t>
+            </a:r>
+            <a:r>
+              <a:rPr lang="ru-RU" dirty="0" smtClean="0">
+                <a:latin typeface="Times New Roman" panose="02020603050405020304" pitchFamily="18" charset="0"/>
+                <a:cs typeface="Times New Roman" panose="02020603050405020304" pitchFamily="18" charset="0"/>
+              </a:rPr>
+              <a:t>системы</a:t>
+            </a:r>
+            <a:r>
+              <a:rPr lang="en-US" dirty="0">
+                <a:latin typeface="Times New Roman" panose="02020603050405020304" pitchFamily="18" charset="0"/>
+                <a:cs typeface="Times New Roman" panose="02020603050405020304" pitchFamily="18" charset="0"/>
+              </a:rPr>
+              <a:t> Android</a:t>
+            </a:r>
+            <a:r>
+              <a:rPr lang="ru-RU" dirty="0" smtClean="0">
+                <a:latin typeface="Times New Roman" panose="02020603050405020304" pitchFamily="18" charset="0"/>
+                <a:cs typeface="Times New Roman" panose="02020603050405020304" pitchFamily="18" charset="0"/>
+              </a:rPr>
+              <a:t>. </a:t>
+            </a:r>
+            <a:r>
+              <a:rPr lang="ru-RU" dirty="0">
+                <a:latin typeface="Times New Roman" panose="02020603050405020304" pitchFamily="18" charset="0"/>
+                <a:cs typeface="Times New Roman" panose="02020603050405020304" pitchFamily="18" charset="0"/>
+              </a:rPr>
+              <a:t>Ленский И.И.</a:t>
+            </a:r>
+            <a:endParaRPr lang="en-US" dirty="0">
+              <a:latin typeface="Times New Roman" panose="02020603050405020304" pitchFamily="18" charset="0"/>
+              <a:cs typeface="Times New Roman" panose="02020603050405020304" pitchFamily="18" charset="0"/>
+            </a:endParaRPr>
+          </a:p>
+        </p:txBody>
+      </p:sp>
+      <p:pic>
+        <p:nvPicPr>
+          <p:cNvPr id="3" name="Рисунок 2"/>
+          <p:cNvPicPr>
+            <a:picLocks noChangeAspect="1"/>
+          </p:cNvPicPr>
+          <p:nvPr/>
+        </p:nvPicPr>
+        <p:blipFill>
+          <a:blip r:embed="rId2">
+            <a:extLst>
+              <a:ext uri="{28A0092B-C50C-407E-A947-70E740481C1C}">
+                <a14:useLocalDpi xmlns:a14="http://schemas.microsoft.com/office/drawing/2010/main" val="0"/>
+              </a:ext>
+            </a:extLst>
+          </a:blip>
+          <a:stretch>
+            <a:fillRect/>
+          </a:stretch>
+        </p:blipFill>
+        <p:spPr>
+          <a:xfrm>
+            <a:off x="5613979" y="954319"/>
+            <a:ext cx="5827308" cy="4843796"/>
+          </a:xfrm>
+          <a:prstGeom prst="rect">
+            <a:avLst/>
+          </a:prstGeom>
+        </p:spPr>
+      </p:pic>
+      <p:pic>
+        <p:nvPicPr>
+          <p:cNvPr id="11" name="Рисунок 10"/>
+          <p:cNvPicPr>
+            <a:picLocks noChangeAspect="1"/>
+          </p:cNvPicPr>
+          <p:nvPr/>
+        </p:nvPicPr>
+        <p:blipFill>
+          <a:blip r:embed="rId3">
+            <a:extLst>
+              <a:ext uri="{28A0092B-C50C-407E-A947-70E740481C1C}">
+                <a14:useLocalDpi xmlns:a14="http://schemas.microsoft.com/office/drawing/2010/main" val="0"/>
+              </a:ext>
+            </a:extLst>
+          </a:blip>
+          <a:stretch>
+            <a:fillRect/>
+          </a:stretch>
+        </p:blipFill>
+        <p:spPr>
+          <a:xfrm>
+            <a:off x="1480363" y="914793"/>
+            <a:ext cx="3550660" cy="5322826"/>
+          </a:xfrm>
+          <a:prstGeom prst="rect">
+            <a:avLst/>
+          </a:prstGeom>
+        </p:spPr>
+      </p:pic>
+    </p:spTree>
+    <p:extLst>
+      <p:ext uri="{BB962C8B-B14F-4D97-AF65-F5344CB8AC3E}">
+        <p14:creationId xmlns:p14="http://schemas.microsoft.com/office/powerpoint/2010/main" val="721836933"/>
+      </p:ext>
+    </p:extLst>
+  </p:cSld>
+  <p:clrMapOvr>
+    <a:masterClrMapping/>
+  </p:clrMapOvr>
+  <p:timing>
+    <p:tnLst>
+      <p:par>
+        <p:cTn id="1" dur="indefinite" restart="never" nodeType="tmRoot"/>
+      </p:par>
+    </p:tnLst>
+  </p:timing>
+</p:sld>
+</file>
+
+<file path=ppt/slides/slide5.xml><?xml version="1.0" encoding="utf-8"?>
+<p:sld xmlns:a="http://schemas.openxmlformats.org/drawingml/2006/main" xmlns:r="http://schemas.openxmlformats.org/officeDocument/2006/relationships" xmlns:p="http://schemas.openxmlformats.org/presentationml/2006/main">
+  <p:cSld>
+    <p:spTree>
+      <p:nvGrpSpPr>
+        <p:cNvPr id="1" name=""/>
+        <p:cNvGrpSpPr/>
+        <p:nvPr/>
+      </p:nvGrpSpPr>
+      <p:grpSpPr>
+        <a:xfrm>
+          <a:off x="0" y="0"/>
+          <a:ext cx="0" cy="0"/>
+          <a:chOff x="0" y="0"/>
+          <a:chExt cx="0" cy="0"/>
+        </a:xfrm>
+      </p:grpSpPr>
+      <p:sp>
+        <p:nvSpPr>
+          <p:cNvPr id="2" name="Заголовок 1"/>
+          <p:cNvSpPr>
+            <a:spLocks noGrp="1"/>
+          </p:cNvSpPr>
+          <p:nvPr>
+            <p:ph type="title"/>
+          </p:nvPr>
+        </p:nvSpPr>
+        <p:spPr>
+          <a:xfrm>
+            <a:off x="684211" y="117463"/>
+            <a:ext cx="10821233" cy="630958"/>
+          </a:xfrm>
+        </p:spPr>
+        <p:txBody>
+          <a:bodyPr>
+            <a:noAutofit/>
+          </a:bodyPr>
+          <a:lstStyle/>
+          <a:p>
+            <a:pPr algn="ctr"/>
+            <a:r>
+              <a:rPr lang="ru-RU" dirty="0" smtClean="0">
+                <a:latin typeface="Times New Roman" panose="02020603050405020304" pitchFamily="18" charset="0"/>
+                <a:cs typeface="Times New Roman" panose="02020603050405020304" pitchFamily="18" charset="0"/>
+              </a:rPr>
+              <a:t>Проектирование архитектуры</a:t>
+            </a:r>
+            <a:endParaRPr lang="ru-RU" dirty="0">
+              <a:latin typeface="Times New Roman" panose="02020603050405020304" pitchFamily="18" charset="0"/>
+              <a:cs typeface="Times New Roman" panose="02020603050405020304" pitchFamily="18" charset="0"/>
+            </a:endParaRPr>
+          </a:p>
+        </p:txBody>
+      </p:sp>
+      <p:sp>
+        <p:nvSpPr>
+          <p:cNvPr id="5" name="Номер слайда 4"/>
+          <p:cNvSpPr>
+            <a:spLocks noGrp="1"/>
+          </p:cNvSpPr>
+          <p:nvPr>
+            <p:ph type="sldNum" sz="quarter" idx="12"/>
+          </p:nvPr>
+        </p:nvSpPr>
+        <p:spPr/>
+        <p:txBody>
+          <a:bodyPr/>
+          <a:lstStyle/>
+          <a:p>
+            <a:fld id="{D57F1E4F-1CFF-5643-939E-217C01CDF565}" type="slidenum">
+              <a:rPr lang="en-US" smtClean="0"/>
+              <a:pPr/>
+              <a:t>5</a:t>
+            </a:fld>
+            <a:endParaRPr lang="en-US" dirty="0"/>
+          </a:p>
+        </p:txBody>
+      </p:sp>
+      <p:sp>
+        <p:nvSpPr>
+          <p:cNvPr id="7" name="Нижний колонтитул 3"/>
+          <p:cNvSpPr>
+            <a:spLocks noGrp="1"/>
+          </p:cNvSpPr>
+          <p:nvPr>
+            <p:ph type="ftr" sz="quarter" idx="11"/>
+          </p:nvPr>
+        </p:nvSpPr>
+        <p:spPr>
+          <a:xfrm>
+            <a:off x="684210" y="6356350"/>
+            <a:ext cx="10380029" cy="365125"/>
+          </a:xfrm>
+        </p:spPr>
+        <p:txBody>
+          <a:bodyPr/>
+          <a:lstStyle/>
+          <a:p>
+            <a:r>
+              <a:rPr lang="ru-RU" dirty="0">
+                <a:latin typeface="Times New Roman" panose="02020603050405020304" pitchFamily="18" charset="0"/>
+                <a:cs typeface="Times New Roman" panose="02020603050405020304" pitchFamily="18" charset="0"/>
+              </a:rPr>
+              <a:t>Реализация прототипа мобильного приложения «Список покупок» на базе операционной </a:t>
+            </a:r>
+            <a:r>
+              <a:rPr lang="ru-RU" dirty="0" smtClean="0">
+                <a:latin typeface="Times New Roman" panose="02020603050405020304" pitchFamily="18" charset="0"/>
+                <a:cs typeface="Times New Roman" panose="02020603050405020304" pitchFamily="18" charset="0"/>
+              </a:rPr>
+              <a:t>системы</a:t>
+            </a:r>
+            <a:r>
+              <a:rPr lang="en-US" dirty="0">
+                <a:latin typeface="Times New Roman" panose="02020603050405020304" pitchFamily="18" charset="0"/>
+                <a:cs typeface="Times New Roman" panose="02020603050405020304" pitchFamily="18" charset="0"/>
+              </a:rPr>
+              <a:t> Android</a:t>
+            </a:r>
+            <a:r>
+              <a:rPr lang="ru-RU" dirty="0" smtClean="0">
+                <a:latin typeface="Times New Roman" panose="02020603050405020304" pitchFamily="18" charset="0"/>
+                <a:cs typeface="Times New Roman" panose="02020603050405020304" pitchFamily="18" charset="0"/>
+              </a:rPr>
+              <a:t>. </a:t>
+            </a:r>
+            <a:r>
+              <a:rPr lang="ru-RU" dirty="0">
+                <a:latin typeface="Times New Roman" panose="02020603050405020304" pitchFamily="18" charset="0"/>
+                <a:cs typeface="Times New Roman" panose="02020603050405020304" pitchFamily="18" charset="0"/>
+              </a:rPr>
+              <a:t>Ленский И.И.</a:t>
+            </a:r>
+            <a:endParaRPr lang="en-US" dirty="0">
+              <a:latin typeface="Times New Roman" panose="02020603050405020304" pitchFamily="18" charset="0"/>
+              <a:cs typeface="Times New Roman" panose="02020603050405020304" pitchFamily="18" charset="0"/>
+            </a:endParaRPr>
+          </a:p>
+        </p:txBody>
+      </p:sp>
+      <p:pic>
+        <p:nvPicPr>
+          <p:cNvPr id="3" name="Рисунок 2"/>
+          <p:cNvPicPr>
+            <a:picLocks noChangeAspect="1"/>
+          </p:cNvPicPr>
+          <p:nvPr/>
+        </p:nvPicPr>
+        <p:blipFill>
+          <a:blip r:embed="rId2">
+            <a:extLst>
+              <a:ext uri="{28A0092B-C50C-407E-A947-70E740481C1C}">
+                <a14:useLocalDpi xmlns:a14="http://schemas.microsoft.com/office/drawing/2010/main" val="0"/>
+              </a:ext>
+            </a:extLst>
+          </a:blip>
+          <a:stretch>
+            <a:fillRect/>
+          </a:stretch>
+        </p:blipFill>
+        <p:spPr>
+          <a:xfrm>
+            <a:off x="251948" y="856486"/>
+            <a:ext cx="3808328" cy="5607929"/>
+          </a:xfrm>
+          <a:prstGeom prst="rect">
+            <a:avLst/>
+          </a:prstGeom>
+        </p:spPr>
+      </p:pic>
+      <p:pic>
+        <p:nvPicPr>
+          <p:cNvPr id="9" name="Рисунок 8"/>
+          <p:cNvPicPr>
+            <a:picLocks noChangeAspect="1"/>
+          </p:cNvPicPr>
+          <p:nvPr/>
+        </p:nvPicPr>
+        <p:blipFill>
+          <a:blip r:embed="rId3">
+            <a:extLst>
+              <a:ext uri="{28A0092B-C50C-407E-A947-70E740481C1C}">
+                <a14:useLocalDpi xmlns:a14="http://schemas.microsoft.com/office/drawing/2010/main" val="0"/>
+              </a:ext>
+            </a:extLst>
+          </a:blip>
+          <a:stretch>
+            <a:fillRect/>
+          </a:stretch>
+        </p:blipFill>
+        <p:spPr>
+          <a:xfrm>
+            <a:off x="4256117" y="1441563"/>
+            <a:ext cx="7750737" cy="3562700"/>
+          </a:xfrm>
+          <a:prstGeom prst="rect">
+            <a:avLst/>
+          </a:prstGeom>
+        </p:spPr>
+      </p:pic>
+      <p:sp>
+        <p:nvSpPr>
+          <p:cNvPr id="10" name="Прямоугольник 9"/>
+          <p:cNvSpPr/>
+          <p:nvPr/>
+        </p:nvSpPr>
+        <p:spPr>
+          <a:xfrm>
+            <a:off x="6929940" y="5004263"/>
+            <a:ext cx="5190015" cy="307777"/>
+          </a:xfrm>
+          <a:prstGeom prst="rect">
+            <a:avLst/>
+          </a:prstGeom>
+        </p:spPr>
+        <p:txBody>
+          <a:bodyPr wrap="square">
+            <a:spAutoFit/>
+          </a:bodyPr>
+          <a:lstStyle/>
+          <a:p>
+            <a:r>
+              <a:rPr lang="ru-RU" sz="1400" dirty="0">
+                <a:latin typeface="Times New Roman" panose="02020603050405020304" pitchFamily="18" charset="0"/>
+                <a:cs typeface="Times New Roman" panose="02020603050405020304" pitchFamily="18" charset="0"/>
+              </a:rPr>
+              <a:t>Рис. 5</a:t>
+            </a:r>
+            <a:r>
+              <a:rPr lang="en-US" sz="1400" dirty="0" smtClean="0">
+                <a:latin typeface="Times New Roman" panose="02020603050405020304" pitchFamily="18" charset="0"/>
+                <a:cs typeface="Times New Roman" panose="02020603050405020304" pitchFamily="18" charset="0"/>
+              </a:rPr>
+              <a:t> </a:t>
+            </a:r>
+            <a:r>
+              <a:rPr lang="en-US" sz="1400" dirty="0">
+                <a:latin typeface="Times New Roman" panose="02020603050405020304" pitchFamily="18" charset="0"/>
+                <a:cs typeface="Times New Roman" panose="02020603050405020304" pitchFamily="18" charset="0"/>
+              </a:rPr>
+              <a:t>–</a:t>
+            </a:r>
+            <a:r>
+              <a:rPr lang="ru-RU" sz="1400" dirty="0" smtClean="0">
+                <a:latin typeface="Times New Roman" panose="02020603050405020304" pitchFamily="18" charset="0"/>
+                <a:cs typeface="Times New Roman" panose="02020603050405020304" pitchFamily="18" charset="0"/>
+              </a:rPr>
+              <a:t> Диаграмма компонентов</a:t>
+            </a:r>
+            <a:endParaRPr lang="ru-RU" sz="1400" dirty="0">
+              <a:latin typeface="Times New Roman" panose="02020603050405020304" pitchFamily="18" charset="0"/>
+              <a:cs typeface="Times New Roman" panose="02020603050405020304" pitchFamily="18" charset="0"/>
+            </a:endParaRPr>
+          </a:p>
+        </p:txBody>
+      </p:sp>
+      <p:sp>
+        <p:nvSpPr>
+          <p:cNvPr id="11" name="Прямоугольник 10"/>
+          <p:cNvSpPr/>
+          <p:nvPr/>
+        </p:nvSpPr>
+        <p:spPr>
+          <a:xfrm>
+            <a:off x="4060276" y="5740796"/>
+            <a:ext cx="3070270" cy="307777"/>
+          </a:xfrm>
+          <a:prstGeom prst="rect">
+            <a:avLst/>
+          </a:prstGeom>
+        </p:spPr>
+        <p:txBody>
+          <a:bodyPr wrap="square">
+            <a:spAutoFit/>
+          </a:bodyPr>
+          <a:lstStyle/>
+          <a:p>
+            <a:r>
+              <a:rPr lang="ru-RU" sz="1400" dirty="0">
+                <a:latin typeface="Times New Roman" panose="02020603050405020304" pitchFamily="18" charset="0"/>
+                <a:cs typeface="Times New Roman" panose="02020603050405020304" pitchFamily="18" charset="0"/>
+              </a:rPr>
+              <a:t>Рис. 4</a:t>
+            </a:r>
+            <a:r>
+              <a:rPr lang="en-US" sz="1400" dirty="0" smtClean="0">
+                <a:latin typeface="Times New Roman" panose="02020603050405020304" pitchFamily="18" charset="0"/>
+                <a:cs typeface="Times New Roman" panose="02020603050405020304" pitchFamily="18" charset="0"/>
+              </a:rPr>
+              <a:t> </a:t>
+            </a:r>
+            <a:r>
+              <a:rPr lang="en-US" sz="1400" dirty="0">
+                <a:latin typeface="Times New Roman" panose="02020603050405020304" pitchFamily="18" charset="0"/>
+                <a:cs typeface="Times New Roman" panose="02020603050405020304" pitchFamily="18" charset="0"/>
+              </a:rPr>
+              <a:t>–</a:t>
+            </a:r>
+            <a:r>
+              <a:rPr lang="ru-RU" sz="1400" dirty="0" smtClean="0">
+                <a:latin typeface="Times New Roman" panose="02020603050405020304" pitchFamily="18" charset="0"/>
+                <a:cs typeface="Times New Roman" panose="02020603050405020304" pitchFamily="18" charset="0"/>
+              </a:rPr>
+              <a:t> </a:t>
+            </a:r>
+            <a:r>
+              <a:rPr lang="ru-RU" sz="1400" dirty="0">
+                <a:latin typeface="Times New Roman" panose="02020603050405020304" pitchFamily="18" charset="0"/>
+                <a:cs typeface="Times New Roman" panose="02020603050405020304" pitchFamily="18" charset="0"/>
+              </a:rPr>
+              <a:t>Программный стек </a:t>
+            </a:r>
+            <a:r>
+              <a:rPr lang="en-US" sz="1400" dirty="0">
+                <a:latin typeface="Times New Roman" panose="02020603050405020304" pitchFamily="18" charset="0"/>
+                <a:cs typeface="Times New Roman" panose="02020603050405020304" pitchFamily="18" charset="0"/>
+              </a:rPr>
+              <a:t>Android</a:t>
+            </a:r>
+            <a:endParaRPr lang="ru-RU" sz="1400" dirty="0">
+              <a:latin typeface="Times New Roman" panose="02020603050405020304" pitchFamily="18" charset="0"/>
+              <a:cs typeface="Times New Roman" panose="02020603050405020304" pitchFamily="18" charset="0"/>
+            </a:endParaRPr>
+          </a:p>
+        </p:txBody>
+      </p:sp>
+    </p:spTree>
+    <p:extLst>
+      <p:ext uri="{BB962C8B-B14F-4D97-AF65-F5344CB8AC3E}">
+        <p14:creationId xmlns:p14="http://schemas.microsoft.com/office/powerpoint/2010/main" val="2179829885"/>
+      </p:ext>
+    </p:extLst>
+  </p:cSld>
+  <p:clrMapOvr>
+    <a:masterClrMapping/>
+  </p:clrMapOvr>
+  <p:timing>
+    <p:tnLst>
+      <p:par>
+        <p:cTn id="1" dur="indefinite" restart="never" nodeType="tmRoot"/>
+      </p:par>
+    </p:tnLst>
+  </p:timing>
+</p:sld>
+</file>
+
+<file path=ppt/slides/slide6.xml><?xml version="1.0" encoding="utf-8"?>
+<p:sld xmlns:a="http://schemas.openxmlformats.org/drawingml/2006/main" xmlns:r="http://schemas.openxmlformats.org/officeDocument/2006/relationships" xmlns:p="http://schemas.openxmlformats.org/presentationml/2006/main">
+  <p:cSld>
+    <p:spTree>
+      <p:nvGrpSpPr>
+        <p:cNvPr id="1" name=""/>
+        <p:cNvGrpSpPr/>
+        <p:nvPr/>
+      </p:nvGrpSpPr>
+      <p:grpSpPr>
+        <a:xfrm>
+          <a:off x="0" y="0"/>
+          <a:ext cx="0" cy="0"/>
+          <a:chOff x="0" y="0"/>
+          <a:chExt cx="0" cy="0"/>
+        </a:xfrm>
+      </p:grpSpPr>
+      <p:sp>
+        <p:nvSpPr>
+          <p:cNvPr id="5" name="Номер слайда 4"/>
+          <p:cNvSpPr>
+            <a:spLocks noGrp="1"/>
+          </p:cNvSpPr>
+          <p:nvPr>
+            <p:ph type="sldNum" sz="quarter" idx="12"/>
+          </p:nvPr>
+        </p:nvSpPr>
+        <p:spPr/>
+        <p:txBody>
+          <a:bodyPr/>
+          <a:lstStyle/>
+          <a:p>
+            <a:fld id="{D57F1E4F-1CFF-5643-939E-217C01CDF565}" type="slidenum">
+              <a:rPr lang="en-US" smtClean="0"/>
+              <a:pPr/>
+              <a:t>6</a:t>
+            </a:fld>
+            <a:endParaRPr lang="en-US" dirty="0"/>
+          </a:p>
+        </p:txBody>
+      </p:sp>
+      <p:sp>
+        <p:nvSpPr>
+          <p:cNvPr id="7" name="Заголовок 1"/>
+          <p:cNvSpPr txBox="1">
+            <a:spLocks/>
+          </p:cNvSpPr>
+          <p:nvPr/>
+        </p:nvSpPr>
+        <p:spPr>
+          <a:xfrm>
+            <a:off x="231006" y="117463"/>
+            <a:ext cx="11742821" cy="935160"/>
+          </a:xfrm>
+          <a:prstGeom prst="rect">
+            <a:avLst/>
+          </a:prstGeom>
+        </p:spPr>
+        <p:txBody>
+          <a:bodyPr vert="horz" lIns="91440" tIns="45720" rIns="91440" bIns="45720" rtlCol="0" anchor="ctr">
+            <a:noAutofit/>
+          </a:bodyPr>
+          <a:lstStyle>
+            <a:lvl1pPr algn="l" defTabSz="914400" rtl="0" eaLnBrk="1" latinLnBrk="0" hangingPunct="1">
+              <a:lnSpc>
+                <a:spcPct val="90000"/>
+              </a:lnSpc>
+              <a:spcBef>
+                <a:spcPct val="0"/>
+              </a:spcBef>
+              <a:buNone/>
+              <a:defRPr sz="4400" kern="1200">
+                <a:solidFill>
+                  <a:schemeClr val="tx1"/>
+                </a:solidFill>
+                <a:latin typeface="+mj-lt"/>
+                <a:ea typeface="+mj-ea"/>
+                <a:cs typeface="+mj-cs"/>
+              </a:defRPr>
+            </a:lvl1pPr>
+          </a:lstStyle>
+          <a:p>
+            <a:pPr algn="ctr"/>
+            <a:r>
+              <a:rPr lang="ru-RU" dirty="0" smtClean="0">
+                <a:latin typeface="Times New Roman" panose="02020603050405020304" pitchFamily="18" charset="0"/>
+                <a:cs typeface="Times New Roman" panose="02020603050405020304" pitchFamily="18" charset="0"/>
+              </a:rPr>
+              <a:t>Проектирование </a:t>
+            </a:r>
+            <a:r>
+              <a:rPr lang="ru-RU" dirty="0">
+                <a:latin typeface="Times New Roman" panose="02020603050405020304" pitchFamily="18" charset="0"/>
+                <a:cs typeface="Times New Roman" panose="02020603050405020304" pitchFamily="18" charset="0"/>
+              </a:rPr>
+              <a:t>деятельности (состояний)</a:t>
+            </a:r>
+          </a:p>
+        </p:txBody>
+      </p:sp>
+      <p:sp>
+        <p:nvSpPr>
+          <p:cNvPr id="6" name="Нижний колонтитул 3"/>
+          <p:cNvSpPr>
+            <a:spLocks noGrp="1"/>
+          </p:cNvSpPr>
+          <p:nvPr>
+            <p:ph type="ftr" sz="quarter" idx="11"/>
+          </p:nvPr>
+        </p:nvSpPr>
+        <p:spPr>
+          <a:xfrm>
+            <a:off x="684210" y="6356350"/>
+            <a:ext cx="10380029" cy="365125"/>
+          </a:xfrm>
+        </p:spPr>
+        <p:txBody>
+          <a:bodyPr/>
+          <a:lstStyle/>
+          <a:p>
+            <a:r>
+              <a:rPr lang="ru-RU" dirty="0">
+                <a:latin typeface="Times New Roman" panose="02020603050405020304" pitchFamily="18" charset="0"/>
+                <a:cs typeface="Times New Roman" panose="02020603050405020304" pitchFamily="18" charset="0"/>
+              </a:rPr>
+              <a:t>Реализация прототипа мобильного приложения «Список покупок» на базе операционной </a:t>
+            </a:r>
+            <a:r>
+              <a:rPr lang="ru-RU" dirty="0" smtClean="0">
+                <a:latin typeface="Times New Roman" panose="02020603050405020304" pitchFamily="18" charset="0"/>
+                <a:cs typeface="Times New Roman" panose="02020603050405020304" pitchFamily="18" charset="0"/>
+              </a:rPr>
+              <a:t>системы</a:t>
+            </a:r>
+            <a:r>
+              <a:rPr lang="en-US" dirty="0">
+                <a:latin typeface="Times New Roman" panose="02020603050405020304" pitchFamily="18" charset="0"/>
+                <a:cs typeface="Times New Roman" panose="02020603050405020304" pitchFamily="18" charset="0"/>
+              </a:rPr>
+              <a:t> Android</a:t>
+            </a:r>
+            <a:r>
+              <a:rPr lang="ru-RU" dirty="0" smtClean="0">
+                <a:latin typeface="Times New Roman" panose="02020603050405020304" pitchFamily="18" charset="0"/>
+                <a:cs typeface="Times New Roman" panose="02020603050405020304" pitchFamily="18" charset="0"/>
+              </a:rPr>
+              <a:t>. </a:t>
+            </a:r>
+            <a:r>
+              <a:rPr lang="ru-RU" dirty="0">
+                <a:latin typeface="Times New Roman" panose="02020603050405020304" pitchFamily="18" charset="0"/>
+                <a:cs typeface="Times New Roman" panose="02020603050405020304" pitchFamily="18" charset="0"/>
+              </a:rPr>
+              <a:t>Ленский И.И.</a:t>
+            </a:r>
+            <a:endParaRPr lang="en-US" dirty="0">
+              <a:latin typeface="Times New Roman" panose="02020603050405020304" pitchFamily="18" charset="0"/>
+              <a:cs typeface="Times New Roman" panose="02020603050405020304" pitchFamily="18" charset="0"/>
+            </a:endParaRPr>
+          </a:p>
+        </p:txBody>
+      </p:sp>
+      <p:pic>
+        <p:nvPicPr>
+          <p:cNvPr id="2" name="Рисунок 1"/>
+          <p:cNvPicPr>
+            <a:picLocks noChangeAspect="1"/>
+          </p:cNvPicPr>
+          <p:nvPr/>
+        </p:nvPicPr>
+        <p:blipFill>
+          <a:blip r:embed="rId2">
+            <a:extLst>
+              <a:ext uri="{28A0092B-C50C-407E-A947-70E740481C1C}">
+                <a14:useLocalDpi xmlns:a14="http://schemas.microsoft.com/office/drawing/2010/main" val="0"/>
+              </a:ext>
+            </a:extLst>
+          </a:blip>
+          <a:stretch>
+            <a:fillRect/>
+          </a:stretch>
+        </p:blipFill>
+        <p:spPr>
+          <a:xfrm>
+            <a:off x="4023728" y="1052623"/>
+            <a:ext cx="4405377" cy="5255289"/>
+          </a:xfrm>
+          <a:prstGeom prst="rect">
+            <a:avLst/>
+          </a:prstGeom>
+        </p:spPr>
+      </p:pic>
+    </p:spTree>
+    <p:extLst>
+      <p:ext uri="{BB962C8B-B14F-4D97-AF65-F5344CB8AC3E}">
+        <p14:creationId xmlns:p14="http://schemas.microsoft.com/office/powerpoint/2010/main" val="2032965403"/>
+      </p:ext>
+    </p:extLst>
+  </p:cSld>
+  <p:clrMapOvr>
+    <a:masterClrMapping/>
+  </p:clrMapOvr>
+  <p:timing>
+    <p:tnLst>
+      <p:par>
+        <p:cTn id="1" dur="indefinite" restart="never" nodeType="tmRoot"/>
+      </p:par>
+    </p:tnLst>
+  </p:timing>
+</p:sld>
+</file>
+
+<file path=ppt/slides/slide7.xml><?xml version="1.0" encoding="utf-8"?>
+<p:sld xmlns:a="http://schemas.openxmlformats.org/drawingml/2006/main" xmlns:r="http://schemas.openxmlformats.org/officeDocument/2006/relationships" xmlns:p="http://schemas.openxmlformats.org/presentationml/2006/main">
+  <p:cSld>
+    <p:spTree>
+      <p:nvGrpSpPr>
+        <p:cNvPr id="1" name=""/>
+        <p:cNvGrpSpPr/>
+        <p:nvPr/>
+      </p:nvGrpSpPr>
+      <p:grpSpPr>
+        <a:xfrm>
+          <a:off x="0" y="0"/>
+          <a:ext cx="0" cy="0"/>
+          <a:chOff x="0" y="0"/>
+          <a:chExt cx="0" cy="0"/>
+        </a:xfrm>
+      </p:grpSpPr>
+      <p:sp>
+        <p:nvSpPr>
+          <p:cNvPr id="5" name="Номер слайда 4"/>
+          <p:cNvSpPr>
+            <a:spLocks noGrp="1"/>
+          </p:cNvSpPr>
+          <p:nvPr>
+            <p:ph type="sldNum" sz="quarter" idx="12"/>
+          </p:nvPr>
+        </p:nvSpPr>
+        <p:spPr/>
+        <p:txBody>
+          <a:bodyPr/>
+          <a:lstStyle/>
+          <a:p>
+            <a:fld id="{D57F1E4F-1CFF-5643-939E-217C01CDF565}" type="slidenum">
+              <a:rPr lang="en-US" smtClean="0"/>
+              <a:pPr/>
+              <a:t>7</a:t>
+            </a:fld>
+            <a:endParaRPr lang="en-US" dirty="0"/>
+          </a:p>
+        </p:txBody>
+      </p:sp>
+      <p:sp>
+        <p:nvSpPr>
+          <p:cNvPr id="7" name="Заголовок 1"/>
+          <p:cNvSpPr txBox="1">
+            <a:spLocks/>
+          </p:cNvSpPr>
+          <p:nvPr/>
+        </p:nvSpPr>
+        <p:spPr>
+          <a:xfrm>
+            <a:off x="231006" y="117463"/>
+            <a:ext cx="11742821" cy="630958"/>
+          </a:xfrm>
+          <a:prstGeom prst="rect">
+            <a:avLst/>
+          </a:prstGeom>
+        </p:spPr>
+        <p:txBody>
+          <a:bodyPr vert="horz" lIns="91440" tIns="45720" rIns="91440" bIns="45720" rtlCol="0" anchor="ctr">
+            <a:noAutofit/>
+          </a:bodyPr>
+          <a:lstStyle>
+            <a:lvl1pPr algn="l" defTabSz="914400" rtl="0" eaLnBrk="1" latinLnBrk="0" hangingPunct="1">
+              <a:lnSpc>
+                <a:spcPct val="90000"/>
+              </a:lnSpc>
+              <a:spcBef>
+                <a:spcPct val="0"/>
+              </a:spcBef>
+              <a:buNone/>
+              <a:defRPr sz="4400" kern="1200">
+                <a:solidFill>
+                  <a:schemeClr val="tx1"/>
+                </a:solidFill>
+                <a:latin typeface="+mj-lt"/>
+                <a:ea typeface="+mj-ea"/>
+                <a:cs typeface="+mj-cs"/>
+              </a:defRPr>
+            </a:lvl1pPr>
+          </a:lstStyle>
+          <a:p>
+            <a:pPr algn="ctr"/>
+            <a:r>
+              <a:rPr lang="ru-RU" dirty="0" smtClean="0">
+                <a:latin typeface="Times New Roman" panose="02020603050405020304" pitchFamily="18" charset="0"/>
+                <a:cs typeface="Times New Roman" panose="02020603050405020304" pitchFamily="18" charset="0"/>
+              </a:rPr>
+              <a:t>Проектирование диаграммы классов</a:t>
+            </a:r>
+            <a:endParaRPr lang="ru-RU" dirty="0">
+              <a:latin typeface="Times New Roman" panose="02020603050405020304" pitchFamily="18" charset="0"/>
+              <a:cs typeface="Times New Roman" panose="02020603050405020304" pitchFamily="18" charset="0"/>
+            </a:endParaRPr>
+          </a:p>
+        </p:txBody>
+      </p:sp>
+      <p:sp>
+        <p:nvSpPr>
+          <p:cNvPr id="9" name="Нижний колонтитул 3"/>
+          <p:cNvSpPr>
+            <a:spLocks noGrp="1"/>
+          </p:cNvSpPr>
+          <p:nvPr>
+            <p:ph type="ftr" sz="quarter" idx="11"/>
+          </p:nvPr>
+        </p:nvSpPr>
+        <p:spPr>
+          <a:xfrm>
+            <a:off x="684210" y="6356350"/>
+            <a:ext cx="10380029" cy="365125"/>
+          </a:xfrm>
+        </p:spPr>
+        <p:txBody>
+          <a:bodyPr/>
+          <a:lstStyle/>
+          <a:p>
+            <a:r>
+              <a:rPr lang="ru-RU" dirty="0">
+                <a:latin typeface="Times New Roman" panose="02020603050405020304" pitchFamily="18" charset="0"/>
+                <a:cs typeface="Times New Roman" panose="02020603050405020304" pitchFamily="18" charset="0"/>
+              </a:rPr>
+              <a:t>Реализация прототипа мобильного приложения «Список покупок» на базе операционной </a:t>
+            </a:r>
+            <a:r>
+              <a:rPr lang="ru-RU" dirty="0" smtClean="0">
+                <a:latin typeface="Times New Roman" panose="02020603050405020304" pitchFamily="18" charset="0"/>
+                <a:cs typeface="Times New Roman" panose="02020603050405020304" pitchFamily="18" charset="0"/>
+              </a:rPr>
+              <a:t>системы</a:t>
+            </a:r>
+            <a:r>
+              <a:rPr lang="en-US" dirty="0">
+                <a:latin typeface="Times New Roman" panose="02020603050405020304" pitchFamily="18" charset="0"/>
+                <a:cs typeface="Times New Roman" panose="02020603050405020304" pitchFamily="18" charset="0"/>
+              </a:rPr>
+              <a:t> Android</a:t>
+            </a:r>
+            <a:r>
+              <a:rPr lang="ru-RU" dirty="0" smtClean="0">
+                <a:latin typeface="Times New Roman" panose="02020603050405020304" pitchFamily="18" charset="0"/>
+                <a:cs typeface="Times New Roman" panose="02020603050405020304" pitchFamily="18" charset="0"/>
+              </a:rPr>
+              <a:t>. </a:t>
+            </a:r>
+            <a:r>
+              <a:rPr lang="ru-RU" dirty="0">
+                <a:latin typeface="Times New Roman" panose="02020603050405020304" pitchFamily="18" charset="0"/>
+                <a:cs typeface="Times New Roman" panose="02020603050405020304" pitchFamily="18" charset="0"/>
+              </a:rPr>
+              <a:t>Ленский И.И.</a:t>
+            </a:r>
+            <a:endParaRPr lang="en-US" dirty="0">
+              <a:latin typeface="Times New Roman" panose="02020603050405020304" pitchFamily="18" charset="0"/>
+              <a:cs typeface="Times New Roman" panose="02020603050405020304" pitchFamily="18" charset="0"/>
+            </a:endParaRPr>
+          </a:p>
+        </p:txBody>
+      </p:sp>
+      <p:pic>
+        <p:nvPicPr>
+          <p:cNvPr id="4" name="Рисунок 3"/>
+          <p:cNvPicPr>
+            <a:picLocks noChangeAspect="1"/>
+          </p:cNvPicPr>
+          <p:nvPr/>
+        </p:nvPicPr>
+        <p:blipFill>
+          <a:blip r:embed="rId2">
+            <a:extLst>
+              <a:ext uri="{28A0092B-C50C-407E-A947-70E740481C1C}">
+                <a14:useLocalDpi xmlns:a14="http://schemas.microsoft.com/office/drawing/2010/main" val="0"/>
+              </a:ext>
+            </a:extLst>
+          </a:blip>
+          <a:stretch>
+            <a:fillRect/>
+          </a:stretch>
+        </p:blipFill>
+        <p:spPr>
+          <a:xfrm>
+            <a:off x="872836" y="792912"/>
+            <a:ext cx="10704022" cy="5563438"/>
+          </a:xfrm>
+          <a:prstGeom prst="rect">
+            <a:avLst/>
+          </a:prstGeom>
+        </p:spPr>
+      </p:pic>
+    </p:spTree>
+    <p:extLst>
+      <p:ext uri="{BB962C8B-B14F-4D97-AF65-F5344CB8AC3E}">
+        <p14:creationId xmlns:p14="http://schemas.microsoft.com/office/powerpoint/2010/main" val="3868272982"/>
+      </p:ext>
+    </p:extLst>
+  </p:cSld>
+  <p:clrMapOvr>
+    <a:masterClrMapping/>
+  </p:clrMapOvr>
+  <p:timing>
+    <p:tnLst>
+      <p:par>
+        <p:cTn id="1" dur="indefinite" restart="never" nodeType="tmRoot"/>
+      </p:par>
+    </p:tnLst>
+  </p:timing>
+</p:sld>
+</file>
+
+<file path=ppt/slides/slide8.xml><?xml version="1.0" encoding="utf-8"?>
+<p:sld xmlns:a="http://schemas.openxmlformats.org/drawingml/2006/main" xmlns:r="http://schemas.openxmlformats.org/officeDocument/2006/relationships" xmlns:p="http://schemas.openxmlformats.org/presentationml/2006/main">
+  <p:cSld>
+    <p:spTree>
+      <p:nvGrpSpPr>
+        <p:cNvPr id="1" name=""/>
+        <p:cNvGrpSpPr/>
+        <p:nvPr/>
+      </p:nvGrpSpPr>
+      <p:grpSpPr>
+        <a:xfrm>
+          <a:off x="0" y="0"/>
+          <a:ext cx="0" cy="0"/>
+          <a:chOff x="0" y="0"/>
+          <a:chExt cx="0" cy="0"/>
+        </a:xfrm>
+      </p:grpSpPr>
+      <p:sp>
+        <p:nvSpPr>
+          <p:cNvPr id="2" name="Заголовок 1"/>
+          <p:cNvSpPr>
+            <a:spLocks noGrp="1"/>
+          </p:cNvSpPr>
+          <p:nvPr>
+            <p:ph type="title"/>
+          </p:nvPr>
+        </p:nvSpPr>
+        <p:spPr>
+          <a:xfrm>
+            <a:off x="684211" y="44593"/>
+            <a:ext cx="10821233" cy="739186"/>
+          </a:xfrm>
+        </p:spPr>
+        <p:txBody>
+          <a:bodyPr>
+            <a:noAutofit/>
+          </a:bodyPr>
+          <a:lstStyle/>
+          <a:p>
+            <a:pPr algn="ctr"/>
+            <a:r>
+              <a:rPr lang="ru-RU" dirty="0" smtClean="0">
+                <a:latin typeface="Times New Roman" panose="02020603050405020304" pitchFamily="18" charset="0"/>
+                <a:cs typeface="Times New Roman" panose="02020603050405020304" pitchFamily="18" charset="0"/>
+              </a:rPr>
+              <a:t>Реализация</a:t>
+            </a:r>
+            <a:endParaRPr lang="ru-RU" dirty="0">
+              <a:latin typeface="Times New Roman" panose="02020603050405020304" pitchFamily="18" charset="0"/>
+              <a:cs typeface="Times New Roman" panose="02020603050405020304" pitchFamily="18" charset="0"/>
+            </a:endParaRPr>
+          </a:p>
+        </p:txBody>
+      </p:sp>
+      <p:sp>
+        <p:nvSpPr>
+          <p:cNvPr id="5" name="Номер слайда 4"/>
+          <p:cNvSpPr>
+            <a:spLocks noGrp="1"/>
+          </p:cNvSpPr>
+          <p:nvPr>
+            <p:ph type="sldNum" sz="quarter" idx="12"/>
+          </p:nvPr>
+        </p:nvSpPr>
+        <p:spPr/>
+        <p:txBody>
+          <a:bodyPr/>
+          <a:lstStyle/>
+          <a:p>
+            <a:fld id="{D57F1E4F-1CFF-5643-939E-217C01CDF565}" type="slidenum">
+              <a:rPr lang="en-US" smtClean="0"/>
+              <a:pPr/>
+              <a:t>8</a:t>
+            </a:fld>
+            <a:endParaRPr lang="en-US" dirty="0"/>
+          </a:p>
+        </p:txBody>
+      </p:sp>
+      <p:pic>
+        <p:nvPicPr>
+          <p:cNvPr id="12" name="Рисунок 11"/>
+          <p:cNvPicPr>
+            <a:picLocks noChangeAspect="1"/>
+          </p:cNvPicPr>
+          <p:nvPr/>
+        </p:nvPicPr>
+        <p:blipFill>
+          <a:blip r:embed="rId2"/>
+          <a:stretch>
+            <a:fillRect/>
+          </a:stretch>
+        </p:blipFill>
+        <p:spPr>
+          <a:xfrm>
+            <a:off x="9565221" y="4023801"/>
+            <a:ext cx="2054613" cy="921226"/>
+          </a:xfrm>
+          <a:prstGeom prst="rect">
+            <a:avLst/>
+          </a:prstGeom>
+        </p:spPr>
+      </p:pic>
+      <p:sp>
+        <p:nvSpPr>
+          <p:cNvPr id="15" name="Нижний колонтитул 3"/>
+          <p:cNvSpPr>
+            <a:spLocks noGrp="1"/>
+          </p:cNvSpPr>
+          <p:nvPr>
+            <p:ph type="ftr" sz="quarter" idx="11"/>
+          </p:nvPr>
+        </p:nvSpPr>
+        <p:spPr>
+          <a:xfrm>
+            <a:off x="684210" y="6356350"/>
+            <a:ext cx="10380029" cy="365125"/>
+          </a:xfrm>
+        </p:spPr>
+        <p:txBody>
+          <a:bodyPr/>
+          <a:lstStyle/>
+          <a:p>
+            <a:r>
+              <a:rPr lang="ru-RU" dirty="0">
+                <a:latin typeface="Times New Roman" panose="02020603050405020304" pitchFamily="18" charset="0"/>
+                <a:cs typeface="Times New Roman" panose="02020603050405020304" pitchFamily="18" charset="0"/>
+              </a:rPr>
+              <a:t>Реализация прототипа мобильного приложения «Список покупок» на базе операционной </a:t>
+            </a:r>
+            <a:r>
+              <a:rPr lang="ru-RU" dirty="0" smtClean="0">
+                <a:latin typeface="Times New Roman" panose="02020603050405020304" pitchFamily="18" charset="0"/>
+                <a:cs typeface="Times New Roman" panose="02020603050405020304" pitchFamily="18" charset="0"/>
+              </a:rPr>
+              <a:t>системы</a:t>
+            </a:r>
+            <a:r>
+              <a:rPr lang="en-US" dirty="0">
+                <a:latin typeface="Times New Roman" panose="02020603050405020304" pitchFamily="18" charset="0"/>
+                <a:cs typeface="Times New Roman" panose="02020603050405020304" pitchFamily="18" charset="0"/>
+              </a:rPr>
+              <a:t> Android</a:t>
+            </a:r>
+            <a:r>
+              <a:rPr lang="ru-RU" dirty="0" smtClean="0">
+                <a:latin typeface="Times New Roman" panose="02020603050405020304" pitchFamily="18" charset="0"/>
+                <a:cs typeface="Times New Roman" panose="02020603050405020304" pitchFamily="18" charset="0"/>
+              </a:rPr>
+              <a:t>. </a:t>
+            </a:r>
+            <a:r>
+              <a:rPr lang="ru-RU" dirty="0">
+                <a:latin typeface="Times New Roman" panose="02020603050405020304" pitchFamily="18" charset="0"/>
+                <a:cs typeface="Times New Roman" panose="02020603050405020304" pitchFamily="18" charset="0"/>
+              </a:rPr>
+              <a:t>Ленский И.И.</a:t>
+            </a:r>
+            <a:r>
+              <a:rPr lang="ru-RU" dirty="0" smtClean="0">
+                <a:latin typeface="Times New Roman" panose="02020603050405020304" pitchFamily="18" charset="0"/>
+                <a:cs typeface="Times New Roman" panose="02020603050405020304" pitchFamily="18" charset="0"/>
+              </a:rPr>
+              <a:t> </a:t>
+            </a:r>
+            <a:endParaRPr lang="en-US" dirty="0">
+              <a:latin typeface="Times New Roman" panose="02020603050405020304" pitchFamily="18" charset="0"/>
+              <a:cs typeface="Times New Roman" panose="02020603050405020304" pitchFamily="18" charset="0"/>
+            </a:endParaRPr>
+          </a:p>
+        </p:txBody>
+      </p:sp>
+      <p:pic>
+        <p:nvPicPr>
+          <p:cNvPr id="7" name="Рисунок 6"/>
+          <p:cNvPicPr>
+            <a:picLocks noChangeAspect="1"/>
+          </p:cNvPicPr>
+          <p:nvPr/>
+        </p:nvPicPr>
+        <p:blipFill>
+          <a:blip r:embed="rId3">
+            <a:extLst>
+              <a:ext uri="{28A0092B-C50C-407E-A947-70E740481C1C}">
+                <a14:useLocalDpi xmlns:a14="http://schemas.microsoft.com/office/drawing/2010/main" val="0"/>
+              </a:ext>
+            </a:extLst>
+          </a:blip>
+          <a:stretch>
+            <a:fillRect/>
+          </a:stretch>
+        </p:blipFill>
+        <p:spPr>
+          <a:xfrm>
+            <a:off x="9725828" y="1884529"/>
+            <a:ext cx="1287159" cy="1123690"/>
+          </a:xfrm>
+          <a:prstGeom prst="rect">
+            <a:avLst/>
+          </a:prstGeom>
+        </p:spPr>
+      </p:pic>
+      <p:pic>
+        <p:nvPicPr>
+          <p:cNvPr id="8" name="Рисунок 7"/>
+          <p:cNvPicPr>
+            <a:picLocks noChangeAspect="1"/>
+          </p:cNvPicPr>
+          <p:nvPr/>
+        </p:nvPicPr>
+        <p:blipFill>
+          <a:blip r:embed="rId4">
+            <a:extLst>
+              <a:ext uri="{28A0092B-C50C-407E-A947-70E740481C1C}">
+                <a14:useLocalDpi xmlns:a14="http://schemas.microsoft.com/office/drawing/2010/main" val="0"/>
+              </a:ext>
+            </a:extLst>
+          </a:blip>
+          <a:stretch>
+            <a:fillRect/>
+          </a:stretch>
+        </p:blipFill>
+        <p:spPr>
+          <a:xfrm>
+            <a:off x="822760" y="2338259"/>
+            <a:ext cx="970529" cy="1779303"/>
+          </a:xfrm>
+          <a:prstGeom prst="rect">
+            <a:avLst/>
+          </a:prstGeom>
+        </p:spPr>
+      </p:pic>
+      <p:pic>
+        <p:nvPicPr>
+          <p:cNvPr id="14" name="Рисунок 13"/>
+          <p:cNvPicPr>
+            <a:picLocks noChangeAspect="1"/>
+          </p:cNvPicPr>
+          <p:nvPr/>
+        </p:nvPicPr>
+        <p:blipFill>
+          <a:blip r:embed="rId5">
+            <a:extLst>
+              <a:ext uri="{28A0092B-C50C-407E-A947-70E740481C1C}">
+                <a14:useLocalDpi xmlns:a14="http://schemas.microsoft.com/office/drawing/2010/main" val="0"/>
+              </a:ext>
+            </a:extLst>
+          </a:blip>
+          <a:stretch>
+            <a:fillRect/>
+          </a:stretch>
+        </p:blipFill>
+        <p:spPr>
+          <a:xfrm>
+            <a:off x="3150483" y="713255"/>
+            <a:ext cx="2396445" cy="5087294"/>
+          </a:xfrm>
+          <a:prstGeom prst="rect">
+            <a:avLst/>
+          </a:prstGeom>
+        </p:spPr>
+      </p:pic>
+      <p:pic>
+        <p:nvPicPr>
+          <p:cNvPr id="16" name="Рисунок 15"/>
+          <p:cNvPicPr>
+            <a:picLocks noChangeAspect="1"/>
+          </p:cNvPicPr>
+          <p:nvPr/>
+        </p:nvPicPr>
+        <p:blipFill>
+          <a:blip r:embed="rId6">
+            <a:extLst>
+              <a:ext uri="{28A0092B-C50C-407E-A947-70E740481C1C}">
+                <a14:useLocalDpi xmlns:a14="http://schemas.microsoft.com/office/drawing/2010/main" val="0"/>
+              </a:ext>
+            </a:extLst>
+          </a:blip>
+          <a:stretch>
+            <a:fillRect/>
+          </a:stretch>
+        </p:blipFill>
+        <p:spPr>
+          <a:xfrm>
+            <a:off x="6437690" y="711279"/>
+            <a:ext cx="2397376" cy="5089270"/>
+          </a:xfrm>
+          <a:prstGeom prst="rect">
+            <a:avLst/>
+          </a:prstGeom>
+        </p:spPr>
+      </p:pic>
+      <p:sp>
+        <p:nvSpPr>
+          <p:cNvPr id="19" name="Прямоугольник 18"/>
+          <p:cNvSpPr/>
+          <p:nvPr/>
+        </p:nvSpPr>
+        <p:spPr>
+          <a:xfrm>
+            <a:off x="6520790" y="5816611"/>
+            <a:ext cx="2697961" cy="307777"/>
+          </a:xfrm>
+          <a:prstGeom prst="rect">
+            <a:avLst/>
+          </a:prstGeom>
+        </p:spPr>
+        <p:txBody>
+          <a:bodyPr wrap="square">
+            <a:spAutoFit/>
+          </a:bodyPr>
+          <a:lstStyle/>
+          <a:p>
+            <a:r>
+              <a:rPr lang="ru-RU" sz="1400" dirty="0">
+                <a:latin typeface="Times New Roman" panose="02020603050405020304" pitchFamily="18" charset="0"/>
+                <a:cs typeface="Times New Roman" panose="02020603050405020304" pitchFamily="18" charset="0"/>
+              </a:rPr>
+              <a:t>Рис. </a:t>
+            </a:r>
+            <a:r>
+              <a:rPr lang="en-US" sz="1400" dirty="0" smtClean="0">
+                <a:latin typeface="Times New Roman" panose="02020603050405020304" pitchFamily="18" charset="0"/>
+                <a:cs typeface="Times New Roman" panose="02020603050405020304" pitchFamily="18" charset="0"/>
+              </a:rPr>
+              <a:t>11 –</a:t>
+            </a:r>
+            <a:r>
+              <a:rPr lang="ru-RU" sz="1400" dirty="0" smtClean="0">
+                <a:latin typeface="Times New Roman" panose="02020603050405020304" pitchFamily="18" charset="0"/>
+                <a:cs typeface="Times New Roman" panose="02020603050405020304" pitchFamily="18" charset="0"/>
+              </a:rPr>
+              <a:t> Экран списка покупок</a:t>
+            </a:r>
+            <a:endParaRPr lang="ru-RU" sz="1400" dirty="0">
+              <a:latin typeface="Times New Roman" panose="02020603050405020304" pitchFamily="18" charset="0"/>
+              <a:cs typeface="Times New Roman" panose="02020603050405020304" pitchFamily="18" charset="0"/>
+            </a:endParaRPr>
+          </a:p>
+        </p:txBody>
+      </p:sp>
+      <p:sp>
+        <p:nvSpPr>
+          <p:cNvPr id="20" name="Прямоугольник 19"/>
+          <p:cNvSpPr/>
+          <p:nvPr/>
+        </p:nvSpPr>
+        <p:spPr>
+          <a:xfrm>
+            <a:off x="2840632" y="5816611"/>
+            <a:ext cx="2706296" cy="307777"/>
+          </a:xfrm>
+          <a:prstGeom prst="rect">
+            <a:avLst/>
+          </a:prstGeom>
+        </p:spPr>
+        <p:txBody>
+          <a:bodyPr wrap="square">
+            <a:spAutoFit/>
+          </a:bodyPr>
+          <a:lstStyle/>
+          <a:p>
+            <a:r>
+              <a:rPr lang="ru-RU" sz="1400" dirty="0">
+                <a:latin typeface="Times New Roman" panose="02020603050405020304" pitchFamily="18" charset="0"/>
+                <a:cs typeface="Times New Roman" panose="02020603050405020304" pitchFamily="18" charset="0"/>
+              </a:rPr>
+              <a:t>Рис. </a:t>
+            </a:r>
+            <a:r>
+              <a:rPr lang="en-US" sz="1400" dirty="0" smtClean="0">
+                <a:latin typeface="Times New Roman" panose="02020603050405020304" pitchFamily="18" charset="0"/>
+                <a:cs typeface="Times New Roman" panose="02020603050405020304" pitchFamily="18" charset="0"/>
+              </a:rPr>
+              <a:t>1</a:t>
+            </a:r>
+            <a:r>
+              <a:rPr lang="ru-RU" sz="1400" dirty="0" smtClean="0">
+                <a:latin typeface="Times New Roman" panose="02020603050405020304" pitchFamily="18" charset="0"/>
+                <a:cs typeface="Times New Roman" panose="02020603050405020304" pitchFamily="18" charset="0"/>
+              </a:rPr>
+              <a:t>0</a:t>
+            </a:r>
+            <a:r>
+              <a:rPr lang="en-US" sz="1400" dirty="0" smtClean="0">
+                <a:latin typeface="Times New Roman" panose="02020603050405020304" pitchFamily="18" charset="0"/>
+                <a:cs typeface="Times New Roman" panose="02020603050405020304" pitchFamily="18" charset="0"/>
+              </a:rPr>
+              <a:t> –</a:t>
+            </a:r>
+            <a:r>
+              <a:rPr lang="ru-RU" sz="1400" dirty="0">
+                <a:latin typeface="Times New Roman" panose="02020603050405020304" pitchFamily="18" charset="0"/>
+                <a:cs typeface="Times New Roman" panose="02020603050405020304" pitchFamily="18" charset="0"/>
+              </a:rPr>
+              <a:t> Экран </a:t>
+            </a:r>
+            <a:r>
+              <a:rPr lang="ru-RU" sz="1400" dirty="0" smtClean="0">
+                <a:latin typeface="Times New Roman" panose="02020603050405020304" pitchFamily="18" charset="0"/>
+                <a:cs typeface="Times New Roman" panose="02020603050405020304" pitchFamily="18" charset="0"/>
+              </a:rPr>
+              <a:t>аутентификации </a:t>
+            </a:r>
+            <a:endParaRPr lang="ru-RU" sz="1400" dirty="0">
+              <a:latin typeface="Times New Roman" panose="02020603050405020304" pitchFamily="18" charset="0"/>
+              <a:cs typeface="Times New Roman" panose="02020603050405020304" pitchFamily="18" charset="0"/>
+            </a:endParaRPr>
+          </a:p>
+        </p:txBody>
+      </p:sp>
+    </p:spTree>
+    <p:extLst>
+      <p:ext uri="{BB962C8B-B14F-4D97-AF65-F5344CB8AC3E}">
+        <p14:creationId xmlns:p14="http://schemas.microsoft.com/office/powerpoint/2010/main" val="330413129"/>
+      </p:ext>
+    </p:extLst>
+  </p:cSld>
+  <p:clrMapOvr>
+    <a:masterClrMapping/>
+  </p:clrMapOvr>
+  <p:timing>
+    <p:tnLst>
+      <p:par>
+        <p:cTn id="1" dur="indefinite" restart="never" nodeType="tmRoot"/>
+      </p:par>
+    </p:tnLst>
+  </p:timing>
+</p:sld>
+</file>
+
+<file path=ppt/slides/slide9.xml><?xml version="1.0" encoding="utf-8"?>
+<p:sld xmlns:a="http://schemas.openxmlformats.org/drawingml/2006/main" xmlns:r="http://schemas.openxmlformats.org/officeDocument/2006/relationships" xmlns:p="http://schemas.openxmlformats.org/presentationml/2006/main">
+  <p:cSld>
+    <p:spTree>
+      <p:nvGrpSpPr>
+        <p:cNvPr id="1" name=""/>
+        <p:cNvGrpSpPr/>
+        <p:nvPr/>
+      </p:nvGrpSpPr>
+      <p:grpSpPr>
+        <a:xfrm>
+          <a:off x="0" y="0"/>
+          <a:ext cx="0" cy="0"/>
+          <a:chOff x="0" y="0"/>
+          <a:chExt cx="0" cy="0"/>
+        </a:xfrm>
+      </p:grpSpPr>
+      <p:sp>
+        <p:nvSpPr>
+          <p:cNvPr id="2" name="Заголовок 1"/>
+          <p:cNvSpPr>
+            <a:spLocks noGrp="1"/>
+          </p:cNvSpPr>
+          <p:nvPr>
+            <p:ph type="title"/>
+          </p:nvPr>
+        </p:nvSpPr>
+        <p:spPr>
+          <a:xfrm>
+            <a:off x="684211" y="44593"/>
+            <a:ext cx="10821233" cy="739186"/>
+          </a:xfrm>
+        </p:spPr>
+        <p:txBody>
+          <a:bodyPr>
+            <a:noAutofit/>
+          </a:bodyPr>
+          <a:lstStyle/>
+          <a:p>
+            <a:pPr algn="ctr"/>
+            <a:r>
+              <a:rPr lang="ru-RU" dirty="0" smtClean="0">
+                <a:latin typeface="Times New Roman" panose="02020603050405020304" pitchFamily="18" charset="0"/>
+                <a:cs typeface="Times New Roman" panose="02020603050405020304" pitchFamily="18" charset="0"/>
+              </a:rPr>
+              <a:t>Реализация (продолжение)</a:t>
+            </a:r>
+            <a:endParaRPr lang="ru-RU" dirty="0">
+              <a:latin typeface="Times New Roman" panose="02020603050405020304" pitchFamily="18" charset="0"/>
+              <a:cs typeface="Times New Roman" panose="02020603050405020304" pitchFamily="18" charset="0"/>
+            </a:endParaRPr>
+          </a:p>
+        </p:txBody>
+      </p:sp>
+      <p:sp>
+        <p:nvSpPr>
+          <p:cNvPr id="5" name="Номер слайда 4"/>
+          <p:cNvSpPr>
+            <a:spLocks noGrp="1"/>
+          </p:cNvSpPr>
+          <p:nvPr>
+            <p:ph type="sldNum" sz="quarter" idx="12"/>
+          </p:nvPr>
+        </p:nvSpPr>
+        <p:spPr/>
+        <p:txBody>
+          <a:bodyPr/>
+          <a:lstStyle/>
+          <a:p>
+            <a:fld id="{D57F1E4F-1CFF-5643-939E-217C01CDF565}" type="slidenum">
+              <a:rPr lang="en-US" smtClean="0"/>
+              <a:pPr/>
+              <a:t>9</a:t>
             </a:fld>
             <a:endParaRPr lang="en-US" dirty="0"/>
           </a:p>
@@ -4723,2814 +7053,6 @@
     <p:extLst>
       <p:ext uri="{BB962C8B-B14F-4D97-AF65-F5344CB8AC3E}">
         <p14:creationId xmlns:p14="http://schemas.microsoft.com/office/powerpoint/2010/main" val="2394620551"/>
-      </p:ext>
-    </p:extLst>
-  </p:cSld>
-  <p:clrMapOvr>
-    <a:masterClrMapping/>
-  </p:clrMapOvr>
-  <p:timing>
-    <p:tnLst>
-      <p:par>
-        <p:cTn id="1" dur="indefinite" restart="never" nodeType="tmRoot"/>
-      </p:par>
-    </p:tnLst>
-  </p:timing>
-</p:sld>
-</file>
-
-<file path=ppt/slides/slide12.xml><?xml version="1.0" encoding="utf-8"?>
-<p:sld xmlns:a="http://schemas.openxmlformats.org/drawingml/2006/main" xmlns:r="http://schemas.openxmlformats.org/officeDocument/2006/relationships" xmlns:p="http://schemas.openxmlformats.org/presentationml/2006/main">
-  <p:cSld>
-    <p:spTree>
-      <p:nvGrpSpPr>
-        <p:cNvPr id="1" name=""/>
-        <p:cNvGrpSpPr/>
-        <p:nvPr/>
-      </p:nvGrpSpPr>
-      <p:grpSpPr>
-        <a:xfrm>
-          <a:off x="0" y="0"/>
-          <a:ext cx="0" cy="0"/>
-          <a:chOff x="0" y="0"/>
-          <a:chExt cx="0" cy="0"/>
-        </a:xfrm>
-      </p:grpSpPr>
-      <p:sp>
-        <p:nvSpPr>
-          <p:cNvPr id="2" name="Заголовок 1"/>
-          <p:cNvSpPr>
-            <a:spLocks noGrp="1"/>
-          </p:cNvSpPr>
-          <p:nvPr>
-            <p:ph type="title"/>
-          </p:nvPr>
-        </p:nvSpPr>
-        <p:spPr>
-          <a:xfrm>
-            <a:off x="684211" y="79230"/>
-            <a:ext cx="10821233" cy="719667"/>
-          </a:xfrm>
-        </p:spPr>
-        <p:txBody>
-          <a:bodyPr/>
-          <a:lstStyle/>
-          <a:p>
-            <a:pPr algn="ctr"/>
-            <a:r>
-              <a:rPr lang="ru-RU" dirty="0" smtClean="0">
-                <a:latin typeface="Times New Roman" panose="02020603050405020304" pitchFamily="18" charset="0"/>
-                <a:cs typeface="Times New Roman" panose="02020603050405020304" pitchFamily="18" charset="0"/>
-              </a:rPr>
-              <a:t>Функциональное </a:t>
-            </a:r>
-            <a:r>
-              <a:rPr lang="ru-RU" dirty="0">
-                <a:latin typeface="Times New Roman" panose="02020603050405020304" pitchFamily="18" charset="0"/>
-                <a:cs typeface="Times New Roman" panose="02020603050405020304" pitchFamily="18" charset="0"/>
-              </a:rPr>
-              <a:t>тестирование</a:t>
-            </a:r>
-          </a:p>
-        </p:txBody>
-      </p:sp>
-      <p:sp>
-        <p:nvSpPr>
-          <p:cNvPr id="5" name="Номер слайда 4"/>
-          <p:cNvSpPr>
-            <a:spLocks noGrp="1"/>
-          </p:cNvSpPr>
-          <p:nvPr>
-            <p:ph type="sldNum" sz="quarter" idx="12"/>
-          </p:nvPr>
-        </p:nvSpPr>
-        <p:spPr/>
-        <p:txBody>
-          <a:bodyPr/>
-          <a:lstStyle/>
-          <a:p>
-            <a:fld id="{D57F1E4F-1CFF-5643-939E-217C01CDF565}" type="slidenum">
-              <a:rPr lang="en-US" smtClean="0"/>
-              <a:pPr/>
-              <a:t>12</a:t>
-            </a:fld>
-            <a:endParaRPr lang="en-US" dirty="0"/>
-          </a:p>
-        </p:txBody>
-      </p:sp>
-      <p:sp>
-        <p:nvSpPr>
-          <p:cNvPr id="15" name="Нижний колонтитул 3"/>
-          <p:cNvSpPr>
-            <a:spLocks noGrp="1"/>
-          </p:cNvSpPr>
-          <p:nvPr>
-            <p:ph type="ftr" sz="quarter" idx="11"/>
-          </p:nvPr>
-        </p:nvSpPr>
-        <p:spPr>
-          <a:xfrm>
-            <a:off x="684210" y="6356350"/>
-            <a:ext cx="10380029" cy="365125"/>
-          </a:xfrm>
-        </p:spPr>
-        <p:txBody>
-          <a:bodyPr/>
-          <a:lstStyle/>
-          <a:p>
-            <a:r>
-              <a:rPr lang="ru-RU" dirty="0">
-                <a:latin typeface="Times New Roman" panose="02020603050405020304" pitchFamily="18" charset="0"/>
-                <a:cs typeface="Times New Roman" panose="02020603050405020304" pitchFamily="18" charset="0"/>
-              </a:rPr>
-              <a:t>Реализация прототипа мобильного приложения «Список покупок» на базе операционной </a:t>
-            </a:r>
-            <a:r>
-              <a:rPr lang="ru-RU" dirty="0" smtClean="0">
-                <a:latin typeface="Times New Roman" panose="02020603050405020304" pitchFamily="18" charset="0"/>
-                <a:cs typeface="Times New Roman" panose="02020603050405020304" pitchFamily="18" charset="0"/>
-              </a:rPr>
-              <a:t>системы</a:t>
-            </a:r>
-            <a:r>
-              <a:rPr lang="en-US" dirty="0">
-                <a:latin typeface="Times New Roman" panose="02020603050405020304" pitchFamily="18" charset="0"/>
-                <a:cs typeface="Times New Roman" panose="02020603050405020304" pitchFamily="18" charset="0"/>
-              </a:rPr>
-              <a:t> Android</a:t>
-            </a:r>
-            <a:r>
-              <a:rPr lang="ru-RU" dirty="0" smtClean="0">
-                <a:latin typeface="Times New Roman" panose="02020603050405020304" pitchFamily="18" charset="0"/>
-                <a:cs typeface="Times New Roman" panose="02020603050405020304" pitchFamily="18" charset="0"/>
-              </a:rPr>
-              <a:t>. </a:t>
-            </a:r>
-            <a:r>
-              <a:rPr lang="ru-RU" dirty="0">
-                <a:latin typeface="Times New Roman" panose="02020603050405020304" pitchFamily="18" charset="0"/>
-                <a:cs typeface="Times New Roman" panose="02020603050405020304" pitchFamily="18" charset="0"/>
-              </a:rPr>
-              <a:t>Ленский И.И.</a:t>
-            </a:r>
-            <a:endParaRPr lang="en-US" dirty="0">
-              <a:latin typeface="Times New Roman" panose="02020603050405020304" pitchFamily="18" charset="0"/>
-              <a:cs typeface="Times New Roman" panose="02020603050405020304" pitchFamily="18" charset="0"/>
-            </a:endParaRPr>
-          </a:p>
-        </p:txBody>
-      </p:sp>
-      <p:pic>
-        <p:nvPicPr>
-          <p:cNvPr id="10" name="Рисунок 9"/>
-          <p:cNvPicPr>
-            <a:picLocks noChangeAspect="1"/>
-          </p:cNvPicPr>
-          <p:nvPr/>
-        </p:nvPicPr>
-        <p:blipFill>
-          <a:blip r:embed="rId2"/>
-          <a:stretch>
-            <a:fillRect/>
-          </a:stretch>
-        </p:blipFill>
-        <p:spPr>
-          <a:xfrm>
-            <a:off x="2013968" y="1229383"/>
-            <a:ext cx="8164064" cy="4696480"/>
-          </a:xfrm>
-          <a:prstGeom prst="rect">
-            <a:avLst/>
-          </a:prstGeom>
-        </p:spPr>
-      </p:pic>
-    </p:spTree>
-    <p:extLst>
-      <p:ext uri="{BB962C8B-B14F-4D97-AF65-F5344CB8AC3E}">
-        <p14:creationId xmlns:p14="http://schemas.microsoft.com/office/powerpoint/2010/main" val="2326050599"/>
-      </p:ext>
-    </p:extLst>
-  </p:cSld>
-  <p:clrMapOvr>
-    <a:masterClrMapping/>
-  </p:clrMapOvr>
-  <p:timing>
-    <p:tnLst>
-      <p:par>
-        <p:cTn id="1" dur="indefinite" restart="never" nodeType="tmRoot"/>
-      </p:par>
-    </p:tnLst>
-  </p:timing>
-</p:sld>
-</file>
-
-<file path=ppt/slides/slide13.xml><?xml version="1.0" encoding="utf-8"?>
-<p:sld xmlns:a="http://schemas.openxmlformats.org/drawingml/2006/main" xmlns:r="http://schemas.openxmlformats.org/officeDocument/2006/relationships" xmlns:p="http://schemas.openxmlformats.org/presentationml/2006/main">
-  <p:cSld>
-    <p:spTree>
-      <p:nvGrpSpPr>
-        <p:cNvPr id="1" name=""/>
-        <p:cNvGrpSpPr/>
-        <p:nvPr/>
-      </p:nvGrpSpPr>
-      <p:grpSpPr>
-        <a:xfrm>
-          <a:off x="0" y="0"/>
-          <a:ext cx="0" cy="0"/>
-          <a:chOff x="0" y="0"/>
-          <a:chExt cx="0" cy="0"/>
-        </a:xfrm>
-      </p:grpSpPr>
-      <p:sp>
-        <p:nvSpPr>
-          <p:cNvPr id="2" name="Заголовок 1"/>
-          <p:cNvSpPr>
-            <a:spLocks noGrp="1"/>
-          </p:cNvSpPr>
-          <p:nvPr>
-            <p:ph type="title"/>
-          </p:nvPr>
-        </p:nvSpPr>
-        <p:spPr>
-          <a:xfrm>
-            <a:off x="684211" y="79230"/>
-            <a:ext cx="10821233" cy="719667"/>
-          </a:xfrm>
-        </p:spPr>
-        <p:txBody>
-          <a:bodyPr/>
-          <a:lstStyle/>
-          <a:p>
-            <a:pPr algn="ctr"/>
-            <a:r>
-              <a:rPr lang="ru-RU" dirty="0" smtClean="0">
-                <a:latin typeface="Times New Roman" panose="02020603050405020304" pitchFamily="18" charset="0"/>
-                <a:cs typeface="Times New Roman" panose="02020603050405020304" pitchFamily="18" charset="0"/>
-              </a:rPr>
-              <a:t>Заключение</a:t>
-            </a:r>
-            <a:endParaRPr lang="ru-RU" dirty="0">
-              <a:latin typeface="Times New Roman" panose="02020603050405020304" pitchFamily="18" charset="0"/>
-              <a:cs typeface="Times New Roman" panose="02020603050405020304" pitchFamily="18" charset="0"/>
-            </a:endParaRPr>
-          </a:p>
-        </p:txBody>
-      </p:sp>
-      <p:sp>
-        <p:nvSpPr>
-          <p:cNvPr id="5" name="Номер слайда 4"/>
-          <p:cNvSpPr>
-            <a:spLocks noGrp="1"/>
-          </p:cNvSpPr>
-          <p:nvPr>
-            <p:ph type="sldNum" sz="quarter" idx="12"/>
-          </p:nvPr>
-        </p:nvSpPr>
-        <p:spPr/>
-        <p:txBody>
-          <a:bodyPr/>
-          <a:lstStyle/>
-          <a:p>
-            <a:fld id="{D57F1E4F-1CFF-5643-939E-217C01CDF565}" type="slidenum">
-              <a:rPr lang="en-US" smtClean="0"/>
-              <a:pPr/>
-              <a:t>13</a:t>
-            </a:fld>
-            <a:endParaRPr lang="en-US" dirty="0"/>
-          </a:p>
-        </p:txBody>
-      </p:sp>
-      <p:sp>
-        <p:nvSpPr>
-          <p:cNvPr id="6" name="TextBox 5"/>
-          <p:cNvSpPr txBox="1"/>
-          <p:nvPr/>
-        </p:nvSpPr>
-        <p:spPr>
-          <a:xfrm>
-            <a:off x="1172111" y="1753490"/>
-            <a:ext cx="7922011" cy="3416320"/>
-          </a:xfrm>
-          <a:prstGeom prst="rect">
-            <a:avLst/>
-          </a:prstGeom>
-          <a:noFill/>
-        </p:spPr>
-        <p:txBody>
-          <a:bodyPr wrap="square" rtlCol="0">
-            <a:spAutoFit/>
-          </a:bodyPr>
-          <a:lstStyle/>
-          <a:p>
-            <a:pPr>
-              <a:lnSpc>
-                <a:spcPct val="150000"/>
-              </a:lnSpc>
-            </a:pPr>
-            <a:r>
-              <a:rPr lang="ru-RU" dirty="0" smtClean="0">
-                <a:latin typeface="Times New Roman" panose="02020603050405020304" pitchFamily="18" charset="0"/>
-                <a:cs typeface="Times New Roman" panose="02020603050405020304" pitchFamily="18" charset="0"/>
-              </a:rPr>
-              <a:t>Цель </a:t>
-            </a:r>
-            <a:r>
-              <a:rPr lang="ru-RU" dirty="0">
-                <a:latin typeface="Times New Roman" panose="02020603050405020304" pitchFamily="18" charset="0"/>
-                <a:cs typeface="Times New Roman" panose="02020603050405020304" pitchFamily="18" charset="0"/>
-              </a:rPr>
-              <a:t>была достигнута </a:t>
-            </a:r>
-            <a:r>
-              <a:rPr lang="ru-RU" dirty="0" smtClean="0">
-                <a:latin typeface="Times New Roman" panose="02020603050405020304" pitchFamily="18" charset="0"/>
-                <a:cs typeface="Times New Roman" panose="02020603050405020304" pitchFamily="18" charset="0"/>
-              </a:rPr>
-              <a:t>– был</a:t>
-            </a:r>
-            <a:r>
-              <a:rPr lang="en-US" dirty="0" smtClean="0">
-                <a:latin typeface="Times New Roman" panose="02020603050405020304" pitchFamily="18" charset="0"/>
-                <a:cs typeface="Times New Roman" panose="02020603050405020304" pitchFamily="18" charset="0"/>
-              </a:rPr>
-              <a:t> </a:t>
-            </a:r>
-            <a:r>
-              <a:rPr lang="ru-RU" dirty="0">
-                <a:latin typeface="Times New Roman" panose="02020603050405020304" pitchFamily="18" charset="0"/>
-                <a:cs typeface="Times New Roman" panose="02020603050405020304" pitchFamily="18" charset="0"/>
-              </a:rPr>
-              <a:t>разработан </a:t>
-            </a:r>
-            <a:r>
-              <a:rPr lang="ru-RU" dirty="0" smtClean="0">
-                <a:latin typeface="Times New Roman" panose="02020603050405020304" pitchFamily="18" charset="0"/>
-                <a:cs typeface="Times New Roman" panose="02020603050405020304" pitchFamily="18" charset="0"/>
-              </a:rPr>
-              <a:t>прототип мобильного </a:t>
-            </a:r>
-            <a:r>
-              <a:rPr lang="ru-RU" dirty="0">
-                <a:latin typeface="Times New Roman" panose="02020603050405020304" pitchFamily="18" charset="0"/>
-                <a:cs typeface="Times New Roman" panose="02020603050405020304" pitchFamily="18" charset="0"/>
-              </a:rPr>
-              <a:t>приложения.</a:t>
-            </a:r>
-            <a:endParaRPr lang="ru-RU" dirty="0" smtClean="0">
-              <a:latin typeface="Times New Roman" panose="02020603050405020304" pitchFamily="18" charset="0"/>
-              <a:cs typeface="Times New Roman" panose="02020603050405020304" pitchFamily="18" charset="0"/>
-            </a:endParaRPr>
-          </a:p>
-          <a:p>
-            <a:pPr>
-              <a:lnSpc>
-                <a:spcPct val="150000"/>
-              </a:lnSpc>
-            </a:pPr>
-            <a:endParaRPr lang="ru-RU" dirty="0" smtClean="0">
-              <a:latin typeface="Times New Roman" panose="02020603050405020304" pitchFamily="18" charset="0"/>
-              <a:cs typeface="Times New Roman" panose="02020603050405020304" pitchFamily="18" charset="0"/>
-            </a:endParaRPr>
-          </a:p>
-          <a:p>
-            <a:pPr>
-              <a:lnSpc>
-                <a:spcPct val="150000"/>
-              </a:lnSpc>
-            </a:pPr>
-            <a:r>
-              <a:rPr lang="ru-RU" dirty="0" smtClean="0">
-                <a:latin typeface="Times New Roman" panose="02020603050405020304" pitchFamily="18" charset="0"/>
-                <a:cs typeface="Times New Roman" panose="02020603050405020304" pitchFamily="18" charset="0"/>
-              </a:rPr>
-              <a:t>Решены все задачи:</a:t>
-            </a:r>
-          </a:p>
-          <a:p>
-            <a:pPr marL="285750" indent="-285750">
-              <a:lnSpc>
-                <a:spcPct val="150000"/>
-              </a:lnSpc>
-              <a:buFont typeface="Arial" panose="020B0604020202020204" pitchFamily="34" charset="0"/>
-              <a:buChar char="•"/>
-            </a:pPr>
-            <a:r>
-              <a:rPr lang="ru-RU" dirty="0" smtClean="0">
-                <a:latin typeface="Times New Roman" panose="02020603050405020304" pitchFamily="18" charset="0"/>
-                <a:cs typeface="Times New Roman" panose="02020603050405020304" pitchFamily="18" charset="0"/>
-              </a:rPr>
-              <a:t>собраны и формализованы требования;</a:t>
-            </a:r>
-          </a:p>
-          <a:p>
-            <a:pPr marL="285750" indent="-285750">
-              <a:lnSpc>
-                <a:spcPct val="150000"/>
-              </a:lnSpc>
-              <a:buFont typeface="Arial" panose="020B0604020202020204" pitchFamily="34" charset="0"/>
-              <a:buChar char="•"/>
-            </a:pPr>
-            <a:r>
-              <a:rPr lang="ru-RU" dirty="0" smtClean="0">
-                <a:latin typeface="Times New Roman" panose="02020603050405020304" pitchFamily="18" charset="0"/>
-                <a:cs typeface="Times New Roman" panose="02020603050405020304" pitchFamily="18" charset="0"/>
-              </a:rPr>
-              <a:t>спроектированы все условия для успешной реализации;</a:t>
-            </a:r>
-          </a:p>
-          <a:p>
-            <a:pPr marL="285750" indent="-285750">
-              <a:lnSpc>
-                <a:spcPct val="150000"/>
-              </a:lnSpc>
-              <a:buFont typeface="Arial" panose="020B0604020202020204" pitchFamily="34" charset="0"/>
-              <a:buChar char="•"/>
-            </a:pPr>
-            <a:r>
-              <a:rPr lang="ru-RU" dirty="0" smtClean="0">
-                <a:latin typeface="Times New Roman" panose="02020603050405020304" pitchFamily="18" charset="0"/>
-                <a:cs typeface="Times New Roman" panose="02020603050405020304" pitchFamily="18" charset="0"/>
-              </a:rPr>
-              <a:t>прототип мобильного приложения был реализован;</a:t>
-            </a:r>
-          </a:p>
-          <a:p>
-            <a:pPr marL="285750" indent="-285750">
-              <a:lnSpc>
-                <a:spcPct val="150000"/>
-              </a:lnSpc>
-              <a:buFont typeface="Arial" panose="020B0604020202020204" pitchFamily="34" charset="0"/>
-              <a:buChar char="•"/>
-            </a:pPr>
-            <a:r>
-              <a:rPr lang="ru-RU" dirty="0" smtClean="0">
-                <a:latin typeface="Times New Roman" panose="02020603050405020304" pitchFamily="18" charset="0"/>
-                <a:cs typeface="Times New Roman" panose="02020603050405020304" pitchFamily="18" charset="0"/>
-              </a:rPr>
-              <a:t>было реализовано функциональное  </a:t>
-            </a:r>
-            <a:r>
-              <a:rPr lang="ru-RU" dirty="0" smtClean="0">
-                <a:latin typeface="Times New Roman" panose="02020603050405020304" pitchFamily="18" charset="0"/>
-                <a:cs typeface="Times New Roman" panose="02020603050405020304" pitchFamily="18" charset="0"/>
-              </a:rPr>
-              <a:t>тестирования.</a:t>
-            </a:r>
-          </a:p>
-          <a:p>
-            <a:pPr marL="285750" indent="-285750">
-              <a:lnSpc>
-                <a:spcPct val="150000"/>
-              </a:lnSpc>
-              <a:buFont typeface="Arial" panose="020B0604020202020204" pitchFamily="34" charset="0"/>
-              <a:buChar char="•"/>
-            </a:pPr>
-            <a:endParaRPr lang="ru-RU" dirty="0">
-              <a:latin typeface="Times New Roman" panose="02020603050405020304" pitchFamily="18" charset="0"/>
-              <a:cs typeface="Times New Roman" panose="02020603050405020304" pitchFamily="18" charset="0"/>
-            </a:endParaRPr>
-          </a:p>
-        </p:txBody>
-      </p:sp>
-      <p:sp>
-        <p:nvSpPr>
-          <p:cNvPr id="7" name="TextBox 6"/>
-          <p:cNvSpPr txBox="1"/>
-          <p:nvPr/>
-        </p:nvSpPr>
-        <p:spPr>
-          <a:xfrm>
-            <a:off x="172903" y="5714943"/>
-            <a:ext cx="11781674" cy="369332"/>
-          </a:xfrm>
-          <a:prstGeom prst="rect">
-            <a:avLst/>
-          </a:prstGeom>
-          <a:noFill/>
-        </p:spPr>
-        <p:txBody>
-          <a:bodyPr wrap="square" rtlCol="0">
-            <a:spAutoFit/>
-          </a:bodyPr>
-          <a:lstStyle/>
-          <a:p>
-            <a:r>
-              <a:rPr lang="ru-RU" dirty="0">
-                <a:latin typeface="Times New Roman" panose="02020603050405020304" pitchFamily="18" charset="0"/>
-                <a:cs typeface="Times New Roman" panose="02020603050405020304" pitchFamily="18" charset="0"/>
-              </a:rPr>
-              <a:t>В </a:t>
-            </a:r>
-            <a:r>
-              <a:rPr lang="ru-RU" dirty="0" smtClean="0">
-                <a:latin typeface="Times New Roman" panose="02020603050405020304" pitchFamily="18" charset="0"/>
-                <a:cs typeface="Times New Roman" panose="02020603050405020304" pitchFamily="18" charset="0"/>
-              </a:rPr>
-              <a:t>дальнейшем планируется доработать приложение и перевести его из состояния прототипа в релиз-кандидат.</a:t>
-            </a:r>
-            <a:endParaRPr lang="ru-RU" dirty="0"/>
-          </a:p>
-        </p:txBody>
-      </p:sp>
-      <p:sp>
-        <p:nvSpPr>
-          <p:cNvPr id="15" name="Нижний колонтитул 3"/>
-          <p:cNvSpPr>
-            <a:spLocks noGrp="1"/>
-          </p:cNvSpPr>
-          <p:nvPr>
-            <p:ph type="ftr" sz="quarter" idx="11"/>
-          </p:nvPr>
-        </p:nvSpPr>
-        <p:spPr>
-          <a:xfrm>
-            <a:off x="684210" y="6356350"/>
-            <a:ext cx="10380029" cy="365125"/>
-          </a:xfrm>
-        </p:spPr>
-        <p:txBody>
-          <a:bodyPr/>
-          <a:lstStyle/>
-          <a:p>
-            <a:r>
-              <a:rPr lang="ru-RU" dirty="0">
-                <a:latin typeface="Times New Roman" panose="02020603050405020304" pitchFamily="18" charset="0"/>
-                <a:cs typeface="Times New Roman" panose="02020603050405020304" pitchFamily="18" charset="0"/>
-              </a:rPr>
-              <a:t>Реализация прототипа мобильного приложения «Список покупок» на базе операционной </a:t>
-            </a:r>
-            <a:r>
-              <a:rPr lang="ru-RU" dirty="0" smtClean="0">
-                <a:latin typeface="Times New Roman" panose="02020603050405020304" pitchFamily="18" charset="0"/>
-                <a:cs typeface="Times New Roman" panose="02020603050405020304" pitchFamily="18" charset="0"/>
-              </a:rPr>
-              <a:t>системы</a:t>
-            </a:r>
-            <a:r>
-              <a:rPr lang="en-US" dirty="0">
-                <a:latin typeface="Times New Roman" panose="02020603050405020304" pitchFamily="18" charset="0"/>
-                <a:cs typeface="Times New Roman" panose="02020603050405020304" pitchFamily="18" charset="0"/>
-              </a:rPr>
-              <a:t> Android</a:t>
-            </a:r>
-            <a:r>
-              <a:rPr lang="ru-RU" dirty="0" smtClean="0">
-                <a:latin typeface="Times New Roman" panose="02020603050405020304" pitchFamily="18" charset="0"/>
-                <a:cs typeface="Times New Roman" panose="02020603050405020304" pitchFamily="18" charset="0"/>
-              </a:rPr>
-              <a:t>. </a:t>
-            </a:r>
-            <a:r>
-              <a:rPr lang="ru-RU" dirty="0">
-                <a:latin typeface="Times New Roman" panose="02020603050405020304" pitchFamily="18" charset="0"/>
-                <a:cs typeface="Times New Roman" panose="02020603050405020304" pitchFamily="18" charset="0"/>
-              </a:rPr>
-              <a:t>Ленский И.И.</a:t>
-            </a:r>
-            <a:endParaRPr lang="en-US" dirty="0">
-              <a:latin typeface="Times New Roman" panose="02020603050405020304" pitchFamily="18" charset="0"/>
-              <a:cs typeface="Times New Roman" panose="02020603050405020304" pitchFamily="18" charset="0"/>
-            </a:endParaRPr>
-          </a:p>
-        </p:txBody>
-      </p:sp>
-    </p:spTree>
-    <p:extLst>
-      <p:ext uri="{BB962C8B-B14F-4D97-AF65-F5344CB8AC3E}">
-        <p14:creationId xmlns:p14="http://schemas.microsoft.com/office/powerpoint/2010/main" val="2844690246"/>
-      </p:ext>
-    </p:extLst>
-  </p:cSld>
-  <p:clrMapOvr>
-    <a:masterClrMapping/>
-  </p:clrMapOvr>
-  <p:timing>
-    <p:tnLst>
-      <p:par>
-        <p:cTn id="1" dur="indefinite" restart="never" nodeType="tmRoot"/>
-      </p:par>
-    </p:tnLst>
-  </p:timing>
-</p:sld>
-</file>
-
-<file path=ppt/slides/slide2.xml><?xml version="1.0" encoding="utf-8"?>
-<p:sld xmlns:a="http://schemas.openxmlformats.org/drawingml/2006/main" xmlns:r="http://schemas.openxmlformats.org/officeDocument/2006/relationships" xmlns:p="http://schemas.openxmlformats.org/presentationml/2006/main">
-  <p:cSld>
-    <p:spTree>
-      <p:nvGrpSpPr>
-        <p:cNvPr id="1" name=""/>
-        <p:cNvGrpSpPr/>
-        <p:nvPr/>
-      </p:nvGrpSpPr>
-      <p:grpSpPr>
-        <a:xfrm>
-          <a:off x="0" y="0"/>
-          <a:ext cx="0" cy="0"/>
-          <a:chOff x="0" y="0"/>
-          <a:chExt cx="0" cy="0"/>
-        </a:xfrm>
-      </p:grpSpPr>
-      <p:sp>
-        <p:nvSpPr>
-          <p:cNvPr id="2" name="Заголовок 1"/>
-          <p:cNvSpPr>
-            <a:spLocks noGrp="1"/>
-          </p:cNvSpPr>
-          <p:nvPr>
-            <p:ph type="title"/>
-          </p:nvPr>
-        </p:nvSpPr>
-        <p:spPr>
-          <a:xfrm>
-            <a:off x="684211" y="199402"/>
-            <a:ext cx="10821233" cy="960120"/>
-          </a:xfrm>
-        </p:spPr>
-        <p:txBody>
-          <a:bodyPr/>
-          <a:lstStyle/>
-          <a:p>
-            <a:pPr algn="ctr"/>
-            <a:r>
-              <a:rPr lang="ru-RU" dirty="0" smtClean="0">
-                <a:latin typeface="Times New Roman" panose="02020603050405020304" pitchFamily="18" charset="0"/>
-                <a:cs typeface="Times New Roman" panose="02020603050405020304" pitchFamily="18" charset="0"/>
-              </a:rPr>
-              <a:t>Цель и задачи</a:t>
-            </a:r>
-            <a:endParaRPr lang="ru-RU" dirty="0">
-              <a:latin typeface="Times New Roman" panose="02020603050405020304" pitchFamily="18" charset="0"/>
-              <a:cs typeface="Times New Roman" panose="02020603050405020304" pitchFamily="18" charset="0"/>
-            </a:endParaRPr>
-          </a:p>
-        </p:txBody>
-      </p:sp>
-      <p:sp>
-        <p:nvSpPr>
-          <p:cNvPr id="4" name="Нижний колонтитул 3"/>
-          <p:cNvSpPr>
-            <a:spLocks noGrp="1"/>
-          </p:cNvSpPr>
-          <p:nvPr>
-            <p:ph type="ftr" sz="quarter" idx="11"/>
-          </p:nvPr>
-        </p:nvSpPr>
-        <p:spPr>
-          <a:xfrm>
-            <a:off x="684210" y="6356350"/>
-            <a:ext cx="10380029" cy="365125"/>
-          </a:xfrm>
-        </p:spPr>
-        <p:txBody>
-          <a:bodyPr/>
-          <a:lstStyle/>
-          <a:p>
-            <a:r>
-              <a:rPr lang="ru-RU" dirty="0">
-                <a:latin typeface="Times New Roman" panose="02020603050405020304" pitchFamily="18" charset="0"/>
-                <a:cs typeface="Times New Roman" panose="02020603050405020304" pitchFamily="18" charset="0"/>
-              </a:rPr>
-              <a:t>Реализация прототипа мобильного приложения «Список покупок» на базе операционной </a:t>
-            </a:r>
-            <a:r>
-              <a:rPr lang="ru-RU" dirty="0" smtClean="0">
-                <a:latin typeface="Times New Roman" panose="02020603050405020304" pitchFamily="18" charset="0"/>
-                <a:cs typeface="Times New Roman" panose="02020603050405020304" pitchFamily="18" charset="0"/>
-              </a:rPr>
-              <a:t>системы </a:t>
-            </a:r>
-            <a:r>
-              <a:rPr lang="en-US" dirty="0" smtClean="0">
-                <a:latin typeface="Times New Roman" panose="02020603050405020304" pitchFamily="18" charset="0"/>
-                <a:cs typeface="Times New Roman" panose="02020603050405020304" pitchFamily="18" charset="0"/>
-              </a:rPr>
-              <a:t>Android</a:t>
-            </a:r>
-            <a:r>
-              <a:rPr lang="ru-RU" dirty="0" smtClean="0">
-                <a:latin typeface="Times New Roman" panose="02020603050405020304" pitchFamily="18" charset="0"/>
-                <a:cs typeface="Times New Roman" panose="02020603050405020304" pitchFamily="18" charset="0"/>
-              </a:rPr>
-              <a:t>. Ленский И.И.</a:t>
-            </a:r>
-            <a:endParaRPr lang="en-US" dirty="0">
-              <a:latin typeface="Times New Roman" panose="02020603050405020304" pitchFamily="18" charset="0"/>
-              <a:cs typeface="Times New Roman" panose="02020603050405020304" pitchFamily="18" charset="0"/>
-            </a:endParaRPr>
-          </a:p>
-        </p:txBody>
-      </p:sp>
-      <p:sp>
-        <p:nvSpPr>
-          <p:cNvPr id="5" name="Номер слайда 4"/>
-          <p:cNvSpPr>
-            <a:spLocks noGrp="1"/>
-          </p:cNvSpPr>
-          <p:nvPr>
-            <p:ph type="sldNum" sz="quarter" idx="12"/>
-          </p:nvPr>
-        </p:nvSpPr>
-        <p:spPr>
-          <a:xfrm>
-            <a:off x="10590414" y="6356350"/>
-            <a:ext cx="763385" cy="365125"/>
-          </a:xfrm>
-        </p:spPr>
-        <p:txBody>
-          <a:bodyPr/>
-          <a:lstStyle/>
-          <a:p>
-            <a:fld id="{D57F1E4F-1CFF-5643-939E-217C01CDF565}" type="slidenum">
-              <a:rPr lang="en-US" smtClean="0"/>
-              <a:pPr/>
-              <a:t>2</a:t>
-            </a:fld>
-            <a:endParaRPr lang="en-US" dirty="0"/>
-          </a:p>
-        </p:txBody>
-      </p:sp>
-      <p:sp>
-        <p:nvSpPr>
-          <p:cNvPr id="6" name="TextBox 5"/>
-          <p:cNvSpPr txBox="1"/>
-          <p:nvPr/>
-        </p:nvSpPr>
-        <p:spPr>
-          <a:xfrm>
-            <a:off x="684211" y="1323152"/>
-            <a:ext cx="10991233" cy="4154984"/>
-          </a:xfrm>
-          <a:prstGeom prst="rect">
-            <a:avLst/>
-          </a:prstGeom>
-          <a:noFill/>
-        </p:spPr>
-        <p:txBody>
-          <a:bodyPr wrap="square" rtlCol="0">
-            <a:spAutoFit/>
-          </a:bodyPr>
-          <a:lstStyle/>
-          <a:p>
-            <a:pPr algn="just"/>
-            <a:r>
-              <a:rPr lang="ru-RU" sz="2200" b="1" dirty="0" smtClean="0">
-                <a:latin typeface="Times New Roman" panose="02020603050405020304" pitchFamily="18" charset="0"/>
-                <a:cs typeface="Times New Roman" panose="02020603050405020304" pitchFamily="18" charset="0"/>
-              </a:rPr>
-              <a:t>Цель:</a:t>
-            </a:r>
-            <a:r>
-              <a:rPr lang="ru-RU" sz="2200" dirty="0">
-                <a:latin typeface="Times New Roman" panose="02020603050405020304" pitchFamily="18" charset="0"/>
-                <a:cs typeface="Times New Roman" panose="02020603050405020304" pitchFamily="18" charset="0"/>
-              </a:rPr>
-              <a:t> разработка прототипа мобильного приложения «</a:t>
-            </a:r>
-            <a:r>
-              <a:rPr lang="ru-RU" sz="2200" dirty="0" err="1">
-                <a:latin typeface="Times New Roman" panose="02020603050405020304" pitchFamily="18" charset="0"/>
-                <a:cs typeface="Times New Roman" panose="02020603050405020304" pitchFamily="18" charset="0"/>
-              </a:rPr>
-              <a:t>ShoppingList</a:t>
-            </a:r>
-            <a:r>
-              <a:rPr lang="ru-RU" sz="2200" dirty="0">
-                <a:latin typeface="Times New Roman" panose="02020603050405020304" pitchFamily="18" charset="0"/>
-                <a:cs typeface="Times New Roman" panose="02020603050405020304" pitchFamily="18" charset="0"/>
-              </a:rPr>
-              <a:t>» (</a:t>
-            </a:r>
-            <a:r>
-              <a:rPr lang="ru-RU" sz="2200" dirty="0" err="1">
-                <a:latin typeface="Times New Roman" panose="02020603050405020304" pitchFamily="18" charset="0"/>
-                <a:cs typeface="Times New Roman" panose="02020603050405020304" pitchFamily="18" charset="0"/>
-              </a:rPr>
-              <a:t>Cписок</a:t>
-            </a:r>
-            <a:r>
-              <a:rPr lang="ru-RU" sz="2200" dirty="0">
-                <a:latin typeface="Times New Roman" panose="02020603050405020304" pitchFamily="18" charset="0"/>
-                <a:cs typeface="Times New Roman" panose="02020603050405020304" pitchFamily="18" charset="0"/>
-              </a:rPr>
-              <a:t> покупок), на языке </a:t>
-            </a:r>
-            <a:r>
-              <a:rPr lang="en-US" sz="2200" dirty="0" smtClean="0">
-                <a:latin typeface="Times New Roman" panose="02020603050405020304" pitchFamily="18" charset="0"/>
-                <a:cs typeface="Times New Roman" panose="02020603050405020304" pitchFamily="18" charset="0"/>
-              </a:rPr>
-              <a:t>Java</a:t>
-            </a:r>
-            <a:r>
-              <a:rPr lang="ru-RU" sz="2200" dirty="0" smtClean="0">
-                <a:latin typeface="Times New Roman" panose="02020603050405020304" pitchFamily="18" charset="0"/>
-                <a:cs typeface="Times New Roman" panose="02020603050405020304" pitchFamily="18" charset="0"/>
-              </a:rPr>
-              <a:t> </a:t>
-            </a:r>
-            <a:r>
-              <a:rPr lang="ru-RU" sz="2200" dirty="0">
-                <a:latin typeface="Times New Roman" panose="02020603050405020304" pitchFamily="18" charset="0"/>
-                <a:cs typeface="Times New Roman" panose="02020603050405020304" pitchFamily="18" charset="0"/>
-              </a:rPr>
-              <a:t>под управлением операционной системой </a:t>
-            </a:r>
-            <a:r>
-              <a:rPr lang="en-US" sz="2200" dirty="0" smtClean="0">
-                <a:latin typeface="Times New Roman" panose="02020603050405020304" pitchFamily="18" charset="0"/>
-                <a:cs typeface="Times New Roman" panose="02020603050405020304" pitchFamily="18" charset="0"/>
-              </a:rPr>
-              <a:t>Android</a:t>
-            </a:r>
-            <a:endParaRPr lang="ru-RU" sz="2200" dirty="0">
-              <a:latin typeface="Times New Roman" panose="02020603050405020304" pitchFamily="18" charset="0"/>
-              <a:cs typeface="Times New Roman" panose="02020603050405020304" pitchFamily="18" charset="0"/>
-            </a:endParaRPr>
-          </a:p>
-          <a:p>
-            <a:pPr algn="just"/>
-            <a:endParaRPr lang="ru-RU" sz="2200" dirty="0" smtClean="0">
-              <a:latin typeface="Times New Roman" panose="02020603050405020304" pitchFamily="18" charset="0"/>
-              <a:cs typeface="Times New Roman" panose="02020603050405020304" pitchFamily="18" charset="0"/>
-            </a:endParaRPr>
-          </a:p>
-          <a:p>
-            <a:pPr algn="just"/>
-            <a:endParaRPr lang="en-US" sz="2200" dirty="0" smtClean="0">
-              <a:latin typeface="Times New Roman" panose="02020603050405020304" pitchFamily="18" charset="0"/>
-              <a:cs typeface="Times New Roman" panose="02020603050405020304" pitchFamily="18" charset="0"/>
-            </a:endParaRPr>
-          </a:p>
-          <a:p>
-            <a:pPr algn="just"/>
-            <a:endParaRPr lang="ru-RU" sz="2200" dirty="0" smtClean="0">
-              <a:latin typeface="Times New Roman" panose="02020603050405020304" pitchFamily="18" charset="0"/>
-              <a:cs typeface="Times New Roman" panose="02020603050405020304" pitchFamily="18" charset="0"/>
-            </a:endParaRPr>
-          </a:p>
-          <a:p>
-            <a:pPr algn="just"/>
-            <a:r>
-              <a:rPr lang="ru-RU" sz="2200" b="1" dirty="0" smtClean="0">
-                <a:latin typeface="Times New Roman" panose="02020603050405020304" pitchFamily="18" charset="0"/>
-                <a:cs typeface="Times New Roman" panose="02020603050405020304" pitchFamily="18" charset="0"/>
-              </a:rPr>
-              <a:t>Задачи:</a:t>
-            </a:r>
-            <a:endParaRPr lang="ru-RU" sz="2200" dirty="0" smtClean="0">
-              <a:latin typeface="Times New Roman" panose="02020603050405020304" pitchFamily="18" charset="0"/>
-              <a:cs typeface="Times New Roman" panose="02020603050405020304" pitchFamily="18" charset="0"/>
-            </a:endParaRPr>
-          </a:p>
-          <a:p>
-            <a:pPr marL="457200" indent="-457200" algn="just">
-              <a:lnSpc>
-                <a:spcPct val="150000"/>
-              </a:lnSpc>
-              <a:buFont typeface="+mj-lt"/>
-              <a:buAutoNum type="arabicPeriod"/>
-            </a:pPr>
-            <a:r>
-              <a:rPr lang="ru-RU" sz="2200" dirty="0" smtClean="0">
-                <a:latin typeface="Times New Roman" panose="02020603050405020304" pitchFamily="18" charset="0"/>
-                <a:cs typeface="Times New Roman" panose="02020603050405020304" pitchFamily="18" charset="0"/>
-              </a:rPr>
-              <a:t>Сбор и</a:t>
-            </a:r>
-            <a:r>
-              <a:rPr lang="en-US" sz="2200" dirty="0" smtClean="0">
-                <a:latin typeface="Times New Roman" panose="02020603050405020304" pitchFamily="18" charset="0"/>
-                <a:cs typeface="Times New Roman" panose="02020603050405020304" pitchFamily="18" charset="0"/>
-              </a:rPr>
-              <a:t> </a:t>
-            </a:r>
-            <a:r>
-              <a:rPr lang="ru-RU" sz="2200" dirty="0" smtClean="0">
-                <a:latin typeface="Times New Roman" panose="02020603050405020304" pitchFamily="18" charset="0"/>
-                <a:cs typeface="Times New Roman" panose="02020603050405020304" pitchFamily="18" charset="0"/>
-              </a:rPr>
-              <a:t>формализация требований.</a:t>
-            </a:r>
-          </a:p>
-          <a:p>
-            <a:pPr marL="457200" indent="-457200" algn="just">
-              <a:lnSpc>
-                <a:spcPct val="150000"/>
-              </a:lnSpc>
-              <a:buFont typeface="+mj-lt"/>
-              <a:buAutoNum type="arabicPeriod"/>
-            </a:pPr>
-            <a:r>
-              <a:rPr lang="ru-RU" sz="2200" dirty="0" smtClean="0">
-                <a:latin typeface="Times New Roman" panose="02020603050405020304" pitchFamily="18" charset="0"/>
-                <a:cs typeface="Times New Roman" panose="02020603050405020304" pitchFamily="18" charset="0"/>
-              </a:rPr>
-              <a:t>Проектирование архитектуры.</a:t>
-            </a:r>
-          </a:p>
-          <a:p>
-            <a:pPr marL="457200" indent="-457200" algn="just">
-              <a:lnSpc>
-                <a:spcPct val="150000"/>
-              </a:lnSpc>
-              <a:buFont typeface="+mj-lt"/>
-              <a:buAutoNum type="arabicPeriod"/>
-            </a:pPr>
-            <a:r>
-              <a:rPr lang="ru-RU" sz="2200" dirty="0" smtClean="0">
-                <a:latin typeface="Times New Roman" panose="02020603050405020304" pitchFamily="18" charset="0"/>
-                <a:cs typeface="Times New Roman" panose="02020603050405020304" pitchFamily="18" charset="0"/>
-              </a:rPr>
-              <a:t>Реализация прототипа мобильного приложения.</a:t>
-            </a:r>
-          </a:p>
-          <a:p>
-            <a:pPr marL="457200" indent="-457200" algn="just">
-              <a:lnSpc>
-                <a:spcPct val="150000"/>
-              </a:lnSpc>
-              <a:buFont typeface="+mj-lt"/>
-              <a:buAutoNum type="arabicPeriod"/>
-            </a:pPr>
-            <a:r>
-              <a:rPr lang="ru-RU" sz="2200" dirty="0" smtClean="0">
-                <a:latin typeface="Times New Roman" panose="02020603050405020304" pitchFamily="18" charset="0"/>
-                <a:cs typeface="Times New Roman" panose="02020603050405020304" pitchFamily="18" charset="0"/>
-              </a:rPr>
-              <a:t>Реализовать </a:t>
-            </a:r>
-            <a:r>
-              <a:rPr lang="ru-RU" sz="2200" dirty="0" smtClean="0">
-                <a:latin typeface="Times New Roman" panose="02020603050405020304" pitchFamily="18" charset="0"/>
-                <a:cs typeface="Times New Roman" panose="02020603050405020304" pitchFamily="18" charset="0"/>
-              </a:rPr>
-              <a:t>функциональное</a:t>
-            </a:r>
-            <a:r>
-              <a:rPr lang="ru-RU" sz="2200" dirty="0" smtClean="0">
-                <a:latin typeface="Times New Roman" panose="02020603050405020304" pitchFamily="18" charset="0"/>
-                <a:cs typeface="Times New Roman" panose="02020603050405020304" pitchFamily="18" charset="0"/>
-              </a:rPr>
-              <a:t> </a:t>
-            </a:r>
-            <a:r>
-              <a:rPr lang="ru-RU" sz="2200" dirty="0" smtClean="0">
-                <a:latin typeface="Times New Roman" panose="02020603050405020304" pitchFamily="18" charset="0"/>
-                <a:cs typeface="Times New Roman" panose="02020603050405020304" pitchFamily="18" charset="0"/>
-              </a:rPr>
-              <a:t>тестирование прототипа.</a:t>
-            </a:r>
-          </a:p>
-        </p:txBody>
-      </p:sp>
-    </p:spTree>
-    <p:extLst>
-      <p:ext uri="{BB962C8B-B14F-4D97-AF65-F5344CB8AC3E}">
-        <p14:creationId xmlns:p14="http://schemas.microsoft.com/office/powerpoint/2010/main" val="2231447547"/>
-      </p:ext>
-    </p:extLst>
-  </p:cSld>
-  <p:clrMapOvr>
-    <a:masterClrMapping/>
-  </p:clrMapOvr>
-  <p:timing>
-    <p:tnLst>
-      <p:par>
-        <p:cTn id="1" dur="indefinite" restart="never" nodeType="tmRoot"/>
-      </p:par>
-    </p:tnLst>
-  </p:timing>
-</p:sld>
-</file>
-
-<file path=ppt/slides/slide3.xml><?xml version="1.0" encoding="utf-8"?>
-<p:sld xmlns:a="http://schemas.openxmlformats.org/drawingml/2006/main" xmlns:r="http://schemas.openxmlformats.org/officeDocument/2006/relationships" xmlns:p="http://schemas.openxmlformats.org/presentationml/2006/main">
-  <p:cSld>
-    <p:spTree>
-      <p:nvGrpSpPr>
-        <p:cNvPr id="1" name=""/>
-        <p:cNvGrpSpPr/>
-        <p:nvPr/>
-      </p:nvGrpSpPr>
-      <p:grpSpPr>
-        <a:xfrm>
-          <a:off x="0" y="0"/>
-          <a:ext cx="0" cy="0"/>
-          <a:chOff x="0" y="0"/>
-          <a:chExt cx="0" cy="0"/>
-        </a:xfrm>
-      </p:grpSpPr>
-      <p:sp>
-        <p:nvSpPr>
-          <p:cNvPr id="2" name="Заголовок 1"/>
-          <p:cNvSpPr>
-            <a:spLocks noGrp="1"/>
-          </p:cNvSpPr>
-          <p:nvPr>
-            <p:ph type="title"/>
-          </p:nvPr>
-        </p:nvSpPr>
-        <p:spPr>
-          <a:xfrm>
-            <a:off x="684211" y="30491"/>
-            <a:ext cx="10821233" cy="1005158"/>
-          </a:xfrm>
-        </p:spPr>
-        <p:txBody>
-          <a:bodyPr>
-            <a:noAutofit/>
-          </a:bodyPr>
-          <a:lstStyle/>
-          <a:p>
-            <a:pPr algn="ctr"/>
-            <a:r>
-              <a:rPr lang="ru-RU" dirty="0">
-                <a:latin typeface="Times New Roman" panose="02020603050405020304" pitchFamily="18" charset="0"/>
-                <a:cs typeface="Times New Roman" panose="02020603050405020304" pitchFamily="18" charset="0"/>
-              </a:rPr>
-              <a:t>Введение в предметную область</a:t>
-            </a:r>
-          </a:p>
-        </p:txBody>
-      </p:sp>
-      <p:sp>
-        <p:nvSpPr>
-          <p:cNvPr id="5" name="Номер слайда 4"/>
-          <p:cNvSpPr>
-            <a:spLocks noGrp="1"/>
-          </p:cNvSpPr>
-          <p:nvPr>
-            <p:ph type="sldNum" sz="quarter" idx="12"/>
-          </p:nvPr>
-        </p:nvSpPr>
-        <p:spPr/>
-        <p:txBody>
-          <a:bodyPr/>
-          <a:lstStyle/>
-          <a:p>
-            <a:fld id="{D57F1E4F-1CFF-5643-939E-217C01CDF565}" type="slidenum">
-              <a:rPr lang="en-US" smtClean="0"/>
-              <a:pPr/>
-              <a:t>3</a:t>
-            </a:fld>
-            <a:endParaRPr lang="en-US" dirty="0"/>
-          </a:p>
-        </p:txBody>
-      </p:sp>
-      <p:sp>
-        <p:nvSpPr>
-          <p:cNvPr id="7" name="TextBox 6"/>
-          <p:cNvSpPr txBox="1"/>
-          <p:nvPr/>
-        </p:nvSpPr>
-        <p:spPr>
-          <a:xfrm>
-            <a:off x="621771" y="2544406"/>
-            <a:ext cx="6202977" cy="2020553"/>
-          </a:xfrm>
-          <a:prstGeom prst="rect">
-            <a:avLst/>
-          </a:prstGeom>
-          <a:noFill/>
-        </p:spPr>
-        <p:txBody>
-          <a:bodyPr wrap="square" rtlCol="0">
-            <a:spAutoFit/>
-          </a:bodyPr>
-          <a:lstStyle/>
-          <a:p>
-            <a:pPr>
-              <a:lnSpc>
-                <a:spcPct val="200000"/>
-              </a:lnSpc>
-            </a:pPr>
-            <a:r>
-              <a:rPr lang="ru-RU" sz="2200" dirty="0" smtClean="0">
-                <a:latin typeface="Times New Roman" panose="02020603050405020304" pitchFamily="18" charset="0"/>
-                <a:cs typeface="Times New Roman" panose="02020603050405020304" pitchFamily="18" charset="0"/>
-              </a:rPr>
-              <a:t>Мобильное приложение это – ...</a:t>
-            </a:r>
-          </a:p>
-          <a:p>
-            <a:pPr>
-              <a:lnSpc>
-                <a:spcPct val="200000"/>
-              </a:lnSpc>
-            </a:pPr>
-            <a:r>
-              <a:rPr lang="ru-RU" sz="2200" dirty="0" smtClean="0">
-                <a:latin typeface="Times New Roman" panose="02020603050405020304" pitchFamily="18" charset="0"/>
-                <a:cs typeface="Times New Roman" panose="02020603050405020304" pitchFamily="18" charset="0"/>
-              </a:rPr>
-              <a:t>Целевая аудитория.</a:t>
-            </a:r>
-            <a:endParaRPr lang="ru-RU" sz="2200" dirty="0">
-              <a:latin typeface="Times New Roman" panose="02020603050405020304" pitchFamily="18" charset="0"/>
-              <a:cs typeface="Times New Roman" panose="02020603050405020304" pitchFamily="18" charset="0"/>
-            </a:endParaRPr>
-          </a:p>
-          <a:p>
-            <a:pPr>
-              <a:lnSpc>
-                <a:spcPct val="200000"/>
-              </a:lnSpc>
-            </a:pPr>
-            <a:r>
-              <a:rPr lang="ru-RU" sz="2200" dirty="0" smtClean="0">
-                <a:latin typeface="Times New Roman" panose="02020603050405020304" pitchFamily="18" charset="0"/>
-                <a:cs typeface="Times New Roman" panose="02020603050405020304" pitchFamily="18" charset="0"/>
-              </a:rPr>
-              <a:t>Новизна и практическая значимость.</a:t>
-            </a:r>
-            <a:endParaRPr lang="ru-RU" sz="2200" dirty="0">
-              <a:latin typeface="Times New Roman" panose="02020603050405020304" pitchFamily="18" charset="0"/>
-              <a:cs typeface="Times New Roman" panose="02020603050405020304" pitchFamily="18" charset="0"/>
-            </a:endParaRPr>
-          </a:p>
-        </p:txBody>
-      </p:sp>
-      <p:sp>
-        <p:nvSpPr>
-          <p:cNvPr id="14" name="Нижний колонтитул 3"/>
-          <p:cNvSpPr>
-            <a:spLocks noGrp="1"/>
-          </p:cNvSpPr>
-          <p:nvPr>
-            <p:ph type="ftr" sz="quarter" idx="11"/>
-          </p:nvPr>
-        </p:nvSpPr>
-        <p:spPr>
-          <a:xfrm>
-            <a:off x="684210" y="6356350"/>
-            <a:ext cx="10380029" cy="365125"/>
-          </a:xfrm>
-        </p:spPr>
-        <p:txBody>
-          <a:bodyPr/>
-          <a:lstStyle/>
-          <a:p>
-            <a:r>
-              <a:rPr lang="ru-RU" dirty="0" smtClean="0">
-                <a:latin typeface="Times New Roman" panose="02020603050405020304" pitchFamily="18" charset="0"/>
-                <a:cs typeface="Times New Roman" panose="02020603050405020304" pitchFamily="18" charset="0"/>
-              </a:rPr>
-              <a:t>Реализация прототипа мобильного приложения «Список покупок» на базе операционной системы</a:t>
-            </a:r>
-            <a:r>
-              <a:rPr lang="en-US" dirty="0">
-                <a:latin typeface="Times New Roman" panose="02020603050405020304" pitchFamily="18" charset="0"/>
-                <a:cs typeface="Times New Roman" panose="02020603050405020304" pitchFamily="18" charset="0"/>
-              </a:rPr>
-              <a:t> Android</a:t>
-            </a:r>
-            <a:r>
-              <a:rPr lang="ru-RU" dirty="0" smtClean="0">
-                <a:latin typeface="Times New Roman" panose="02020603050405020304" pitchFamily="18" charset="0"/>
-                <a:cs typeface="Times New Roman" panose="02020603050405020304" pitchFamily="18" charset="0"/>
-              </a:rPr>
-              <a:t>. Ленский И.И.</a:t>
-            </a:r>
-            <a:endParaRPr lang="en-US" dirty="0">
-              <a:latin typeface="Times New Roman" panose="02020603050405020304" pitchFamily="18" charset="0"/>
-              <a:cs typeface="Times New Roman" panose="02020603050405020304" pitchFamily="18" charset="0"/>
-            </a:endParaRPr>
-          </a:p>
-        </p:txBody>
-      </p:sp>
-      <p:pic>
-        <p:nvPicPr>
-          <p:cNvPr id="1026" name="Picture 2" descr="d761e6d54c8982e883fe8693d3d29092.png (1024×903)"/>
-          <p:cNvPicPr>
-            <a:picLocks noChangeAspect="1" noChangeArrowheads="1"/>
-          </p:cNvPicPr>
-          <p:nvPr/>
-        </p:nvPicPr>
-        <p:blipFill>
-          <a:blip r:embed="rId2">
-            <a:extLst>
-              <a:ext uri="{28A0092B-C50C-407E-A947-70E740481C1C}">
-                <a14:useLocalDpi xmlns:a14="http://schemas.microsoft.com/office/drawing/2010/main" val="0"/>
-              </a:ext>
-            </a:extLst>
-          </a:blip>
-          <a:srcRect/>
-          <a:stretch>
-            <a:fillRect/>
-          </a:stretch>
-        </p:blipFill>
-        <p:spPr bwMode="auto">
-          <a:xfrm>
-            <a:off x="6608618" y="1435223"/>
-            <a:ext cx="4528039" cy="3992988"/>
-          </a:xfrm>
-          <a:prstGeom prst="rect">
-            <a:avLst/>
-          </a:prstGeom>
-          <a:noFill/>
-          <a:extLst>
-            <a:ext uri="{909E8E84-426E-40DD-AFC4-6F175D3DCCD1}">
-              <a14:hiddenFill xmlns:a14="http://schemas.microsoft.com/office/drawing/2010/main">
-                <a:solidFill>
-                  <a:srgbClr val="FFFFFF"/>
-                </a:solidFill>
-              </a14:hiddenFill>
-            </a:ext>
-          </a:extLst>
-        </p:spPr>
-      </p:pic>
-    </p:spTree>
-    <p:extLst>
-      <p:ext uri="{BB962C8B-B14F-4D97-AF65-F5344CB8AC3E}">
-        <p14:creationId xmlns:p14="http://schemas.microsoft.com/office/powerpoint/2010/main" val="1691856065"/>
-      </p:ext>
-    </p:extLst>
-  </p:cSld>
-  <p:clrMapOvr>
-    <a:masterClrMapping/>
-  </p:clrMapOvr>
-  <p:timing>
-    <p:tnLst>
-      <p:par>
-        <p:cTn id="1" dur="indefinite" restart="never" nodeType="tmRoot"/>
-      </p:par>
-    </p:tnLst>
-  </p:timing>
-</p:sld>
-</file>
-
-<file path=ppt/slides/slide4.xml><?xml version="1.0" encoding="utf-8"?>
-<p:sld xmlns:a="http://schemas.openxmlformats.org/drawingml/2006/main" xmlns:r="http://schemas.openxmlformats.org/officeDocument/2006/relationships" xmlns:p="http://schemas.openxmlformats.org/presentationml/2006/main">
-  <p:cSld>
-    <p:spTree>
-      <p:nvGrpSpPr>
-        <p:cNvPr id="1" name=""/>
-        <p:cNvGrpSpPr/>
-        <p:nvPr/>
-      </p:nvGrpSpPr>
-      <p:grpSpPr>
-        <a:xfrm>
-          <a:off x="0" y="0"/>
-          <a:ext cx="0" cy="0"/>
-          <a:chOff x="0" y="0"/>
-          <a:chExt cx="0" cy="0"/>
-        </a:xfrm>
-      </p:grpSpPr>
-      <p:sp>
-        <p:nvSpPr>
-          <p:cNvPr id="2" name="Заголовок 1"/>
-          <p:cNvSpPr>
-            <a:spLocks noGrp="1"/>
-          </p:cNvSpPr>
-          <p:nvPr>
-            <p:ph type="title"/>
-          </p:nvPr>
-        </p:nvSpPr>
-        <p:spPr>
-          <a:xfrm>
-            <a:off x="288759" y="58763"/>
-            <a:ext cx="11735484" cy="824589"/>
-          </a:xfrm>
-        </p:spPr>
-        <p:txBody>
-          <a:bodyPr>
-            <a:normAutofit fontScale="90000"/>
-          </a:bodyPr>
-          <a:lstStyle/>
-          <a:p>
-            <a:pPr algn="ctr">
-              <a:lnSpc>
-                <a:spcPct val="100000"/>
-              </a:lnSpc>
-            </a:pPr>
-            <a:r>
-              <a:rPr lang="ru-RU" sz="4900" dirty="0">
-                <a:latin typeface="Times New Roman" panose="02020603050405020304" pitchFamily="18" charset="0"/>
-                <a:cs typeface="Times New Roman" panose="02020603050405020304" pitchFamily="18" charset="0"/>
-              </a:rPr>
-              <a:t>Формализованные </a:t>
-            </a:r>
-            <a:r>
-              <a:rPr lang="ru-RU" sz="4900" dirty="0" smtClean="0">
-                <a:latin typeface="Times New Roman" panose="02020603050405020304" pitchFamily="18" charset="0"/>
-                <a:cs typeface="Times New Roman" panose="02020603050405020304" pitchFamily="18" charset="0"/>
-              </a:rPr>
-              <a:t>требования</a:t>
-            </a:r>
-            <a:endParaRPr lang="ru-RU" sz="2400" dirty="0">
-              <a:latin typeface="Times New Roman" panose="02020603050405020304" pitchFamily="18" charset="0"/>
-              <a:cs typeface="Times New Roman" panose="02020603050405020304" pitchFamily="18" charset="0"/>
-            </a:endParaRPr>
-          </a:p>
-        </p:txBody>
-      </p:sp>
-      <p:sp>
-        <p:nvSpPr>
-          <p:cNvPr id="5" name="Номер слайда 4"/>
-          <p:cNvSpPr>
-            <a:spLocks noGrp="1"/>
-          </p:cNvSpPr>
-          <p:nvPr>
-            <p:ph type="sldNum" sz="quarter" idx="12"/>
-          </p:nvPr>
-        </p:nvSpPr>
-        <p:spPr/>
-        <p:txBody>
-          <a:bodyPr/>
-          <a:lstStyle/>
-          <a:p>
-            <a:fld id="{D57F1E4F-1CFF-5643-939E-217C01CDF565}" type="slidenum">
-              <a:rPr lang="en-US" smtClean="0"/>
-              <a:pPr/>
-              <a:t>4</a:t>
-            </a:fld>
-            <a:endParaRPr lang="en-US" dirty="0"/>
-          </a:p>
-        </p:txBody>
-      </p:sp>
-      <p:sp>
-        <p:nvSpPr>
-          <p:cNvPr id="8" name="Прямоугольник 7"/>
-          <p:cNvSpPr/>
-          <p:nvPr/>
-        </p:nvSpPr>
-        <p:spPr>
-          <a:xfrm>
-            <a:off x="455409" y="6174688"/>
-            <a:ext cx="3684329" cy="307777"/>
-          </a:xfrm>
-          <a:prstGeom prst="rect">
-            <a:avLst/>
-          </a:prstGeom>
-        </p:spPr>
-        <p:txBody>
-          <a:bodyPr wrap="square">
-            <a:spAutoFit/>
-          </a:bodyPr>
-          <a:lstStyle/>
-          <a:p>
-            <a:r>
-              <a:rPr lang="ru-RU" sz="1400" dirty="0">
-                <a:latin typeface="Times New Roman" panose="02020603050405020304" pitchFamily="18" charset="0"/>
-                <a:cs typeface="Times New Roman" panose="02020603050405020304" pitchFamily="18" charset="0"/>
-              </a:rPr>
-              <a:t>Рис. </a:t>
-            </a:r>
-            <a:r>
-              <a:rPr lang="ru-RU" sz="1400" dirty="0" smtClean="0">
-                <a:latin typeface="Times New Roman" panose="02020603050405020304" pitchFamily="18" charset="0"/>
-                <a:cs typeface="Times New Roman" panose="02020603050405020304" pitchFamily="18" charset="0"/>
-              </a:rPr>
-              <a:t>2</a:t>
-            </a:r>
-            <a:r>
-              <a:rPr lang="en-US" sz="1400" dirty="0" smtClean="0">
-                <a:latin typeface="Times New Roman" panose="02020603050405020304" pitchFamily="18" charset="0"/>
-                <a:cs typeface="Times New Roman" panose="02020603050405020304" pitchFamily="18" charset="0"/>
-              </a:rPr>
-              <a:t> </a:t>
-            </a:r>
-            <a:r>
-              <a:rPr lang="en-US" sz="1400" dirty="0">
-                <a:latin typeface="Times New Roman" panose="02020603050405020304" pitchFamily="18" charset="0"/>
-                <a:cs typeface="Times New Roman" panose="02020603050405020304" pitchFamily="18" charset="0"/>
-              </a:rPr>
-              <a:t>–</a:t>
-            </a:r>
-            <a:r>
-              <a:rPr lang="ru-RU" sz="1400" dirty="0" smtClean="0">
-                <a:latin typeface="Times New Roman" panose="02020603050405020304" pitchFamily="18" charset="0"/>
-                <a:cs typeface="Times New Roman" panose="02020603050405020304" pitchFamily="18" charset="0"/>
-              </a:rPr>
-              <a:t> Место приложения в цифровой среде</a:t>
-            </a:r>
-            <a:endParaRPr lang="ru-RU" sz="1400" dirty="0">
-              <a:latin typeface="Times New Roman" panose="02020603050405020304" pitchFamily="18" charset="0"/>
-              <a:cs typeface="Times New Roman" panose="02020603050405020304" pitchFamily="18" charset="0"/>
-            </a:endParaRPr>
-          </a:p>
-        </p:txBody>
-      </p:sp>
-      <p:sp>
-        <p:nvSpPr>
-          <p:cNvPr id="9" name="Прямоугольник 8"/>
-          <p:cNvSpPr/>
-          <p:nvPr/>
-        </p:nvSpPr>
-        <p:spPr>
-          <a:xfrm>
-            <a:off x="8516287" y="5811110"/>
-            <a:ext cx="2837513" cy="307777"/>
-          </a:xfrm>
-          <a:prstGeom prst="rect">
-            <a:avLst/>
-          </a:prstGeom>
-        </p:spPr>
-        <p:txBody>
-          <a:bodyPr wrap="square">
-            <a:spAutoFit/>
-          </a:bodyPr>
-          <a:lstStyle/>
-          <a:p>
-            <a:r>
-              <a:rPr lang="ru-RU" sz="1400" dirty="0">
-                <a:latin typeface="Times New Roman" panose="02020603050405020304" pitchFamily="18" charset="0"/>
-                <a:cs typeface="Times New Roman" panose="02020603050405020304" pitchFamily="18" charset="0"/>
-              </a:rPr>
-              <a:t>Рис. </a:t>
-            </a:r>
-            <a:r>
-              <a:rPr lang="ru-RU" sz="1400" dirty="0" smtClean="0">
-                <a:latin typeface="Times New Roman" panose="02020603050405020304" pitchFamily="18" charset="0"/>
-                <a:cs typeface="Times New Roman" panose="02020603050405020304" pitchFamily="18" charset="0"/>
-              </a:rPr>
-              <a:t>3</a:t>
-            </a:r>
-            <a:r>
-              <a:rPr lang="en-US" sz="1400" dirty="0" smtClean="0">
-                <a:latin typeface="Times New Roman" panose="02020603050405020304" pitchFamily="18" charset="0"/>
-                <a:cs typeface="Times New Roman" panose="02020603050405020304" pitchFamily="18" charset="0"/>
-              </a:rPr>
-              <a:t> </a:t>
-            </a:r>
-            <a:r>
-              <a:rPr lang="en-US" sz="1400" dirty="0">
-                <a:latin typeface="Times New Roman" panose="02020603050405020304" pitchFamily="18" charset="0"/>
-                <a:cs typeface="Times New Roman" panose="02020603050405020304" pitchFamily="18" charset="0"/>
-              </a:rPr>
-              <a:t>–</a:t>
-            </a:r>
-            <a:r>
-              <a:rPr lang="ru-RU" sz="1400" dirty="0" smtClean="0">
-                <a:latin typeface="Times New Roman" panose="02020603050405020304" pitchFamily="18" charset="0"/>
-                <a:cs typeface="Times New Roman" panose="02020603050405020304" pitchFamily="18" charset="0"/>
-              </a:rPr>
-              <a:t> Варианты использования</a:t>
-            </a:r>
-            <a:endParaRPr lang="ru-RU" sz="1400" dirty="0">
-              <a:latin typeface="Times New Roman" panose="02020603050405020304" pitchFamily="18" charset="0"/>
-              <a:cs typeface="Times New Roman" panose="02020603050405020304" pitchFamily="18" charset="0"/>
-            </a:endParaRPr>
-          </a:p>
-        </p:txBody>
-      </p:sp>
-      <p:sp>
-        <p:nvSpPr>
-          <p:cNvPr id="10" name="Нижний колонтитул 3"/>
-          <p:cNvSpPr>
-            <a:spLocks noGrp="1"/>
-          </p:cNvSpPr>
-          <p:nvPr>
-            <p:ph type="ftr" sz="quarter" idx="11"/>
-          </p:nvPr>
-        </p:nvSpPr>
-        <p:spPr>
-          <a:xfrm>
-            <a:off x="684210" y="6356350"/>
-            <a:ext cx="10380029" cy="365125"/>
-          </a:xfrm>
-        </p:spPr>
-        <p:txBody>
-          <a:bodyPr/>
-          <a:lstStyle/>
-          <a:p>
-            <a:r>
-              <a:rPr lang="ru-RU" dirty="0">
-                <a:latin typeface="Times New Roman" panose="02020603050405020304" pitchFamily="18" charset="0"/>
-                <a:cs typeface="Times New Roman" panose="02020603050405020304" pitchFamily="18" charset="0"/>
-              </a:rPr>
-              <a:t>Реализация прототипа мобильного приложения «Список покупок» на базе операционной </a:t>
-            </a:r>
-            <a:r>
-              <a:rPr lang="ru-RU" dirty="0" smtClean="0">
-                <a:latin typeface="Times New Roman" panose="02020603050405020304" pitchFamily="18" charset="0"/>
-                <a:cs typeface="Times New Roman" panose="02020603050405020304" pitchFamily="18" charset="0"/>
-              </a:rPr>
-              <a:t>системы</a:t>
-            </a:r>
-            <a:r>
-              <a:rPr lang="en-US" dirty="0">
-                <a:latin typeface="Times New Roman" panose="02020603050405020304" pitchFamily="18" charset="0"/>
-                <a:cs typeface="Times New Roman" panose="02020603050405020304" pitchFamily="18" charset="0"/>
-              </a:rPr>
-              <a:t> Android</a:t>
-            </a:r>
-            <a:r>
-              <a:rPr lang="ru-RU" dirty="0" smtClean="0">
-                <a:latin typeface="Times New Roman" panose="02020603050405020304" pitchFamily="18" charset="0"/>
-                <a:cs typeface="Times New Roman" panose="02020603050405020304" pitchFamily="18" charset="0"/>
-              </a:rPr>
-              <a:t>. </a:t>
-            </a:r>
-            <a:r>
-              <a:rPr lang="ru-RU" dirty="0">
-                <a:latin typeface="Times New Roman" panose="02020603050405020304" pitchFamily="18" charset="0"/>
-                <a:cs typeface="Times New Roman" panose="02020603050405020304" pitchFamily="18" charset="0"/>
-              </a:rPr>
-              <a:t>Ленский И.И.</a:t>
-            </a:r>
-            <a:endParaRPr lang="en-US" dirty="0">
-              <a:latin typeface="Times New Roman" panose="02020603050405020304" pitchFamily="18" charset="0"/>
-              <a:cs typeface="Times New Roman" panose="02020603050405020304" pitchFamily="18" charset="0"/>
-            </a:endParaRPr>
-          </a:p>
-        </p:txBody>
-      </p:sp>
-      <p:pic>
-        <p:nvPicPr>
-          <p:cNvPr id="3" name="Рисунок 2"/>
-          <p:cNvPicPr>
-            <a:picLocks noChangeAspect="1"/>
-          </p:cNvPicPr>
-          <p:nvPr/>
-        </p:nvPicPr>
-        <p:blipFill>
-          <a:blip r:embed="rId2">
-            <a:extLst>
-              <a:ext uri="{28A0092B-C50C-407E-A947-70E740481C1C}">
-                <a14:useLocalDpi xmlns:a14="http://schemas.microsoft.com/office/drawing/2010/main" val="0"/>
-              </a:ext>
-            </a:extLst>
-          </a:blip>
-          <a:stretch>
-            <a:fillRect/>
-          </a:stretch>
-        </p:blipFill>
-        <p:spPr>
-          <a:xfrm>
-            <a:off x="5613979" y="954319"/>
-            <a:ext cx="5827308" cy="4843796"/>
-          </a:xfrm>
-          <a:prstGeom prst="rect">
-            <a:avLst/>
-          </a:prstGeom>
-        </p:spPr>
-      </p:pic>
-      <p:pic>
-        <p:nvPicPr>
-          <p:cNvPr id="11" name="Рисунок 10"/>
-          <p:cNvPicPr>
-            <a:picLocks noChangeAspect="1"/>
-          </p:cNvPicPr>
-          <p:nvPr/>
-        </p:nvPicPr>
-        <p:blipFill>
-          <a:blip r:embed="rId3">
-            <a:extLst>
-              <a:ext uri="{28A0092B-C50C-407E-A947-70E740481C1C}">
-                <a14:useLocalDpi xmlns:a14="http://schemas.microsoft.com/office/drawing/2010/main" val="0"/>
-              </a:ext>
-            </a:extLst>
-          </a:blip>
-          <a:stretch>
-            <a:fillRect/>
-          </a:stretch>
-        </p:blipFill>
-        <p:spPr>
-          <a:xfrm>
-            <a:off x="1480363" y="914793"/>
-            <a:ext cx="3550660" cy="5322826"/>
-          </a:xfrm>
-          <a:prstGeom prst="rect">
-            <a:avLst/>
-          </a:prstGeom>
-        </p:spPr>
-      </p:pic>
-    </p:spTree>
-    <p:extLst>
-      <p:ext uri="{BB962C8B-B14F-4D97-AF65-F5344CB8AC3E}">
-        <p14:creationId xmlns:p14="http://schemas.microsoft.com/office/powerpoint/2010/main" val="721836933"/>
-      </p:ext>
-    </p:extLst>
-  </p:cSld>
-  <p:clrMapOvr>
-    <a:masterClrMapping/>
-  </p:clrMapOvr>
-  <p:timing>
-    <p:tnLst>
-      <p:par>
-        <p:cTn id="1" dur="indefinite" restart="never" nodeType="tmRoot"/>
-      </p:par>
-    </p:tnLst>
-  </p:timing>
-</p:sld>
-</file>
-
-<file path=ppt/slides/slide5.xml><?xml version="1.0" encoding="utf-8"?>
-<p:sld xmlns:a="http://schemas.openxmlformats.org/drawingml/2006/main" xmlns:r="http://schemas.openxmlformats.org/officeDocument/2006/relationships" xmlns:p="http://schemas.openxmlformats.org/presentationml/2006/main">
-  <p:cSld>
-    <p:spTree>
-      <p:nvGrpSpPr>
-        <p:cNvPr id="1" name=""/>
-        <p:cNvGrpSpPr/>
-        <p:nvPr/>
-      </p:nvGrpSpPr>
-      <p:grpSpPr>
-        <a:xfrm>
-          <a:off x="0" y="0"/>
-          <a:ext cx="0" cy="0"/>
-          <a:chOff x="0" y="0"/>
-          <a:chExt cx="0" cy="0"/>
-        </a:xfrm>
-      </p:grpSpPr>
-      <p:sp>
-        <p:nvSpPr>
-          <p:cNvPr id="2" name="Заголовок 1"/>
-          <p:cNvSpPr>
-            <a:spLocks noGrp="1"/>
-          </p:cNvSpPr>
-          <p:nvPr>
-            <p:ph type="title"/>
-          </p:nvPr>
-        </p:nvSpPr>
-        <p:spPr>
-          <a:xfrm>
-            <a:off x="684211" y="117463"/>
-            <a:ext cx="10821233" cy="630958"/>
-          </a:xfrm>
-        </p:spPr>
-        <p:txBody>
-          <a:bodyPr>
-            <a:noAutofit/>
-          </a:bodyPr>
-          <a:lstStyle/>
-          <a:p>
-            <a:pPr algn="ctr"/>
-            <a:r>
-              <a:rPr lang="ru-RU" dirty="0" smtClean="0">
-                <a:latin typeface="Times New Roman" panose="02020603050405020304" pitchFamily="18" charset="0"/>
-                <a:cs typeface="Times New Roman" panose="02020603050405020304" pitchFamily="18" charset="0"/>
-              </a:rPr>
-              <a:t>Проектирование архитектуры</a:t>
-            </a:r>
-            <a:endParaRPr lang="ru-RU" dirty="0">
-              <a:latin typeface="Times New Roman" panose="02020603050405020304" pitchFamily="18" charset="0"/>
-              <a:cs typeface="Times New Roman" panose="02020603050405020304" pitchFamily="18" charset="0"/>
-            </a:endParaRPr>
-          </a:p>
-        </p:txBody>
-      </p:sp>
-      <p:sp>
-        <p:nvSpPr>
-          <p:cNvPr id="5" name="Номер слайда 4"/>
-          <p:cNvSpPr>
-            <a:spLocks noGrp="1"/>
-          </p:cNvSpPr>
-          <p:nvPr>
-            <p:ph type="sldNum" sz="quarter" idx="12"/>
-          </p:nvPr>
-        </p:nvSpPr>
-        <p:spPr/>
-        <p:txBody>
-          <a:bodyPr/>
-          <a:lstStyle/>
-          <a:p>
-            <a:fld id="{D57F1E4F-1CFF-5643-939E-217C01CDF565}" type="slidenum">
-              <a:rPr lang="en-US" smtClean="0"/>
-              <a:pPr/>
-              <a:t>5</a:t>
-            </a:fld>
-            <a:endParaRPr lang="en-US" dirty="0"/>
-          </a:p>
-        </p:txBody>
-      </p:sp>
-      <p:sp>
-        <p:nvSpPr>
-          <p:cNvPr id="7" name="Нижний колонтитул 3"/>
-          <p:cNvSpPr>
-            <a:spLocks noGrp="1"/>
-          </p:cNvSpPr>
-          <p:nvPr>
-            <p:ph type="ftr" sz="quarter" idx="11"/>
-          </p:nvPr>
-        </p:nvSpPr>
-        <p:spPr>
-          <a:xfrm>
-            <a:off x="684210" y="6356350"/>
-            <a:ext cx="10380029" cy="365125"/>
-          </a:xfrm>
-        </p:spPr>
-        <p:txBody>
-          <a:bodyPr/>
-          <a:lstStyle/>
-          <a:p>
-            <a:r>
-              <a:rPr lang="ru-RU" dirty="0">
-                <a:latin typeface="Times New Roman" panose="02020603050405020304" pitchFamily="18" charset="0"/>
-                <a:cs typeface="Times New Roman" panose="02020603050405020304" pitchFamily="18" charset="0"/>
-              </a:rPr>
-              <a:t>Реализация прототипа мобильного приложения «Список покупок» на базе операционной </a:t>
-            </a:r>
-            <a:r>
-              <a:rPr lang="ru-RU" dirty="0" smtClean="0">
-                <a:latin typeface="Times New Roman" panose="02020603050405020304" pitchFamily="18" charset="0"/>
-                <a:cs typeface="Times New Roman" panose="02020603050405020304" pitchFamily="18" charset="0"/>
-              </a:rPr>
-              <a:t>системы</a:t>
-            </a:r>
-            <a:r>
-              <a:rPr lang="en-US" dirty="0">
-                <a:latin typeface="Times New Roman" panose="02020603050405020304" pitchFamily="18" charset="0"/>
-                <a:cs typeface="Times New Roman" panose="02020603050405020304" pitchFamily="18" charset="0"/>
-              </a:rPr>
-              <a:t> Android</a:t>
-            </a:r>
-            <a:r>
-              <a:rPr lang="ru-RU" dirty="0" smtClean="0">
-                <a:latin typeface="Times New Roman" panose="02020603050405020304" pitchFamily="18" charset="0"/>
-                <a:cs typeface="Times New Roman" panose="02020603050405020304" pitchFamily="18" charset="0"/>
-              </a:rPr>
-              <a:t>. </a:t>
-            </a:r>
-            <a:r>
-              <a:rPr lang="ru-RU" dirty="0">
-                <a:latin typeface="Times New Roman" panose="02020603050405020304" pitchFamily="18" charset="0"/>
-                <a:cs typeface="Times New Roman" panose="02020603050405020304" pitchFamily="18" charset="0"/>
-              </a:rPr>
-              <a:t>Ленский И.И.</a:t>
-            </a:r>
-            <a:endParaRPr lang="en-US" dirty="0">
-              <a:latin typeface="Times New Roman" panose="02020603050405020304" pitchFamily="18" charset="0"/>
-              <a:cs typeface="Times New Roman" panose="02020603050405020304" pitchFamily="18" charset="0"/>
-            </a:endParaRPr>
-          </a:p>
-        </p:txBody>
-      </p:sp>
-      <p:pic>
-        <p:nvPicPr>
-          <p:cNvPr id="3" name="Рисунок 2"/>
-          <p:cNvPicPr>
-            <a:picLocks noChangeAspect="1"/>
-          </p:cNvPicPr>
-          <p:nvPr/>
-        </p:nvPicPr>
-        <p:blipFill>
-          <a:blip r:embed="rId2">
-            <a:extLst>
-              <a:ext uri="{28A0092B-C50C-407E-A947-70E740481C1C}">
-                <a14:useLocalDpi xmlns:a14="http://schemas.microsoft.com/office/drawing/2010/main" val="0"/>
-              </a:ext>
-            </a:extLst>
-          </a:blip>
-          <a:stretch>
-            <a:fillRect/>
-          </a:stretch>
-        </p:blipFill>
-        <p:spPr>
-          <a:xfrm>
-            <a:off x="251948" y="856486"/>
-            <a:ext cx="3808328" cy="5607929"/>
-          </a:xfrm>
-          <a:prstGeom prst="rect">
-            <a:avLst/>
-          </a:prstGeom>
-        </p:spPr>
-      </p:pic>
-      <p:pic>
-        <p:nvPicPr>
-          <p:cNvPr id="9" name="Рисунок 8"/>
-          <p:cNvPicPr>
-            <a:picLocks noChangeAspect="1"/>
-          </p:cNvPicPr>
-          <p:nvPr/>
-        </p:nvPicPr>
-        <p:blipFill>
-          <a:blip r:embed="rId3">
-            <a:extLst>
-              <a:ext uri="{28A0092B-C50C-407E-A947-70E740481C1C}">
-                <a14:useLocalDpi xmlns:a14="http://schemas.microsoft.com/office/drawing/2010/main" val="0"/>
-              </a:ext>
-            </a:extLst>
-          </a:blip>
-          <a:stretch>
-            <a:fillRect/>
-          </a:stretch>
-        </p:blipFill>
-        <p:spPr>
-          <a:xfrm>
-            <a:off x="4256117" y="1441563"/>
-            <a:ext cx="7750737" cy="3562700"/>
-          </a:xfrm>
-          <a:prstGeom prst="rect">
-            <a:avLst/>
-          </a:prstGeom>
-        </p:spPr>
-      </p:pic>
-      <p:sp>
-        <p:nvSpPr>
-          <p:cNvPr id="10" name="Прямоугольник 9"/>
-          <p:cNvSpPr/>
-          <p:nvPr/>
-        </p:nvSpPr>
-        <p:spPr>
-          <a:xfrm>
-            <a:off x="6929940" y="5004263"/>
-            <a:ext cx="5190015" cy="307777"/>
-          </a:xfrm>
-          <a:prstGeom prst="rect">
-            <a:avLst/>
-          </a:prstGeom>
-        </p:spPr>
-        <p:txBody>
-          <a:bodyPr wrap="square">
-            <a:spAutoFit/>
-          </a:bodyPr>
-          <a:lstStyle/>
-          <a:p>
-            <a:r>
-              <a:rPr lang="ru-RU" sz="1400" dirty="0">
-                <a:latin typeface="Times New Roman" panose="02020603050405020304" pitchFamily="18" charset="0"/>
-                <a:cs typeface="Times New Roman" panose="02020603050405020304" pitchFamily="18" charset="0"/>
-              </a:rPr>
-              <a:t>Рис. 5</a:t>
-            </a:r>
-            <a:r>
-              <a:rPr lang="en-US" sz="1400" dirty="0" smtClean="0">
-                <a:latin typeface="Times New Roman" panose="02020603050405020304" pitchFamily="18" charset="0"/>
-                <a:cs typeface="Times New Roman" panose="02020603050405020304" pitchFamily="18" charset="0"/>
-              </a:rPr>
-              <a:t> </a:t>
-            </a:r>
-            <a:r>
-              <a:rPr lang="en-US" sz="1400" dirty="0">
-                <a:latin typeface="Times New Roman" panose="02020603050405020304" pitchFamily="18" charset="0"/>
-                <a:cs typeface="Times New Roman" panose="02020603050405020304" pitchFamily="18" charset="0"/>
-              </a:rPr>
-              <a:t>–</a:t>
-            </a:r>
-            <a:r>
-              <a:rPr lang="ru-RU" sz="1400" dirty="0" smtClean="0">
-                <a:latin typeface="Times New Roman" panose="02020603050405020304" pitchFamily="18" charset="0"/>
-                <a:cs typeface="Times New Roman" panose="02020603050405020304" pitchFamily="18" charset="0"/>
-              </a:rPr>
-              <a:t> Диаграмма компонентов</a:t>
-            </a:r>
-            <a:endParaRPr lang="ru-RU" sz="1400" dirty="0">
-              <a:latin typeface="Times New Roman" panose="02020603050405020304" pitchFamily="18" charset="0"/>
-              <a:cs typeface="Times New Roman" panose="02020603050405020304" pitchFamily="18" charset="0"/>
-            </a:endParaRPr>
-          </a:p>
-        </p:txBody>
-      </p:sp>
-      <p:sp>
-        <p:nvSpPr>
-          <p:cNvPr id="11" name="Прямоугольник 10"/>
-          <p:cNvSpPr/>
-          <p:nvPr/>
-        </p:nvSpPr>
-        <p:spPr>
-          <a:xfrm>
-            <a:off x="3945673" y="6048573"/>
-            <a:ext cx="3070270" cy="307777"/>
-          </a:xfrm>
-          <a:prstGeom prst="rect">
-            <a:avLst/>
-          </a:prstGeom>
-        </p:spPr>
-        <p:txBody>
-          <a:bodyPr wrap="square">
-            <a:spAutoFit/>
-          </a:bodyPr>
-          <a:lstStyle/>
-          <a:p>
-            <a:r>
-              <a:rPr lang="ru-RU" sz="1400" dirty="0">
-                <a:latin typeface="Times New Roman" panose="02020603050405020304" pitchFamily="18" charset="0"/>
-                <a:cs typeface="Times New Roman" panose="02020603050405020304" pitchFamily="18" charset="0"/>
-              </a:rPr>
-              <a:t>Рис. 4</a:t>
-            </a:r>
-            <a:r>
-              <a:rPr lang="en-US" sz="1400" dirty="0" smtClean="0">
-                <a:latin typeface="Times New Roman" panose="02020603050405020304" pitchFamily="18" charset="0"/>
-                <a:cs typeface="Times New Roman" panose="02020603050405020304" pitchFamily="18" charset="0"/>
-              </a:rPr>
-              <a:t> </a:t>
-            </a:r>
-            <a:r>
-              <a:rPr lang="en-US" sz="1400" dirty="0">
-                <a:latin typeface="Times New Roman" panose="02020603050405020304" pitchFamily="18" charset="0"/>
-                <a:cs typeface="Times New Roman" panose="02020603050405020304" pitchFamily="18" charset="0"/>
-              </a:rPr>
-              <a:t>–</a:t>
-            </a:r>
-            <a:r>
-              <a:rPr lang="ru-RU" sz="1400" dirty="0" smtClean="0">
-                <a:latin typeface="Times New Roman" panose="02020603050405020304" pitchFamily="18" charset="0"/>
-                <a:cs typeface="Times New Roman" panose="02020603050405020304" pitchFamily="18" charset="0"/>
-              </a:rPr>
-              <a:t> </a:t>
-            </a:r>
-            <a:r>
-              <a:rPr lang="ru-RU" sz="1400" dirty="0">
-                <a:latin typeface="Times New Roman" panose="02020603050405020304" pitchFamily="18" charset="0"/>
-                <a:cs typeface="Times New Roman" panose="02020603050405020304" pitchFamily="18" charset="0"/>
-              </a:rPr>
-              <a:t>Программный стек </a:t>
-            </a:r>
-            <a:r>
-              <a:rPr lang="en-US" sz="1400" dirty="0">
-                <a:latin typeface="Times New Roman" panose="02020603050405020304" pitchFamily="18" charset="0"/>
-                <a:cs typeface="Times New Roman" panose="02020603050405020304" pitchFamily="18" charset="0"/>
-              </a:rPr>
-              <a:t>Android</a:t>
-            </a:r>
-            <a:endParaRPr lang="ru-RU" sz="1400" dirty="0">
-              <a:latin typeface="Times New Roman" panose="02020603050405020304" pitchFamily="18" charset="0"/>
-              <a:cs typeface="Times New Roman" panose="02020603050405020304" pitchFamily="18" charset="0"/>
-            </a:endParaRPr>
-          </a:p>
-        </p:txBody>
-      </p:sp>
-    </p:spTree>
-    <p:extLst>
-      <p:ext uri="{BB962C8B-B14F-4D97-AF65-F5344CB8AC3E}">
-        <p14:creationId xmlns:p14="http://schemas.microsoft.com/office/powerpoint/2010/main" val="2179829885"/>
-      </p:ext>
-    </p:extLst>
-  </p:cSld>
-  <p:clrMapOvr>
-    <a:masterClrMapping/>
-  </p:clrMapOvr>
-  <p:timing>
-    <p:tnLst>
-      <p:par>
-        <p:cTn id="1" dur="indefinite" restart="never" nodeType="tmRoot"/>
-      </p:par>
-    </p:tnLst>
-  </p:timing>
-</p:sld>
-</file>
-
-<file path=ppt/slides/slide6.xml><?xml version="1.0" encoding="utf-8"?>
-<p:sld xmlns:a="http://schemas.openxmlformats.org/drawingml/2006/main" xmlns:r="http://schemas.openxmlformats.org/officeDocument/2006/relationships" xmlns:p="http://schemas.openxmlformats.org/presentationml/2006/main">
-  <p:cSld>
-    <p:spTree>
-      <p:nvGrpSpPr>
-        <p:cNvPr id="1" name=""/>
-        <p:cNvGrpSpPr/>
-        <p:nvPr/>
-      </p:nvGrpSpPr>
-      <p:grpSpPr>
-        <a:xfrm>
-          <a:off x="0" y="0"/>
-          <a:ext cx="0" cy="0"/>
-          <a:chOff x="0" y="0"/>
-          <a:chExt cx="0" cy="0"/>
-        </a:xfrm>
-      </p:grpSpPr>
-      <p:sp>
-        <p:nvSpPr>
-          <p:cNvPr id="5" name="Номер слайда 4"/>
-          <p:cNvSpPr>
-            <a:spLocks noGrp="1"/>
-          </p:cNvSpPr>
-          <p:nvPr>
-            <p:ph type="sldNum" sz="quarter" idx="12"/>
-          </p:nvPr>
-        </p:nvSpPr>
-        <p:spPr/>
-        <p:txBody>
-          <a:bodyPr/>
-          <a:lstStyle/>
-          <a:p>
-            <a:fld id="{D57F1E4F-1CFF-5643-939E-217C01CDF565}" type="slidenum">
-              <a:rPr lang="en-US" smtClean="0"/>
-              <a:pPr/>
-              <a:t>6</a:t>
-            </a:fld>
-            <a:endParaRPr lang="en-US" dirty="0"/>
-          </a:p>
-        </p:txBody>
-      </p:sp>
-      <p:sp>
-        <p:nvSpPr>
-          <p:cNvPr id="7" name="Заголовок 1"/>
-          <p:cNvSpPr txBox="1">
-            <a:spLocks/>
-          </p:cNvSpPr>
-          <p:nvPr/>
-        </p:nvSpPr>
-        <p:spPr>
-          <a:xfrm>
-            <a:off x="231006" y="117463"/>
-            <a:ext cx="11742821" cy="935160"/>
-          </a:xfrm>
-          <a:prstGeom prst="rect">
-            <a:avLst/>
-          </a:prstGeom>
-        </p:spPr>
-        <p:txBody>
-          <a:bodyPr vert="horz" lIns="91440" tIns="45720" rIns="91440" bIns="45720" rtlCol="0" anchor="ctr">
-            <a:noAutofit/>
-          </a:bodyPr>
-          <a:lstStyle>
-            <a:lvl1pPr algn="l" defTabSz="914400" rtl="0" eaLnBrk="1" latinLnBrk="0" hangingPunct="1">
-              <a:lnSpc>
-                <a:spcPct val="90000"/>
-              </a:lnSpc>
-              <a:spcBef>
-                <a:spcPct val="0"/>
-              </a:spcBef>
-              <a:buNone/>
-              <a:defRPr sz="4400" kern="1200">
-                <a:solidFill>
-                  <a:schemeClr val="tx1"/>
-                </a:solidFill>
-                <a:latin typeface="+mj-lt"/>
-                <a:ea typeface="+mj-ea"/>
-                <a:cs typeface="+mj-cs"/>
-              </a:defRPr>
-            </a:lvl1pPr>
-          </a:lstStyle>
-          <a:p>
-            <a:pPr algn="ctr"/>
-            <a:r>
-              <a:rPr lang="ru-RU" dirty="0" smtClean="0">
-                <a:latin typeface="Times New Roman" panose="02020603050405020304" pitchFamily="18" charset="0"/>
-                <a:cs typeface="Times New Roman" panose="02020603050405020304" pitchFamily="18" charset="0"/>
-              </a:rPr>
-              <a:t>Проектирование </a:t>
-            </a:r>
-            <a:r>
-              <a:rPr lang="ru-RU" dirty="0">
-                <a:latin typeface="Times New Roman" panose="02020603050405020304" pitchFamily="18" charset="0"/>
-                <a:cs typeface="Times New Roman" panose="02020603050405020304" pitchFamily="18" charset="0"/>
-              </a:rPr>
-              <a:t>деятельности (состояний)</a:t>
-            </a:r>
-          </a:p>
-        </p:txBody>
-      </p:sp>
-      <p:sp>
-        <p:nvSpPr>
-          <p:cNvPr id="6" name="Нижний колонтитул 3"/>
-          <p:cNvSpPr>
-            <a:spLocks noGrp="1"/>
-          </p:cNvSpPr>
-          <p:nvPr>
-            <p:ph type="ftr" sz="quarter" idx="11"/>
-          </p:nvPr>
-        </p:nvSpPr>
-        <p:spPr>
-          <a:xfrm>
-            <a:off x="684210" y="6356350"/>
-            <a:ext cx="10380029" cy="365125"/>
-          </a:xfrm>
-        </p:spPr>
-        <p:txBody>
-          <a:bodyPr/>
-          <a:lstStyle/>
-          <a:p>
-            <a:r>
-              <a:rPr lang="ru-RU" dirty="0">
-                <a:latin typeface="Times New Roman" panose="02020603050405020304" pitchFamily="18" charset="0"/>
-                <a:cs typeface="Times New Roman" panose="02020603050405020304" pitchFamily="18" charset="0"/>
-              </a:rPr>
-              <a:t>Реализация прототипа мобильного приложения «Список покупок» на базе операционной </a:t>
-            </a:r>
-            <a:r>
-              <a:rPr lang="ru-RU" dirty="0" smtClean="0">
-                <a:latin typeface="Times New Roman" panose="02020603050405020304" pitchFamily="18" charset="0"/>
-                <a:cs typeface="Times New Roman" panose="02020603050405020304" pitchFamily="18" charset="0"/>
-              </a:rPr>
-              <a:t>системы</a:t>
-            </a:r>
-            <a:r>
-              <a:rPr lang="en-US" dirty="0">
-                <a:latin typeface="Times New Roman" panose="02020603050405020304" pitchFamily="18" charset="0"/>
-                <a:cs typeface="Times New Roman" panose="02020603050405020304" pitchFamily="18" charset="0"/>
-              </a:rPr>
-              <a:t> Android</a:t>
-            </a:r>
-            <a:r>
-              <a:rPr lang="ru-RU" dirty="0" smtClean="0">
-                <a:latin typeface="Times New Roman" panose="02020603050405020304" pitchFamily="18" charset="0"/>
-                <a:cs typeface="Times New Roman" panose="02020603050405020304" pitchFamily="18" charset="0"/>
-              </a:rPr>
-              <a:t>. </a:t>
-            </a:r>
-            <a:r>
-              <a:rPr lang="ru-RU" dirty="0">
-                <a:latin typeface="Times New Roman" panose="02020603050405020304" pitchFamily="18" charset="0"/>
-                <a:cs typeface="Times New Roman" panose="02020603050405020304" pitchFamily="18" charset="0"/>
-              </a:rPr>
-              <a:t>Ленский И.И.</a:t>
-            </a:r>
-            <a:endParaRPr lang="en-US" dirty="0">
-              <a:latin typeface="Times New Roman" panose="02020603050405020304" pitchFamily="18" charset="0"/>
-              <a:cs typeface="Times New Roman" panose="02020603050405020304" pitchFamily="18" charset="0"/>
-            </a:endParaRPr>
-          </a:p>
-        </p:txBody>
-      </p:sp>
-      <p:pic>
-        <p:nvPicPr>
-          <p:cNvPr id="2" name="Рисунок 1"/>
-          <p:cNvPicPr>
-            <a:picLocks noChangeAspect="1"/>
-          </p:cNvPicPr>
-          <p:nvPr/>
-        </p:nvPicPr>
-        <p:blipFill>
-          <a:blip r:embed="rId2">
-            <a:extLst>
-              <a:ext uri="{28A0092B-C50C-407E-A947-70E740481C1C}">
-                <a14:useLocalDpi xmlns:a14="http://schemas.microsoft.com/office/drawing/2010/main" val="0"/>
-              </a:ext>
-            </a:extLst>
-          </a:blip>
-          <a:stretch>
-            <a:fillRect/>
-          </a:stretch>
-        </p:blipFill>
-        <p:spPr>
-          <a:xfrm>
-            <a:off x="4023728" y="1052623"/>
-            <a:ext cx="4405377" cy="5255289"/>
-          </a:xfrm>
-          <a:prstGeom prst="rect">
-            <a:avLst/>
-          </a:prstGeom>
-        </p:spPr>
-      </p:pic>
-    </p:spTree>
-    <p:extLst>
-      <p:ext uri="{BB962C8B-B14F-4D97-AF65-F5344CB8AC3E}">
-        <p14:creationId xmlns:p14="http://schemas.microsoft.com/office/powerpoint/2010/main" val="2032965403"/>
-      </p:ext>
-    </p:extLst>
-  </p:cSld>
-  <p:clrMapOvr>
-    <a:masterClrMapping/>
-  </p:clrMapOvr>
-  <p:timing>
-    <p:tnLst>
-      <p:par>
-        <p:cTn id="1" dur="indefinite" restart="never" nodeType="tmRoot"/>
-      </p:par>
-    </p:tnLst>
-  </p:timing>
-</p:sld>
-</file>
-
-<file path=ppt/slides/slide7.xml><?xml version="1.0" encoding="utf-8"?>
-<p:sld xmlns:a="http://schemas.openxmlformats.org/drawingml/2006/main" xmlns:r="http://schemas.openxmlformats.org/officeDocument/2006/relationships" xmlns:p="http://schemas.openxmlformats.org/presentationml/2006/main">
-  <p:cSld>
-    <p:spTree>
-      <p:nvGrpSpPr>
-        <p:cNvPr id="1" name=""/>
-        <p:cNvGrpSpPr/>
-        <p:nvPr/>
-      </p:nvGrpSpPr>
-      <p:grpSpPr>
-        <a:xfrm>
-          <a:off x="0" y="0"/>
-          <a:ext cx="0" cy="0"/>
-          <a:chOff x="0" y="0"/>
-          <a:chExt cx="0" cy="0"/>
-        </a:xfrm>
-      </p:grpSpPr>
-      <p:sp>
-        <p:nvSpPr>
-          <p:cNvPr id="5" name="Номер слайда 4"/>
-          <p:cNvSpPr>
-            <a:spLocks noGrp="1"/>
-          </p:cNvSpPr>
-          <p:nvPr>
-            <p:ph type="sldNum" sz="quarter" idx="12"/>
-          </p:nvPr>
-        </p:nvSpPr>
-        <p:spPr/>
-        <p:txBody>
-          <a:bodyPr/>
-          <a:lstStyle/>
-          <a:p>
-            <a:fld id="{D57F1E4F-1CFF-5643-939E-217C01CDF565}" type="slidenum">
-              <a:rPr lang="en-US" smtClean="0"/>
-              <a:pPr/>
-              <a:t>7</a:t>
-            </a:fld>
-            <a:endParaRPr lang="en-US" dirty="0"/>
-          </a:p>
-        </p:txBody>
-      </p:sp>
-      <p:sp>
-        <p:nvSpPr>
-          <p:cNvPr id="7" name="Заголовок 1"/>
-          <p:cNvSpPr txBox="1">
-            <a:spLocks/>
-          </p:cNvSpPr>
-          <p:nvPr/>
-        </p:nvSpPr>
-        <p:spPr>
-          <a:xfrm>
-            <a:off x="231006" y="117463"/>
-            <a:ext cx="11742821" cy="630958"/>
-          </a:xfrm>
-          <a:prstGeom prst="rect">
-            <a:avLst/>
-          </a:prstGeom>
-        </p:spPr>
-        <p:txBody>
-          <a:bodyPr vert="horz" lIns="91440" tIns="45720" rIns="91440" bIns="45720" rtlCol="0" anchor="ctr">
-            <a:noAutofit/>
-          </a:bodyPr>
-          <a:lstStyle>
-            <a:lvl1pPr algn="l" defTabSz="914400" rtl="0" eaLnBrk="1" latinLnBrk="0" hangingPunct="1">
-              <a:lnSpc>
-                <a:spcPct val="90000"/>
-              </a:lnSpc>
-              <a:spcBef>
-                <a:spcPct val="0"/>
-              </a:spcBef>
-              <a:buNone/>
-              <a:defRPr sz="4400" kern="1200">
-                <a:solidFill>
-                  <a:schemeClr val="tx1"/>
-                </a:solidFill>
-                <a:latin typeface="+mj-lt"/>
-                <a:ea typeface="+mj-ea"/>
-                <a:cs typeface="+mj-cs"/>
-              </a:defRPr>
-            </a:lvl1pPr>
-          </a:lstStyle>
-          <a:p>
-            <a:pPr algn="ctr"/>
-            <a:r>
-              <a:rPr lang="ru-RU" dirty="0" smtClean="0">
-                <a:latin typeface="Times New Roman" panose="02020603050405020304" pitchFamily="18" charset="0"/>
-                <a:cs typeface="Times New Roman" panose="02020603050405020304" pitchFamily="18" charset="0"/>
-              </a:rPr>
-              <a:t>Проектирование обмена данными</a:t>
-            </a:r>
-            <a:endParaRPr lang="ru-RU" dirty="0">
-              <a:latin typeface="Times New Roman" panose="02020603050405020304" pitchFamily="18" charset="0"/>
-              <a:cs typeface="Times New Roman" panose="02020603050405020304" pitchFamily="18" charset="0"/>
-            </a:endParaRPr>
-          </a:p>
-        </p:txBody>
-      </p:sp>
-      <p:sp>
-        <p:nvSpPr>
-          <p:cNvPr id="8" name="Прямоугольник 7"/>
-          <p:cNvSpPr/>
-          <p:nvPr/>
-        </p:nvSpPr>
-        <p:spPr>
-          <a:xfrm>
-            <a:off x="7077952" y="5620478"/>
-            <a:ext cx="3519390" cy="523220"/>
-          </a:xfrm>
-          <a:prstGeom prst="rect">
-            <a:avLst/>
-          </a:prstGeom>
-        </p:spPr>
-        <p:txBody>
-          <a:bodyPr wrap="square">
-            <a:spAutoFit/>
-          </a:bodyPr>
-          <a:lstStyle/>
-          <a:p>
-            <a:r>
-              <a:rPr lang="ru-RU" sz="1400" dirty="0" smtClean="0">
-                <a:latin typeface="Times New Roman" panose="02020603050405020304" pitchFamily="18" charset="0"/>
-                <a:cs typeface="Times New Roman" panose="02020603050405020304" pitchFamily="18" charset="0"/>
-              </a:rPr>
-              <a:t>Диаграмма обмена данными на примере диаграммы последовательности.</a:t>
-            </a:r>
-          </a:p>
-        </p:txBody>
-      </p:sp>
-      <p:sp>
-        <p:nvSpPr>
-          <p:cNvPr id="9" name="Нижний колонтитул 3"/>
-          <p:cNvSpPr>
-            <a:spLocks noGrp="1"/>
-          </p:cNvSpPr>
-          <p:nvPr>
-            <p:ph type="ftr" sz="quarter" idx="11"/>
-          </p:nvPr>
-        </p:nvSpPr>
-        <p:spPr>
-          <a:xfrm>
-            <a:off x="684210" y="6356350"/>
-            <a:ext cx="10380029" cy="365125"/>
-          </a:xfrm>
-        </p:spPr>
-        <p:txBody>
-          <a:bodyPr/>
-          <a:lstStyle/>
-          <a:p>
-            <a:r>
-              <a:rPr lang="ru-RU" dirty="0">
-                <a:latin typeface="Times New Roman" panose="02020603050405020304" pitchFamily="18" charset="0"/>
-                <a:cs typeface="Times New Roman" panose="02020603050405020304" pitchFamily="18" charset="0"/>
-              </a:rPr>
-              <a:t>Реализация прототипа мобильного приложения «Список покупок» на базе операционной </a:t>
-            </a:r>
-            <a:r>
-              <a:rPr lang="ru-RU" dirty="0" smtClean="0">
-                <a:latin typeface="Times New Roman" panose="02020603050405020304" pitchFamily="18" charset="0"/>
-                <a:cs typeface="Times New Roman" panose="02020603050405020304" pitchFamily="18" charset="0"/>
-              </a:rPr>
-              <a:t>системы</a:t>
-            </a:r>
-            <a:r>
-              <a:rPr lang="en-US" dirty="0">
-                <a:latin typeface="Times New Roman" panose="02020603050405020304" pitchFamily="18" charset="0"/>
-                <a:cs typeface="Times New Roman" panose="02020603050405020304" pitchFamily="18" charset="0"/>
-              </a:rPr>
-              <a:t> Android</a:t>
-            </a:r>
-            <a:r>
-              <a:rPr lang="ru-RU" dirty="0" smtClean="0">
-                <a:latin typeface="Times New Roman" panose="02020603050405020304" pitchFamily="18" charset="0"/>
-                <a:cs typeface="Times New Roman" panose="02020603050405020304" pitchFamily="18" charset="0"/>
-              </a:rPr>
-              <a:t>. </a:t>
-            </a:r>
-            <a:r>
-              <a:rPr lang="ru-RU" dirty="0">
-                <a:latin typeface="Times New Roman" panose="02020603050405020304" pitchFamily="18" charset="0"/>
-                <a:cs typeface="Times New Roman" panose="02020603050405020304" pitchFamily="18" charset="0"/>
-              </a:rPr>
-              <a:t>Ленский И.И.</a:t>
-            </a:r>
-            <a:endParaRPr lang="en-US" dirty="0">
-              <a:latin typeface="Times New Roman" panose="02020603050405020304" pitchFamily="18" charset="0"/>
-              <a:cs typeface="Times New Roman" panose="02020603050405020304" pitchFamily="18" charset="0"/>
-            </a:endParaRPr>
-          </a:p>
-        </p:txBody>
-      </p:sp>
-      <p:pic>
-        <p:nvPicPr>
-          <p:cNvPr id="6" name="Рисунок 5"/>
-          <p:cNvPicPr>
-            <a:picLocks noChangeAspect="1"/>
-          </p:cNvPicPr>
-          <p:nvPr/>
-        </p:nvPicPr>
-        <p:blipFill>
-          <a:blip r:embed="rId2">
-            <a:extLst>
-              <a:ext uri="{28A0092B-C50C-407E-A947-70E740481C1C}">
-                <a14:useLocalDpi xmlns:a14="http://schemas.microsoft.com/office/drawing/2010/main" val="0"/>
-              </a:ext>
-            </a:extLst>
-          </a:blip>
-          <a:stretch>
-            <a:fillRect/>
-          </a:stretch>
-        </p:blipFill>
-        <p:spPr>
-          <a:xfrm>
-            <a:off x="3091077" y="886258"/>
-            <a:ext cx="3920373" cy="5332255"/>
-          </a:xfrm>
-          <a:prstGeom prst="rect">
-            <a:avLst/>
-          </a:prstGeom>
-        </p:spPr>
-      </p:pic>
-    </p:spTree>
-    <p:extLst>
-      <p:ext uri="{BB962C8B-B14F-4D97-AF65-F5344CB8AC3E}">
-        <p14:creationId xmlns:p14="http://schemas.microsoft.com/office/powerpoint/2010/main" val="3206032230"/>
-      </p:ext>
-    </p:extLst>
-  </p:cSld>
-  <p:clrMapOvr>
-    <a:masterClrMapping/>
-  </p:clrMapOvr>
-  <p:timing>
-    <p:tnLst>
-      <p:par>
-        <p:cTn id="1" dur="indefinite" restart="never" nodeType="tmRoot"/>
-      </p:par>
-    </p:tnLst>
-  </p:timing>
-</p:sld>
-</file>
-
-<file path=ppt/slides/slide8.xml><?xml version="1.0" encoding="utf-8"?>
-<p:sld xmlns:a="http://schemas.openxmlformats.org/drawingml/2006/main" xmlns:r="http://schemas.openxmlformats.org/officeDocument/2006/relationships" xmlns:p="http://schemas.openxmlformats.org/presentationml/2006/main">
-  <p:cSld>
-    <p:spTree>
-      <p:nvGrpSpPr>
-        <p:cNvPr id="1" name=""/>
-        <p:cNvGrpSpPr/>
-        <p:nvPr/>
-      </p:nvGrpSpPr>
-      <p:grpSpPr>
-        <a:xfrm>
-          <a:off x="0" y="0"/>
-          <a:ext cx="0" cy="0"/>
-          <a:chOff x="0" y="0"/>
-          <a:chExt cx="0" cy="0"/>
-        </a:xfrm>
-      </p:grpSpPr>
-      <p:sp>
-        <p:nvSpPr>
-          <p:cNvPr id="5" name="Номер слайда 4"/>
-          <p:cNvSpPr>
-            <a:spLocks noGrp="1"/>
-          </p:cNvSpPr>
-          <p:nvPr>
-            <p:ph type="sldNum" sz="quarter" idx="12"/>
-          </p:nvPr>
-        </p:nvSpPr>
-        <p:spPr/>
-        <p:txBody>
-          <a:bodyPr/>
-          <a:lstStyle/>
-          <a:p>
-            <a:fld id="{D57F1E4F-1CFF-5643-939E-217C01CDF565}" type="slidenum">
-              <a:rPr lang="en-US" smtClean="0"/>
-              <a:pPr/>
-              <a:t>8</a:t>
-            </a:fld>
-            <a:endParaRPr lang="en-US" dirty="0"/>
-          </a:p>
-        </p:txBody>
-      </p:sp>
-      <p:sp>
-        <p:nvSpPr>
-          <p:cNvPr id="7" name="Заголовок 1"/>
-          <p:cNvSpPr txBox="1">
-            <a:spLocks/>
-          </p:cNvSpPr>
-          <p:nvPr/>
-        </p:nvSpPr>
-        <p:spPr>
-          <a:xfrm>
-            <a:off x="231006" y="117463"/>
-            <a:ext cx="11742821" cy="630958"/>
-          </a:xfrm>
-          <a:prstGeom prst="rect">
-            <a:avLst/>
-          </a:prstGeom>
-        </p:spPr>
-        <p:txBody>
-          <a:bodyPr vert="horz" lIns="91440" tIns="45720" rIns="91440" bIns="45720" rtlCol="0" anchor="ctr">
-            <a:noAutofit/>
-          </a:bodyPr>
-          <a:lstStyle>
-            <a:lvl1pPr algn="l" defTabSz="914400" rtl="0" eaLnBrk="1" latinLnBrk="0" hangingPunct="1">
-              <a:lnSpc>
-                <a:spcPct val="90000"/>
-              </a:lnSpc>
-              <a:spcBef>
-                <a:spcPct val="0"/>
-              </a:spcBef>
-              <a:buNone/>
-              <a:defRPr sz="4400" kern="1200">
-                <a:solidFill>
-                  <a:schemeClr val="tx1"/>
-                </a:solidFill>
-                <a:latin typeface="+mj-lt"/>
-                <a:ea typeface="+mj-ea"/>
-                <a:cs typeface="+mj-cs"/>
-              </a:defRPr>
-            </a:lvl1pPr>
-          </a:lstStyle>
-          <a:p>
-            <a:pPr algn="ctr"/>
-            <a:r>
-              <a:rPr lang="ru-RU" dirty="0" smtClean="0">
-                <a:latin typeface="Times New Roman" panose="02020603050405020304" pitchFamily="18" charset="0"/>
-                <a:cs typeface="Times New Roman" panose="02020603050405020304" pitchFamily="18" charset="0"/>
-              </a:rPr>
-              <a:t>Проектирование диаграммы классов</a:t>
-            </a:r>
-            <a:endParaRPr lang="ru-RU" dirty="0">
-              <a:latin typeface="Times New Roman" panose="02020603050405020304" pitchFamily="18" charset="0"/>
-              <a:cs typeface="Times New Roman" panose="02020603050405020304" pitchFamily="18" charset="0"/>
-            </a:endParaRPr>
-          </a:p>
-        </p:txBody>
-      </p:sp>
-      <p:sp>
-        <p:nvSpPr>
-          <p:cNvPr id="9" name="Нижний колонтитул 3"/>
-          <p:cNvSpPr>
-            <a:spLocks noGrp="1"/>
-          </p:cNvSpPr>
-          <p:nvPr>
-            <p:ph type="ftr" sz="quarter" idx="11"/>
-          </p:nvPr>
-        </p:nvSpPr>
-        <p:spPr>
-          <a:xfrm>
-            <a:off x="684210" y="6356350"/>
-            <a:ext cx="10380029" cy="365125"/>
-          </a:xfrm>
-        </p:spPr>
-        <p:txBody>
-          <a:bodyPr/>
-          <a:lstStyle/>
-          <a:p>
-            <a:r>
-              <a:rPr lang="ru-RU" dirty="0">
-                <a:latin typeface="Times New Roman" panose="02020603050405020304" pitchFamily="18" charset="0"/>
-                <a:cs typeface="Times New Roman" panose="02020603050405020304" pitchFamily="18" charset="0"/>
-              </a:rPr>
-              <a:t>Реализация прототипа мобильного приложения «Список покупок» на базе операционной </a:t>
-            </a:r>
-            <a:r>
-              <a:rPr lang="ru-RU" dirty="0" smtClean="0">
-                <a:latin typeface="Times New Roman" panose="02020603050405020304" pitchFamily="18" charset="0"/>
-                <a:cs typeface="Times New Roman" panose="02020603050405020304" pitchFamily="18" charset="0"/>
-              </a:rPr>
-              <a:t>системы</a:t>
-            </a:r>
-            <a:r>
-              <a:rPr lang="en-US" dirty="0">
-                <a:latin typeface="Times New Roman" panose="02020603050405020304" pitchFamily="18" charset="0"/>
-                <a:cs typeface="Times New Roman" panose="02020603050405020304" pitchFamily="18" charset="0"/>
-              </a:rPr>
-              <a:t> Android</a:t>
-            </a:r>
-            <a:r>
-              <a:rPr lang="ru-RU" dirty="0" smtClean="0">
-                <a:latin typeface="Times New Roman" panose="02020603050405020304" pitchFamily="18" charset="0"/>
-                <a:cs typeface="Times New Roman" panose="02020603050405020304" pitchFamily="18" charset="0"/>
-              </a:rPr>
-              <a:t>. </a:t>
-            </a:r>
-            <a:r>
-              <a:rPr lang="ru-RU" dirty="0">
-                <a:latin typeface="Times New Roman" panose="02020603050405020304" pitchFamily="18" charset="0"/>
-                <a:cs typeface="Times New Roman" panose="02020603050405020304" pitchFamily="18" charset="0"/>
-              </a:rPr>
-              <a:t>Ленский И.И.</a:t>
-            </a:r>
-            <a:endParaRPr lang="en-US" dirty="0">
-              <a:latin typeface="Times New Roman" panose="02020603050405020304" pitchFamily="18" charset="0"/>
-              <a:cs typeface="Times New Roman" panose="02020603050405020304" pitchFamily="18" charset="0"/>
-            </a:endParaRPr>
-          </a:p>
-        </p:txBody>
-      </p:sp>
-      <p:pic>
-        <p:nvPicPr>
-          <p:cNvPr id="4" name="Рисунок 3"/>
-          <p:cNvPicPr>
-            <a:picLocks noChangeAspect="1"/>
-          </p:cNvPicPr>
-          <p:nvPr/>
-        </p:nvPicPr>
-        <p:blipFill>
-          <a:blip r:embed="rId2">
-            <a:extLst>
-              <a:ext uri="{28A0092B-C50C-407E-A947-70E740481C1C}">
-                <a14:useLocalDpi xmlns:a14="http://schemas.microsoft.com/office/drawing/2010/main" val="0"/>
-              </a:ext>
-            </a:extLst>
-          </a:blip>
-          <a:stretch>
-            <a:fillRect/>
-          </a:stretch>
-        </p:blipFill>
-        <p:spPr>
-          <a:xfrm>
-            <a:off x="872836" y="792912"/>
-            <a:ext cx="10704022" cy="5563438"/>
-          </a:xfrm>
-          <a:prstGeom prst="rect">
-            <a:avLst/>
-          </a:prstGeom>
-        </p:spPr>
-      </p:pic>
-    </p:spTree>
-    <p:extLst>
-      <p:ext uri="{BB962C8B-B14F-4D97-AF65-F5344CB8AC3E}">
-        <p14:creationId xmlns:p14="http://schemas.microsoft.com/office/powerpoint/2010/main" val="3868272982"/>
-      </p:ext>
-    </p:extLst>
-  </p:cSld>
-  <p:clrMapOvr>
-    <a:masterClrMapping/>
-  </p:clrMapOvr>
-  <p:timing>
-    <p:tnLst>
-      <p:par>
-        <p:cTn id="1" dur="indefinite" restart="never" nodeType="tmRoot"/>
-      </p:par>
-    </p:tnLst>
-  </p:timing>
-</p:sld>
-</file>
-
-<file path=ppt/slides/slide9.xml><?xml version="1.0" encoding="utf-8"?>
-<p:sld xmlns:a="http://schemas.openxmlformats.org/drawingml/2006/main" xmlns:r="http://schemas.openxmlformats.org/officeDocument/2006/relationships" xmlns:p="http://schemas.openxmlformats.org/presentationml/2006/main">
-  <p:cSld>
-    <p:spTree>
-      <p:nvGrpSpPr>
-        <p:cNvPr id="1" name=""/>
-        <p:cNvGrpSpPr/>
-        <p:nvPr/>
-      </p:nvGrpSpPr>
-      <p:grpSpPr>
-        <a:xfrm>
-          <a:off x="0" y="0"/>
-          <a:ext cx="0" cy="0"/>
-          <a:chOff x="0" y="0"/>
-          <a:chExt cx="0" cy="0"/>
-        </a:xfrm>
-      </p:grpSpPr>
-      <p:sp>
-        <p:nvSpPr>
-          <p:cNvPr id="5" name="Номер слайда 4"/>
-          <p:cNvSpPr>
-            <a:spLocks noGrp="1"/>
-          </p:cNvSpPr>
-          <p:nvPr>
-            <p:ph type="sldNum" sz="quarter" idx="12"/>
-          </p:nvPr>
-        </p:nvSpPr>
-        <p:spPr/>
-        <p:txBody>
-          <a:bodyPr/>
-          <a:lstStyle/>
-          <a:p>
-            <a:fld id="{D57F1E4F-1CFF-5643-939E-217C01CDF565}" type="slidenum">
-              <a:rPr lang="en-US" smtClean="0"/>
-              <a:pPr/>
-              <a:t>9</a:t>
-            </a:fld>
-            <a:endParaRPr lang="en-US" dirty="0"/>
-          </a:p>
-        </p:txBody>
-      </p:sp>
-      <p:sp>
-        <p:nvSpPr>
-          <p:cNvPr id="7" name="Заголовок 1"/>
-          <p:cNvSpPr txBox="1">
-            <a:spLocks/>
-          </p:cNvSpPr>
-          <p:nvPr/>
-        </p:nvSpPr>
-        <p:spPr>
-          <a:xfrm>
-            <a:off x="231006" y="117463"/>
-            <a:ext cx="11742821" cy="630958"/>
-          </a:xfrm>
-          <a:prstGeom prst="rect">
-            <a:avLst/>
-          </a:prstGeom>
-        </p:spPr>
-        <p:txBody>
-          <a:bodyPr vert="horz" lIns="91440" tIns="45720" rIns="91440" bIns="45720" rtlCol="0" anchor="ctr">
-            <a:noAutofit/>
-          </a:bodyPr>
-          <a:lstStyle>
-            <a:lvl1pPr algn="l" defTabSz="914400" rtl="0" eaLnBrk="1" latinLnBrk="0" hangingPunct="1">
-              <a:lnSpc>
-                <a:spcPct val="90000"/>
-              </a:lnSpc>
-              <a:spcBef>
-                <a:spcPct val="0"/>
-              </a:spcBef>
-              <a:buNone/>
-              <a:defRPr sz="4400" kern="1200">
-                <a:solidFill>
-                  <a:schemeClr val="tx1"/>
-                </a:solidFill>
-                <a:latin typeface="+mj-lt"/>
-                <a:ea typeface="+mj-ea"/>
-                <a:cs typeface="+mj-cs"/>
-              </a:defRPr>
-            </a:lvl1pPr>
-          </a:lstStyle>
-          <a:p>
-            <a:pPr algn="ctr"/>
-            <a:r>
-              <a:rPr lang="ru-RU" dirty="0" smtClean="0">
-                <a:latin typeface="Times New Roman" panose="02020603050405020304" pitchFamily="18" charset="0"/>
-                <a:cs typeface="Times New Roman" panose="02020603050405020304" pitchFamily="18" charset="0"/>
-              </a:rPr>
-              <a:t>Проектирование</a:t>
-            </a:r>
-            <a:r>
-              <a:rPr lang="en-US" dirty="0">
-                <a:latin typeface="Times New Roman" panose="02020603050405020304" pitchFamily="18" charset="0"/>
-                <a:cs typeface="Times New Roman" panose="02020603050405020304" pitchFamily="18" charset="0"/>
-              </a:rPr>
-              <a:t> </a:t>
-            </a:r>
-            <a:r>
-              <a:rPr lang="ru-RU" dirty="0" smtClean="0">
-                <a:latin typeface="Times New Roman" panose="02020603050405020304" pitchFamily="18" charset="0"/>
-                <a:cs typeface="Times New Roman" panose="02020603050405020304" pitchFamily="18" charset="0"/>
-              </a:rPr>
-              <a:t>базы данных</a:t>
-            </a:r>
-            <a:endParaRPr lang="ru-RU" dirty="0">
-              <a:latin typeface="Times New Roman" panose="02020603050405020304" pitchFamily="18" charset="0"/>
-              <a:cs typeface="Times New Roman" panose="02020603050405020304" pitchFamily="18" charset="0"/>
-            </a:endParaRPr>
-          </a:p>
-        </p:txBody>
-      </p:sp>
-      <p:sp>
-        <p:nvSpPr>
-          <p:cNvPr id="9" name="Нижний колонтитул 3"/>
-          <p:cNvSpPr>
-            <a:spLocks noGrp="1"/>
-          </p:cNvSpPr>
-          <p:nvPr>
-            <p:ph type="ftr" sz="quarter" idx="11"/>
-          </p:nvPr>
-        </p:nvSpPr>
-        <p:spPr>
-          <a:xfrm>
-            <a:off x="684210" y="6356350"/>
-            <a:ext cx="10380029" cy="365125"/>
-          </a:xfrm>
-        </p:spPr>
-        <p:txBody>
-          <a:bodyPr/>
-          <a:lstStyle/>
-          <a:p>
-            <a:r>
-              <a:rPr lang="ru-RU" dirty="0">
-                <a:latin typeface="Times New Roman" panose="02020603050405020304" pitchFamily="18" charset="0"/>
-                <a:cs typeface="Times New Roman" panose="02020603050405020304" pitchFamily="18" charset="0"/>
-              </a:rPr>
-              <a:t>Реализация прототипа мобильного приложения «Список покупок» на базе операционной </a:t>
-            </a:r>
-            <a:r>
-              <a:rPr lang="ru-RU" dirty="0" smtClean="0">
-                <a:latin typeface="Times New Roman" panose="02020603050405020304" pitchFamily="18" charset="0"/>
-                <a:cs typeface="Times New Roman" panose="02020603050405020304" pitchFamily="18" charset="0"/>
-              </a:rPr>
-              <a:t>системы</a:t>
-            </a:r>
-            <a:r>
-              <a:rPr lang="en-US" dirty="0">
-                <a:latin typeface="Times New Roman" panose="02020603050405020304" pitchFamily="18" charset="0"/>
-                <a:cs typeface="Times New Roman" panose="02020603050405020304" pitchFamily="18" charset="0"/>
-              </a:rPr>
-              <a:t> Android</a:t>
-            </a:r>
-            <a:r>
-              <a:rPr lang="ru-RU" dirty="0" smtClean="0">
-                <a:latin typeface="Times New Roman" panose="02020603050405020304" pitchFamily="18" charset="0"/>
-                <a:cs typeface="Times New Roman" panose="02020603050405020304" pitchFamily="18" charset="0"/>
-              </a:rPr>
-              <a:t>. </a:t>
-            </a:r>
-            <a:r>
-              <a:rPr lang="ru-RU" dirty="0">
-                <a:latin typeface="Times New Roman" panose="02020603050405020304" pitchFamily="18" charset="0"/>
-                <a:cs typeface="Times New Roman" panose="02020603050405020304" pitchFamily="18" charset="0"/>
-              </a:rPr>
-              <a:t>Ленский И.И.</a:t>
-            </a:r>
-            <a:endParaRPr lang="en-US" dirty="0">
-              <a:latin typeface="Times New Roman" panose="02020603050405020304" pitchFamily="18" charset="0"/>
-              <a:cs typeface="Times New Roman" panose="02020603050405020304" pitchFamily="18" charset="0"/>
-            </a:endParaRPr>
-          </a:p>
-        </p:txBody>
-      </p:sp>
-      <p:pic>
-        <p:nvPicPr>
-          <p:cNvPr id="2" name="Рисунок 1"/>
-          <p:cNvPicPr>
-            <a:picLocks noChangeAspect="1"/>
-          </p:cNvPicPr>
-          <p:nvPr/>
-        </p:nvPicPr>
-        <p:blipFill>
-          <a:blip r:embed="rId2">
-            <a:extLst>
-              <a:ext uri="{28A0092B-C50C-407E-A947-70E740481C1C}">
-                <a14:useLocalDpi xmlns:a14="http://schemas.microsoft.com/office/drawing/2010/main" val="0"/>
-              </a:ext>
-            </a:extLst>
-          </a:blip>
-          <a:stretch>
-            <a:fillRect/>
-          </a:stretch>
-        </p:blipFill>
-        <p:spPr>
-          <a:xfrm>
-            <a:off x="2997201" y="884664"/>
-            <a:ext cx="5922355" cy="5491505"/>
-          </a:xfrm>
-          <a:prstGeom prst="rect">
-            <a:avLst/>
-          </a:prstGeom>
-        </p:spPr>
-      </p:pic>
-    </p:spTree>
-    <p:extLst>
-      <p:ext uri="{BB962C8B-B14F-4D97-AF65-F5344CB8AC3E}">
-        <p14:creationId xmlns:p14="http://schemas.microsoft.com/office/powerpoint/2010/main" val="316221024"/>
       </p:ext>
     </p:extLst>
   </p:cSld>
